--- a/docs/1905OS.pptx
+++ b/docs/1905OS.pptx
@@ -2,18 +2,34 @@
 <file path=ppt/presentation.xml><?xml version="1.0" encoding="utf-8"?>
 <p:presentation xmlns:a="http://schemas.openxmlformats.org/drawingml/2006/main" xmlns:r="http://schemas.openxmlformats.org/officeDocument/2006/relationships" xmlns:p="http://schemas.openxmlformats.org/presentationml/2006/main" saveSubsetFonts="1">
   <p:sldMasterIdLst>
-    <p:sldMasterId id="2147483648" r:id="rId1"/>
+    <p:sldMasterId id="2147483672" r:id="rId1"/>
   </p:sldMasterIdLst>
   <p:sldIdLst>
     <p:sldId id="256" r:id="rId2"/>
+    <p:sldId id="258" r:id="rId3"/>
+    <p:sldId id="257" r:id="rId4"/>
+    <p:sldId id="259" r:id="rId5"/>
+    <p:sldId id="260" r:id="rId6"/>
+    <p:sldId id="261" r:id="rId7"/>
+    <p:sldId id="262" r:id="rId8"/>
+    <p:sldId id="263" r:id="rId9"/>
+    <p:sldId id="264" r:id="rId10"/>
+    <p:sldId id="265" r:id="rId11"/>
+    <p:sldId id="266" r:id="rId12"/>
+    <p:sldId id="267" r:id="rId13"/>
+    <p:sldId id="268" r:id="rId14"/>
+    <p:sldId id="269" r:id="rId15"/>
+    <p:sldId id="270" r:id="rId16"/>
+    <p:sldId id="271" r:id="rId17"/>
+    <p:sldId id="272" r:id="rId18"/>
   </p:sldIdLst>
   <p:sldSz cx="12192000" cy="6858000"/>
   <p:notesSz cx="6858000" cy="9144000"/>
   <p:defaultTextStyle>
     <a:defPPr>
-      <a:defRPr lang="ru-RU"/>
+      <a:defRPr lang="en-US"/>
     </a:defPPr>
-    <a:lvl1pPr marL="0" algn="l" defTabSz="914400" rtl="0" eaLnBrk="1" latinLnBrk="0" hangingPunct="1">
+    <a:lvl1pPr marL="0" algn="l" defTabSz="457200" rtl="0" eaLnBrk="1" latinLnBrk="0" hangingPunct="1">
       <a:defRPr sz="1800" kern="1200">
         <a:solidFill>
           <a:schemeClr val="tx1"/>
@@ -23,7 +39,7 @@
         <a:cs typeface="+mn-cs"/>
       </a:defRPr>
     </a:lvl1pPr>
-    <a:lvl2pPr marL="457200" algn="l" defTabSz="914400" rtl="0" eaLnBrk="1" latinLnBrk="0" hangingPunct="1">
+    <a:lvl2pPr marL="457200" algn="l" defTabSz="457200" rtl="0" eaLnBrk="1" latinLnBrk="0" hangingPunct="1">
       <a:defRPr sz="1800" kern="1200">
         <a:solidFill>
           <a:schemeClr val="tx1"/>
@@ -33,7 +49,7 @@
         <a:cs typeface="+mn-cs"/>
       </a:defRPr>
     </a:lvl2pPr>
-    <a:lvl3pPr marL="914400" algn="l" defTabSz="914400" rtl="0" eaLnBrk="1" latinLnBrk="0" hangingPunct="1">
+    <a:lvl3pPr marL="914400" algn="l" defTabSz="457200" rtl="0" eaLnBrk="1" latinLnBrk="0" hangingPunct="1">
       <a:defRPr sz="1800" kern="1200">
         <a:solidFill>
           <a:schemeClr val="tx1"/>
@@ -43,7 +59,7 @@
         <a:cs typeface="+mn-cs"/>
       </a:defRPr>
     </a:lvl3pPr>
-    <a:lvl4pPr marL="1371600" algn="l" defTabSz="914400" rtl="0" eaLnBrk="1" latinLnBrk="0" hangingPunct="1">
+    <a:lvl4pPr marL="1371600" algn="l" defTabSz="457200" rtl="0" eaLnBrk="1" latinLnBrk="0" hangingPunct="1">
       <a:defRPr sz="1800" kern="1200">
         <a:solidFill>
           <a:schemeClr val="tx1"/>
@@ -53,7 +69,7 @@
         <a:cs typeface="+mn-cs"/>
       </a:defRPr>
     </a:lvl4pPr>
-    <a:lvl5pPr marL="1828800" algn="l" defTabSz="914400" rtl="0" eaLnBrk="1" latinLnBrk="0" hangingPunct="1">
+    <a:lvl5pPr marL="1828800" algn="l" defTabSz="457200" rtl="0" eaLnBrk="1" latinLnBrk="0" hangingPunct="1">
       <a:defRPr sz="1800" kern="1200">
         <a:solidFill>
           <a:schemeClr val="tx1"/>
@@ -63,7 +79,7 @@
         <a:cs typeface="+mn-cs"/>
       </a:defRPr>
     </a:lvl5pPr>
-    <a:lvl6pPr marL="2286000" algn="l" defTabSz="914400" rtl="0" eaLnBrk="1" latinLnBrk="0" hangingPunct="1">
+    <a:lvl6pPr marL="2286000" algn="l" defTabSz="457200" rtl="0" eaLnBrk="1" latinLnBrk="0" hangingPunct="1">
       <a:defRPr sz="1800" kern="1200">
         <a:solidFill>
           <a:schemeClr val="tx1"/>
@@ -73,7 +89,7 @@
         <a:cs typeface="+mn-cs"/>
       </a:defRPr>
     </a:lvl6pPr>
-    <a:lvl7pPr marL="2743200" algn="l" defTabSz="914400" rtl="0" eaLnBrk="1" latinLnBrk="0" hangingPunct="1">
+    <a:lvl7pPr marL="2743200" algn="l" defTabSz="457200" rtl="0" eaLnBrk="1" latinLnBrk="0" hangingPunct="1">
       <a:defRPr sz="1800" kern="1200">
         <a:solidFill>
           <a:schemeClr val="tx1"/>
@@ -83,7 +99,7 @@
         <a:cs typeface="+mn-cs"/>
       </a:defRPr>
     </a:lvl7pPr>
-    <a:lvl8pPr marL="3200400" algn="l" defTabSz="914400" rtl="0" eaLnBrk="1" latinLnBrk="0" hangingPunct="1">
+    <a:lvl8pPr marL="3200400" algn="l" defTabSz="457200" rtl="0" eaLnBrk="1" latinLnBrk="0" hangingPunct="1">
       <a:defRPr sz="1800" kern="1200">
         <a:solidFill>
           <a:schemeClr val="tx1"/>
@@ -93,7 +109,7 @@
         <a:cs typeface="+mn-cs"/>
       </a:defRPr>
     </a:lvl8pPr>
-    <a:lvl9pPr marL="3657600" algn="l" defTabSz="914400" rtl="0" eaLnBrk="1" latinLnBrk="0" hangingPunct="1">
+    <a:lvl9pPr marL="3657600" algn="l" defTabSz="457200" rtl="0" eaLnBrk="1" latinLnBrk="0" hangingPunct="1">
       <a:defRPr sz="1800" kern="1200">
         <a:solidFill>
           <a:schemeClr val="tx1"/>
@@ -104,11 +120,16 @@
       </a:defRPr>
     </a:lvl9pPr>
   </p:defaultTextStyle>
+  <p:extLst>
+    <p:ext uri="{EFAFB233-063F-42B5-8137-9DF3F51BA10A}">
+      <p15:sldGuideLst xmlns:p15="http://schemas.microsoft.com/office/powerpoint/2012/main"/>
+    </p:ext>
+  </p:extLst>
 </p:presentation>
 </file>
 
 <file path=ppt/slideLayouts/slideLayout1.xml><?xml version="1.0" encoding="utf-8"?>
-<p:sldLayout xmlns:a="http://schemas.openxmlformats.org/drawingml/2006/main" xmlns:r="http://schemas.openxmlformats.org/officeDocument/2006/relationships" xmlns:p="http://schemas.openxmlformats.org/presentationml/2006/main" type="title" preserve="1">
+<p:sldLayout xmlns:a="http://schemas.openxmlformats.org/drawingml/2006/main" xmlns:r="http://schemas.openxmlformats.org/officeDocument/2006/relationships" xmlns:p="http://schemas.openxmlformats.org/presentationml/2006/main" showMasterSp="0" type="title" preserve="1">
   <p:cSld name="Титульный слайд">
     <p:spTree>
       <p:nvGrpSpPr>
@@ -126,31 +147,72 @@
       </p:grpSpPr>
       <p:sp>
         <p:nvSpPr>
-          <p:cNvPr id="2" name="Заголовок 1">
-            <a:extLst>
-              <a:ext uri="{FF2B5EF4-FFF2-40B4-BE49-F238E27FC236}">
-                <a16:creationId xmlns:a16="http://schemas.microsoft.com/office/drawing/2014/main" id="{9456F610-2C5C-4E62-AB19-A573C0CC8FC7}"/>
-              </a:ext>
-            </a:extLst>
-          </p:cNvPr>
-          <p:cNvSpPr>
-            <a:spLocks noGrp="1"/>
-          </p:cNvSpPr>
-          <p:nvPr>
-            <p:ph type="ctrTitle"/>
-          </p:nvPr>
+          <p:cNvPr id="8" name="Rectangle 7"/>
+          <p:cNvSpPr/>
+          <p:nvPr/>
         </p:nvSpPr>
         <p:spPr>
           <a:xfrm>
-            <a:off x="1524000" y="1122363"/>
-            <a:ext cx="9144000" cy="2387600"/>
+            <a:off x="11292840" y="0"/>
+            <a:ext cx="914400" cy="6858000"/>
+          </a:xfrm>
+          <a:prstGeom prst="rect">
+            <a:avLst/>
+          </a:prstGeom>
+          <a:solidFill>
+            <a:srgbClr val="303030"/>
+          </a:solidFill>
+          <a:ln>
+            <a:noFill/>
+          </a:ln>
+        </p:spPr>
+        <p:style>
+          <a:lnRef idx="2">
+            <a:schemeClr val="accent1">
+              <a:shade val="50000"/>
+            </a:schemeClr>
+          </a:lnRef>
+          <a:fillRef idx="1">
+            <a:schemeClr val="accent1"/>
+          </a:fillRef>
+          <a:effectRef idx="0">
+            <a:schemeClr val="accent1"/>
+          </a:effectRef>
+          <a:fontRef idx="minor">
+            <a:schemeClr val="lt1"/>
+          </a:fontRef>
+        </p:style>
+      </p:sp>
+      <p:sp>
+        <p:nvSpPr>
+          <p:cNvPr id="2" name="Title 1"/>
+          <p:cNvSpPr>
+            <a:spLocks noGrp="1"/>
+          </p:cNvSpPr>
+          <p:nvPr>
+            <p:ph type="ctrTitle"/>
+          </p:nvPr>
+        </p:nvSpPr>
+        <p:spPr>
+          <a:xfrm>
+            <a:off x="1261872" y="758952"/>
+            <a:ext cx="9418320" cy="4041648"/>
           </a:xfrm>
         </p:spPr>
         <p:txBody>
-          <a:bodyPr anchor="b"/>
+          <a:bodyPr anchor="b">
+            <a:normAutofit/>
+          </a:bodyPr>
           <a:lstStyle>
-            <a:lvl1pPr algn="ctr">
-              <a:defRPr sz="6000"/>
+            <a:lvl1pPr algn="l">
+              <a:lnSpc>
+                <a:spcPct val="85000"/>
+              </a:lnSpc>
+              <a:defRPr sz="7200" baseline="0">
+                <a:solidFill>
+                  <a:schemeClr val="tx1"/>
+                </a:solidFill>
+              </a:defRPr>
             </a:lvl1pPr>
           </a:lstStyle>
           <a:p>
@@ -158,18 +220,13 @@
               <a:rPr lang="ru-RU"/>
               <a:t>Образец заголовка</a:t>
             </a:r>
-          </a:p>
-        </p:txBody>
-      </p:sp>
-      <p:sp>
-        <p:nvSpPr>
-          <p:cNvPr id="3" name="Подзаголовок 2">
-            <a:extLst>
-              <a:ext uri="{FF2B5EF4-FFF2-40B4-BE49-F238E27FC236}">
-                <a16:creationId xmlns:a16="http://schemas.microsoft.com/office/drawing/2014/main" id="{6242B475-51A5-4759-ADF3-FE4DB9460933}"/>
-              </a:ext>
-            </a:extLst>
-          </p:cNvPr>
+            <a:endParaRPr lang="en-US" dirty="0"/>
+          </a:p>
+        </p:txBody>
+      </p:sp>
+      <p:sp>
+        <p:nvSpPr>
+          <p:cNvPr id="3" name="Subtitle 2"/>
           <p:cNvSpPr>
             <a:spLocks noGrp="1"/>
           </p:cNvSpPr>
@@ -179,48 +236,56 @@
         </p:nvSpPr>
         <p:spPr>
           <a:xfrm>
-            <a:off x="1524000" y="3602038"/>
-            <a:ext cx="9144000" cy="1655762"/>
+            <a:off x="1261872" y="4800600"/>
+            <a:ext cx="9418320" cy="1691640"/>
           </a:xfrm>
         </p:spPr>
         <p:txBody>
-          <a:bodyPr/>
+          <a:bodyPr>
+            <a:normAutofit/>
+          </a:bodyPr>
           <a:lstStyle>
-            <a:lvl1pPr marL="0" indent="0" algn="ctr">
+            <a:lvl1pPr marL="0" indent="0" algn="l">
               <a:buNone/>
-              <a:defRPr sz="2400"/>
+              <a:defRPr sz="2200" baseline="0">
+                <a:solidFill>
+                  <a:schemeClr val="tx1">
+                    <a:lumMod val="65000"/>
+                  </a:schemeClr>
+                </a:solidFill>
+              </a:defRPr>
             </a:lvl1pPr>
             <a:lvl2pPr marL="457200" indent="0" algn="ctr">
               <a:buNone/>
-              <a:defRPr sz="2000"/>
+              <a:defRPr sz="2200"/>
             </a:lvl2pPr>
             <a:lvl3pPr marL="914400" indent="0" algn="ctr">
               <a:buNone/>
-              <a:defRPr sz="1800"/>
+              <a:defRPr sz="2200"/>
             </a:lvl3pPr>
             <a:lvl4pPr marL="1371600" indent="0" algn="ctr">
               <a:buNone/>
-              <a:defRPr sz="1600"/>
+              <a:defRPr sz="2000"/>
             </a:lvl4pPr>
             <a:lvl5pPr marL="1828800" indent="0" algn="ctr">
               <a:buNone/>
-              <a:defRPr sz="1600"/>
+              <a:defRPr sz="2000"/>
             </a:lvl5pPr>
             <a:lvl6pPr marL="2286000" indent="0" algn="ctr">
               <a:buNone/>
-              <a:defRPr sz="1600"/>
+              <a:defRPr sz="2000"/>
             </a:lvl6pPr>
             <a:lvl7pPr marL="2743200" indent="0" algn="ctr">
               <a:buNone/>
-              <a:defRPr sz="1600"/>
+              <a:defRPr sz="2000"/>
             </a:lvl7pPr>
             <a:lvl8pPr marL="3200400" indent="0" algn="ctr">
               <a:buNone/>
-              <a:defRPr sz="1600"/>
+              <a:defRPr sz="2000"/>
             </a:lvl8pPr>
             <a:lvl9pPr marL="3657600" indent="0" algn="ctr">
               <a:buNone/>
-              <a:defRPr sz="1600"/>
+              <a:defRPr sz="2000"/>
             </a:lvl9pPr>
           </a:lstStyle>
           <a:p>
@@ -228,18 +293,13 @@
               <a:rPr lang="ru-RU"/>
               <a:t>Образец подзаголовка</a:t>
             </a:r>
-          </a:p>
-        </p:txBody>
-      </p:sp>
-      <p:sp>
-        <p:nvSpPr>
-          <p:cNvPr id="4" name="Дата 3">
-            <a:extLst>
-              <a:ext uri="{FF2B5EF4-FFF2-40B4-BE49-F238E27FC236}">
-                <a16:creationId xmlns:a16="http://schemas.microsoft.com/office/drawing/2014/main" id="{523ACC6D-FFA2-4E8E-BFFD-CF5B58D2208A}"/>
-              </a:ext>
-            </a:extLst>
-          </p:cNvPr>
+            <a:endParaRPr lang="en-US" dirty="0"/>
+          </a:p>
+        </p:txBody>
+      </p:sp>
+      <p:sp>
+        <p:nvSpPr>
+          <p:cNvPr id="4" name="Date Placeholder 3"/>
           <p:cNvSpPr>
             <a:spLocks noGrp="1"/>
           </p:cNvSpPr>
@@ -250,11 +310,21 @@
         <p:spPr/>
         <p:txBody>
           <a:bodyPr/>
-          <a:lstStyle/>
+          <a:lstStyle>
+            <a:lvl1pPr>
+              <a:defRPr>
+                <a:solidFill>
+                  <a:schemeClr val="tx1">
+                    <a:lumMod val="50000"/>
+                  </a:schemeClr>
+                </a:solidFill>
+              </a:defRPr>
+            </a:lvl1pPr>
+          </a:lstStyle>
           <a:p>
             <a:fld id="{FBA21F5B-0B33-45CA-953D-71AAFEFD0D5C}" type="datetimeFigureOut">
               <a:rPr lang="ru-RU" smtClean="0"/>
-              <a:t>15.08.2021</a:t>
+              <a:t>16.08.2021</a:t>
             </a:fld>
             <a:endParaRPr lang="ru-RU"/>
           </a:p>
@@ -262,13 +332,7 @@
       </p:sp>
       <p:sp>
         <p:nvSpPr>
-          <p:cNvPr id="5" name="Нижний колонтитул 4">
-            <a:extLst>
-              <a:ext uri="{FF2B5EF4-FFF2-40B4-BE49-F238E27FC236}">
-                <a16:creationId xmlns:a16="http://schemas.microsoft.com/office/drawing/2014/main" id="{2263B9EF-2577-4857-9F52-8D319A8B2290}"/>
-              </a:ext>
-            </a:extLst>
-          </p:cNvPr>
+          <p:cNvPr id="5" name="Footer Placeholder 4"/>
           <p:cNvSpPr>
             <a:spLocks noGrp="1"/>
           </p:cNvSpPr>
@@ -279,7 +343,17 @@
         <p:spPr/>
         <p:txBody>
           <a:bodyPr/>
-          <a:lstStyle/>
+          <a:lstStyle>
+            <a:lvl1pPr>
+              <a:defRPr>
+                <a:solidFill>
+                  <a:schemeClr val="tx1">
+                    <a:lumMod val="65000"/>
+                  </a:schemeClr>
+                </a:solidFill>
+              </a:defRPr>
+            </a:lvl1pPr>
+          </a:lstStyle>
           <a:p>
             <a:endParaRPr lang="ru-RU"/>
           </a:p>
@@ -287,13 +361,7 @@
       </p:sp>
       <p:sp>
         <p:nvSpPr>
-          <p:cNvPr id="6" name="Номер слайда 5">
-            <a:extLst>
-              <a:ext uri="{FF2B5EF4-FFF2-40B4-BE49-F238E27FC236}">
-                <a16:creationId xmlns:a16="http://schemas.microsoft.com/office/drawing/2014/main" id="{DECF1BDD-0EB5-47EB-9B47-937B3C99877E}"/>
-              </a:ext>
-            </a:extLst>
-          </p:cNvPr>
+          <p:cNvPr id="6" name="Slide Number Placeholder 5"/>
           <p:cNvSpPr>
             <a:spLocks noGrp="1"/>
           </p:cNvSpPr>
@@ -303,8 +371,14 @@
         </p:nvSpPr>
         <p:spPr/>
         <p:txBody>
-          <a:bodyPr/>
-          <a:lstStyle/>
+          <a:bodyPr vert="horz" lIns="45720" tIns="45720" rIns="45720" bIns="45720" rtlCol="0" anchor="ctr">
+            <a:normAutofit/>
+          </a:bodyPr>
+          <a:lstStyle>
+            <a:lvl1pPr>
+              <a:defRPr lang="en-US"/>
+            </a:lvl1pPr>
+          </a:lstStyle>
           <a:p>
             <a:fld id="{282015A7-F769-4F40-850F-7E942BD4558B}" type="slidenum">
               <a:rPr lang="ru-RU" smtClean="0"/>
@@ -314,10 +388,48 @@
           </a:p>
         </p:txBody>
       </p:sp>
+      <p:sp>
+        <p:nvSpPr>
+          <p:cNvPr id="7" name="Rectangle 6"/>
+          <p:cNvSpPr/>
+          <p:nvPr/>
+        </p:nvSpPr>
+        <p:spPr>
+          <a:xfrm>
+            <a:off x="0" y="0"/>
+            <a:ext cx="457200" cy="6858000"/>
+          </a:xfrm>
+          <a:prstGeom prst="rect">
+            <a:avLst/>
+          </a:prstGeom>
+          <a:solidFill>
+            <a:srgbClr val="303030"/>
+          </a:solidFill>
+          <a:ln>
+            <a:noFill/>
+          </a:ln>
+        </p:spPr>
+        <p:style>
+          <a:lnRef idx="2">
+            <a:schemeClr val="accent1">
+              <a:shade val="50000"/>
+            </a:schemeClr>
+          </a:lnRef>
+          <a:fillRef idx="1">
+            <a:schemeClr val="accent1"/>
+          </a:fillRef>
+          <a:effectRef idx="0">
+            <a:schemeClr val="accent1"/>
+          </a:effectRef>
+          <a:fontRef idx="minor">
+            <a:schemeClr val="lt1"/>
+          </a:fontRef>
+        </p:style>
+      </p:sp>
     </p:spTree>
     <p:extLst>
       <p:ext uri="{BB962C8B-B14F-4D97-AF65-F5344CB8AC3E}">
-        <p14:creationId xmlns:p14="http://schemas.microsoft.com/office/powerpoint/2010/main" val="2883563053"/>
+        <p14:creationId xmlns:p14="http://schemas.microsoft.com/office/powerpoint/2010/main" val="1889154470"/>
       </p:ext>
     </p:extLst>
   </p:cSld>
@@ -346,13 +458,7 @@
       </p:grpSpPr>
       <p:sp>
         <p:nvSpPr>
-          <p:cNvPr id="2" name="Заголовок 1">
-            <a:extLst>
-              <a:ext uri="{FF2B5EF4-FFF2-40B4-BE49-F238E27FC236}">
-                <a16:creationId xmlns:a16="http://schemas.microsoft.com/office/drawing/2014/main" id="{EBF8F8BC-39B9-452D-991A-38221D2B4CDA}"/>
-              </a:ext>
-            </a:extLst>
-          </p:cNvPr>
+          <p:cNvPr id="2" name="Title 1"/>
           <p:cNvSpPr>
             <a:spLocks noGrp="1"/>
           </p:cNvSpPr>
@@ -369,18 +475,13 @@
               <a:rPr lang="ru-RU"/>
               <a:t>Образец заголовка</a:t>
             </a:r>
-          </a:p>
-        </p:txBody>
-      </p:sp>
-      <p:sp>
-        <p:nvSpPr>
-          <p:cNvPr id="3" name="Вертикальный текст 2">
-            <a:extLst>
-              <a:ext uri="{FF2B5EF4-FFF2-40B4-BE49-F238E27FC236}">
-                <a16:creationId xmlns:a16="http://schemas.microsoft.com/office/drawing/2014/main" id="{4FC1723A-FE8B-491A-A66A-5A7989476F35}"/>
-              </a:ext>
-            </a:extLst>
-          </p:cNvPr>
+            <a:endParaRPr lang="en-US" dirty="0"/>
+          </a:p>
+        </p:txBody>
+      </p:sp>
+      <p:sp>
+        <p:nvSpPr>
+          <p:cNvPr id="3" name="Vertical Text Placeholder 2"/>
           <p:cNvSpPr>
             <a:spLocks noGrp="1"/>
           </p:cNvSpPr>
@@ -426,18 +527,13 @@
               <a:rPr lang="ru-RU"/>
               <a:t>Пятый уровень</a:t>
             </a:r>
-          </a:p>
-        </p:txBody>
-      </p:sp>
-      <p:sp>
-        <p:nvSpPr>
-          <p:cNvPr id="4" name="Дата 3">
-            <a:extLst>
-              <a:ext uri="{FF2B5EF4-FFF2-40B4-BE49-F238E27FC236}">
-                <a16:creationId xmlns:a16="http://schemas.microsoft.com/office/drawing/2014/main" id="{B2683354-24FE-42F4-BFA3-D15FA860F125}"/>
-              </a:ext>
-            </a:extLst>
-          </p:cNvPr>
+            <a:endParaRPr lang="en-US" dirty="0"/>
+          </a:p>
+        </p:txBody>
+      </p:sp>
+      <p:sp>
+        <p:nvSpPr>
+          <p:cNvPr id="4" name="Date Placeholder 3"/>
           <p:cNvSpPr>
             <a:spLocks noGrp="1"/>
           </p:cNvSpPr>
@@ -452,7 +548,7 @@
           <a:p>
             <a:fld id="{FBA21F5B-0B33-45CA-953D-71AAFEFD0D5C}" type="datetimeFigureOut">
               <a:rPr lang="ru-RU" smtClean="0"/>
-              <a:t>15.08.2021</a:t>
+              <a:t>16.08.2021</a:t>
             </a:fld>
             <a:endParaRPr lang="ru-RU"/>
           </a:p>
@@ -460,13 +556,7 @@
       </p:sp>
       <p:sp>
         <p:nvSpPr>
-          <p:cNvPr id="5" name="Нижний колонтитул 4">
-            <a:extLst>
-              <a:ext uri="{FF2B5EF4-FFF2-40B4-BE49-F238E27FC236}">
-                <a16:creationId xmlns:a16="http://schemas.microsoft.com/office/drawing/2014/main" id="{E306AE17-01E4-417A-9E6E-37E70D155C12}"/>
-              </a:ext>
-            </a:extLst>
-          </p:cNvPr>
+          <p:cNvPr id="5" name="Footer Placeholder 4"/>
           <p:cNvSpPr>
             <a:spLocks noGrp="1"/>
           </p:cNvSpPr>
@@ -485,13 +575,7 @@
       </p:sp>
       <p:sp>
         <p:nvSpPr>
-          <p:cNvPr id="6" name="Номер слайда 5">
-            <a:extLst>
-              <a:ext uri="{FF2B5EF4-FFF2-40B4-BE49-F238E27FC236}">
-                <a16:creationId xmlns:a16="http://schemas.microsoft.com/office/drawing/2014/main" id="{F5E47D30-B5A3-46B2-AF79-B59B6C63E366}"/>
-              </a:ext>
-            </a:extLst>
-          </p:cNvPr>
+          <p:cNvPr id="6" name="Slide Number Placeholder 5"/>
           <p:cNvSpPr>
             <a:spLocks noGrp="1"/>
           </p:cNvSpPr>
@@ -515,7 +599,7 @@
     </p:spTree>
     <p:extLst>
       <p:ext uri="{BB962C8B-B14F-4D97-AF65-F5344CB8AC3E}">
-        <p14:creationId xmlns:p14="http://schemas.microsoft.com/office/powerpoint/2010/main" val="1594048025"/>
+        <p14:creationId xmlns:p14="http://schemas.microsoft.com/office/powerpoint/2010/main" val="2428466923"/>
       </p:ext>
     </p:extLst>
   </p:cSld>
@@ -544,13 +628,7 @@
       </p:grpSpPr>
       <p:sp>
         <p:nvSpPr>
-          <p:cNvPr id="2" name="Вертикальный заголовок 1">
-            <a:extLst>
-              <a:ext uri="{FF2B5EF4-FFF2-40B4-BE49-F238E27FC236}">
-                <a16:creationId xmlns:a16="http://schemas.microsoft.com/office/drawing/2014/main" id="{571CF25B-C559-40F7-AA9D-DF3D8C16DF84}"/>
-              </a:ext>
-            </a:extLst>
-          </p:cNvPr>
+          <p:cNvPr id="2" name="Vertical Title 1"/>
           <p:cNvSpPr>
             <a:spLocks noGrp="1"/>
           </p:cNvSpPr>
@@ -560,8 +638,8 @@
         </p:nvSpPr>
         <p:spPr>
           <a:xfrm>
-            <a:off x="8724900" y="365125"/>
-            <a:ext cx="2628900" cy="5811838"/>
+            <a:off x="8648700" y="381000"/>
+            <a:ext cx="2476500" cy="5897562"/>
           </a:xfrm>
         </p:spPr>
         <p:txBody>
@@ -572,18 +650,13 @@
               <a:rPr lang="ru-RU"/>
               <a:t>Образец заголовка</a:t>
             </a:r>
-          </a:p>
-        </p:txBody>
-      </p:sp>
-      <p:sp>
-        <p:nvSpPr>
-          <p:cNvPr id="3" name="Вертикальный текст 2">
-            <a:extLst>
-              <a:ext uri="{FF2B5EF4-FFF2-40B4-BE49-F238E27FC236}">
-                <a16:creationId xmlns:a16="http://schemas.microsoft.com/office/drawing/2014/main" id="{BF72BF55-7C6E-4763-A536-63D0E2516D36}"/>
-              </a:ext>
-            </a:extLst>
-          </p:cNvPr>
+            <a:endParaRPr lang="en-US" dirty="0"/>
+          </a:p>
+        </p:txBody>
+      </p:sp>
+      <p:sp>
+        <p:nvSpPr>
+          <p:cNvPr id="3" name="Vertical Text Placeholder 2"/>
           <p:cNvSpPr>
             <a:spLocks noGrp="1"/>
           </p:cNvSpPr>
@@ -593,8 +666,8 @@
         </p:nvSpPr>
         <p:spPr>
           <a:xfrm>
-            <a:off x="838200" y="365125"/>
-            <a:ext cx="7734300" cy="5811838"/>
+            <a:off x="762000" y="381000"/>
+            <a:ext cx="7734300" cy="5897562"/>
           </a:xfrm>
         </p:spPr>
         <p:txBody>
@@ -634,18 +707,13 @@
               <a:rPr lang="ru-RU"/>
               <a:t>Пятый уровень</a:t>
             </a:r>
-          </a:p>
-        </p:txBody>
-      </p:sp>
-      <p:sp>
-        <p:nvSpPr>
-          <p:cNvPr id="4" name="Дата 3">
-            <a:extLst>
-              <a:ext uri="{FF2B5EF4-FFF2-40B4-BE49-F238E27FC236}">
-                <a16:creationId xmlns:a16="http://schemas.microsoft.com/office/drawing/2014/main" id="{2EB27954-2F2F-4582-825A-FACB43CEAEF9}"/>
-              </a:ext>
-            </a:extLst>
-          </p:cNvPr>
+            <a:endParaRPr lang="en-US" dirty="0"/>
+          </a:p>
+        </p:txBody>
+      </p:sp>
+      <p:sp>
+        <p:nvSpPr>
+          <p:cNvPr id="4" name="Date Placeholder 3"/>
           <p:cNvSpPr>
             <a:spLocks noGrp="1"/>
           </p:cNvSpPr>
@@ -660,7 +728,7 @@
           <a:p>
             <a:fld id="{FBA21F5B-0B33-45CA-953D-71AAFEFD0D5C}" type="datetimeFigureOut">
               <a:rPr lang="ru-RU" smtClean="0"/>
-              <a:t>15.08.2021</a:t>
+              <a:t>16.08.2021</a:t>
             </a:fld>
             <a:endParaRPr lang="ru-RU"/>
           </a:p>
@@ -668,13 +736,7 @@
       </p:sp>
       <p:sp>
         <p:nvSpPr>
-          <p:cNvPr id="5" name="Нижний колонтитул 4">
-            <a:extLst>
-              <a:ext uri="{FF2B5EF4-FFF2-40B4-BE49-F238E27FC236}">
-                <a16:creationId xmlns:a16="http://schemas.microsoft.com/office/drawing/2014/main" id="{F81D5023-3D0F-42A1-B129-FC2D6AC8BA10}"/>
-              </a:ext>
-            </a:extLst>
-          </p:cNvPr>
+          <p:cNvPr id="5" name="Footer Placeholder 4"/>
           <p:cNvSpPr>
             <a:spLocks noGrp="1"/>
           </p:cNvSpPr>
@@ -693,13 +755,7 @@
       </p:sp>
       <p:sp>
         <p:nvSpPr>
-          <p:cNvPr id="6" name="Номер слайда 5">
-            <a:extLst>
-              <a:ext uri="{FF2B5EF4-FFF2-40B4-BE49-F238E27FC236}">
-                <a16:creationId xmlns:a16="http://schemas.microsoft.com/office/drawing/2014/main" id="{C90B6668-3130-416D-A3A9-7B3F83424409}"/>
-              </a:ext>
-            </a:extLst>
-          </p:cNvPr>
+          <p:cNvPr id="6" name="Slide Number Placeholder 5"/>
           <p:cNvSpPr>
             <a:spLocks noGrp="1"/>
           </p:cNvSpPr>
@@ -723,7 +779,7 @@
     </p:spTree>
     <p:extLst>
       <p:ext uri="{BB962C8B-B14F-4D97-AF65-F5344CB8AC3E}">
-        <p14:creationId xmlns:p14="http://schemas.microsoft.com/office/powerpoint/2010/main" val="182630389"/>
+        <p14:creationId xmlns:p14="http://schemas.microsoft.com/office/powerpoint/2010/main" val="4009674275"/>
       </p:ext>
     </p:extLst>
   </p:cSld>
@@ -752,13 +808,7 @@
       </p:grpSpPr>
       <p:sp>
         <p:nvSpPr>
-          <p:cNvPr id="2" name="Заголовок 1">
-            <a:extLst>
-              <a:ext uri="{FF2B5EF4-FFF2-40B4-BE49-F238E27FC236}">
-                <a16:creationId xmlns:a16="http://schemas.microsoft.com/office/drawing/2014/main" id="{BF1F3BDF-CB8D-4DE7-991F-95765CA6F3BB}"/>
-              </a:ext>
-            </a:extLst>
-          </p:cNvPr>
+          <p:cNvPr id="2" name="Title 1"/>
           <p:cNvSpPr>
             <a:spLocks noGrp="1"/>
           </p:cNvSpPr>
@@ -775,18 +825,13 @@
               <a:rPr lang="ru-RU"/>
               <a:t>Образец заголовка</a:t>
             </a:r>
-          </a:p>
-        </p:txBody>
-      </p:sp>
-      <p:sp>
-        <p:nvSpPr>
-          <p:cNvPr id="3" name="Объект 2">
-            <a:extLst>
-              <a:ext uri="{FF2B5EF4-FFF2-40B4-BE49-F238E27FC236}">
-                <a16:creationId xmlns:a16="http://schemas.microsoft.com/office/drawing/2014/main" id="{EDB34354-F74B-4F67-9198-5591AA762183}"/>
-              </a:ext>
-            </a:extLst>
-          </p:cNvPr>
+            <a:endParaRPr lang="en-US" dirty="0"/>
+          </a:p>
+        </p:txBody>
+      </p:sp>
+      <p:sp>
+        <p:nvSpPr>
+          <p:cNvPr id="3" name="Content Placeholder 2"/>
           <p:cNvSpPr>
             <a:spLocks noGrp="1"/>
           </p:cNvSpPr>
@@ -832,18 +877,13 @@
               <a:rPr lang="ru-RU"/>
               <a:t>Пятый уровень</a:t>
             </a:r>
-          </a:p>
-        </p:txBody>
-      </p:sp>
-      <p:sp>
-        <p:nvSpPr>
-          <p:cNvPr id="4" name="Дата 3">
-            <a:extLst>
-              <a:ext uri="{FF2B5EF4-FFF2-40B4-BE49-F238E27FC236}">
-                <a16:creationId xmlns:a16="http://schemas.microsoft.com/office/drawing/2014/main" id="{6B2DEACA-E5CF-4B63-B3A4-3382630BFF0C}"/>
-              </a:ext>
-            </a:extLst>
-          </p:cNvPr>
+            <a:endParaRPr lang="en-US" dirty="0"/>
+          </a:p>
+        </p:txBody>
+      </p:sp>
+      <p:sp>
+        <p:nvSpPr>
+          <p:cNvPr id="4" name="Date Placeholder 3"/>
           <p:cNvSpPr>
             <a:spLocks noGrp="1"/>
           </p:cNvSpPr>
@@ -858,7 +898,7 @@
           <a:p>
             <a:fld id="{FBA21F5B-0B33-45CA-953D-71AAFEFD0D5C}" type="datetimeFigureOut">
               <a:rPr lang="ru-RU" smtClean="0"/>
-              <a:t>15.08.2021</a:t>
+              <a:t>16.08.2021</a:t>
             </a:fld>
             <a:endParaRPr lang="ru-RU"/>
           </a:p>
@@ -866,13 +906,7 @@
       </p:sp>
       <p:sp>
         <p:nvSpPr>
-          <p:cNvPr id="5" name="Нижний колонтитул 4">
-            <a:extLst>
-              <a:ext uri="{FF2B5EF4-FFF2-40B4-BE49-F238E27FC236}">
-                <a16:creationId xmlns:a16="http://schemas.microsoft.com/office/drawing/2014/main" id="{DDAFEA58-8FDF-4E13-869D-7B860A7601F8}"/>
-              </a:ext>
-            </a:extLst>
-          </p:cNvPr>
+          <p:cNvPr id="5" name="Footer Placeholder 4"/>
           <p:cNvSpPr>
             <a:spLocks noGrp="1"/>
           </p:cNvSpPr>
@@ -891,13 +925,7 @@
       </p:sp>
       <p:sp>
         <p:nvSpPr>
-          <p:cNvPr id="6" name="Номер слайда 5">
-            <a:extLst>
-              <a:ext uri="{FF2B5EF4-FFF2-40B4-BE49-F238E27FC236}">
-                <a16:creationId xmlns:a16="http://schemas.microsoft.com/office/drawing/2014/main" id="{DC2D3DDC-1B4C-431E-8572-44BB2433BB0E}"/>
-              </a:ext>
-            </a:extLst>
-          </p:cNvPr>
+          <p:cNvPr id="6" name="Slide Number Placeholder 5"/>
           <p:cNvSpPr>
             <a:spLocks noGrp="1"/>
           </p:cNvSpPr>
@@ -921,7 +949,7 @@
     </p:spTree>
     <p:extLst>
       <p:ext uri="{BB962C8B-B14F-4D97-AF65-F5344CB8AC3E}">
-        <p14:creationId xmlns:p14="http://schemas.microsoft.com/office/powerpoint/2010/main" val="1176843954"/>
+        <p14:creationId xmlns:p14="http://schemas.microsoft.com/office/powerpoint/2010/main" val="2127056616"/>
       </p:ext>
     </p:extLst>
   </p:cSld>
@@ -932,7 +960,7 @@
 </file>
 
 <file path=ppt/slideLayouts/slideLayout3.xml><?xml version="1.0" encoding="utf-8"?>
-<p:sldLayout xmlns:a="http://schemas.openxmlformats.org/drawingml/2006/main" xmlns:r="http://schemas.openxmlformats.org/officeDocument/2006/relationships" xmlns:p="http://schemas.openxmlformats.org/presentationml/2006/main" type="secHead" preserve="1">
+<p:sldLayout xmlns:a="http://schemas.openxmlformats.org/drawingml/2006/main" xmlns:r="http://schemas.openxmlformats.org/officeDocument/2006/relationships" xmlns:p="http://schemas.openxmlformats.org/presentationml/2006/main" showMasterSp="0" type="secHead" preserve="1">
   <p:cSld name="Заголовок раздела">
     <p:spTree>
       <p:nvGrpSpPr>
@@ -950,31 +978,68 @@
       </p:grpSpPr>
       <p:sp>
         <p:nvSpPr>
-          <p:cNvPr id="2" name="Заголовок 1">
-            <a:extLst>
-              <a:ext uri="{FF2B5EF4-FFF2-40B4-BE49-F238E27FC236}">
-                <a16:creationId xmlns:a16="http://schemas.microsoft.com/office/drawing/2014/main" id="{B3888350-C188-4877-B066-9E7E5D35DA4A}"/>
-              </a:ext>
-            </a:extLst>
-          </p:cNvPr>
-          <p:cNvSpPr>
-            <a:spLocks noGrp="1"/>
-          </p:cNvSpPr>
-          <p:nvPr>
-            <p:ph type="title"/>
-          </p:nvPr>
+          <p:cNvPr id="8" name="Rectangle 7"/>
+          <p:cNvSpPr/>
+          <p:nvPr/>
         </p:nvSpPr>
         <p:spPr>
           <a:xfrm>
-            <a:off x="831850" y="1709738"/>
-            <a:ext cx="10515600" cy="2852737"/>
+            <a:off x="11292840" y="0"/>
+            <a:ext cx="914400" cy="6858000"/>
+          </a:xfrm>
+          <a:prstGeom prst="rect">
+            <a:avLst/>
+          </a:prstGeom>
+          <a:solidFill>
+            <a:srgbClr val="303030"/>
+          </a:solidFill>
+          <a:ln>
+            <a:noFill/>
+          </a:ln>
+        </p:spPr>
+        <p:style>
+          <a:lnRef idx="2">
+            <a:schemeClr val="accent1">
+              <a:shade val="50000"/>
+            </a:schemeClr>
+          </a:lnRef>
+          <a:fillRef idx="1">
+            <a:schemeClr val="accent1"/>
+          </a:fillRef>
+          <a:effectRef idx="0">
+            <a:schemeClr val="accent1"/>
+          </a:effectRef>
+          <a:fontRef idx="minor">
+            <a:schemeClr val="lt1"/>
+          </a:fontRef>
+        </p:style>
+      </p:sp>
+      <p:sp>
+        <p:nvSpPr>
+          <p:cNvPr id="2" name="Title 1"/>
+          <p:cNvSpPr>
+            <a:spLocks noGrp="1"/>
+          </p:cNvSpPr>
+          <p:nvPr>
+            <p:ph type="title"/>
+          </p:nvPr>
+        </p:nvSpPr>
+        <p:spPr>
+          <a:xfrm>
+            <a:off x="1261872" y="758952"/>
+            <a:ext cx="9418320" cy="4041648"/>
           </a:xfrm>
         </p:spPr>
         <p:txBody>
-          <a:bodyPr anchor="b"/>
+          <a:bodyPr anchor="b">
+            <a:normAutofit/>
+          </a:bodyPr>
           <a:lstStyle>
             <a:lvl1pPr>
-              <a:defRPr sz="6000"/>
+              <a:lnSpc>
+                <a:spcPct val="85000"/>
+              </a:lnSpc>
+              <a:defRPr sz="7200" b="0"/>
             </a:lvl1pPr>
           </a:lstStyle>
           <a:p>
@@ -982,18 +1047,13 @@
               <a:rPr lang="ru-RU"/>
               <a:t>Образец заголовка</a:t>
             </a:r>
-          </a:p>
-        </p:txBody>
-      </p:sp>
-      <p:sp>
-        <p:nvSpPr>
-          <p:cNvPr id="3" name="Текст 2">
-            <a:extLst>
-              <a:ext uri="{FF2B5EF4-FFF2-40B4-BE49-F238E27FC236}">
-                <a16:creationId xmlns:a16="http://schemas.microsoft.com/office/drawing/2014/main" id="{1D591D9A-FE29-4665-83CB-E7CEEB1DD36A}"/>
-              </a:ext>
-            </a:extLst>
-          </p:cNvPr>
+            <a:endParaRPr lang="en-US" dirty="0"/>
+          </a:p>
+        </p:txBody>
+      </p:sp>
+      <p:sp>
+        <p:nvSpPr>
+          <p:cNvPr id="3" name="Text Placeholder 2"/>
           <p:cNvSpPr>
             <a:spLocks noGrp="1"/>
           </p:cNvSpPr>
@@ -1003,26 +1063,28 @@
         </p:nvSpPr>
         <p:spPr>
           <a:xfrm>
-            <a:off x="831850" y="4589463"/>
-            <a:ext cx="10515600" cy="1500187"/>
+            <a:off x="1261872" y="4800600"/>
+            <a:ext cx="9418320" cy="1691640"/>
           </a:xfrm>
         </p:spPr>
         <p:txBody>
-          <a:bodyPr/>
+          <a:bodyPr anchor="t">
+            <a:normAutofit/>
+          </a:bodyPr>
           <a:lstStyle>
             <a:lvl1pPr marL="0" indent="0">
               <a:buNone/>
-              <a:defRPr sz="2400">
+              <a:defRPr sz="2200">
                 <a:solidFill>
                   <a:schemeClr val="tx1">
-                    <a:tint val="75000"/>
+                    <a:lumMod val="65000"/>
                   </a:schemeClr>
                 </a:solidFill>
               </a:defRPr>
             </a:lvl1pPr>
             <a:lvl2pPr marL="457200" indent="0">
               <a:buNone/>
-              <a:defRPr sz="2000">
+              <a:defRPr sz="1800">
                 <a:solidFill>
                   <a:schemeClr val="tx1">
                     <a:tint val="75000"/>
@@ -1032,7 +1094,7 @@
             </a:lvl2pPr>
             <a:lvl3pPr marL="914400" indent="0">
               <a:buNone/>
-              <a:defRPr sz="1800">
+              <a:defRPr sz="1600">
                 <a:solidFill>
                   <a:schemeClr val="tx1">
                     <a:tint val="75000"/>
@@ -1042,7 +1104,7 @@
             </a:lvl3pPr>
             <a:lvl4pPr marL="1371600" indent="0">
               <a:buNone/>
-              <a:defRPr sz="1600">
+              <a:defRPr sz="1400">
                 <a:solidFill>
                   <a:schemeClr val="tx1">
                     <a:tint val="75000"/>
@@ -1052,7 +1114,7 @@
             </a:lvl4pPr>
             <a:lvl5pPr marL="1828800" indent="0">
               <a:buNone/>
-              <a:defRPr sz="1600">
+              <a:defRPr sz="1400">
                 <a:solidFill>
                   <a:schemeClr val="tx1">
                     <a:tint val="75000"/>
@@ -1062,7 +1124,7 @@
             </a:lvl5pPr>
             <a:lvl6pPr marL="2286000" indent="0">
               <a:buNone/>
-              <a:defRPr sz="1600">
+              <a:defRPr sz="1400">
                 <a:solidFill>
                   <a:schemeClr val="tx1">
                     <a:tint val="75000"/>
@@ -1072,7 +1134,7 @@
             </a:lvl6pPr>
             <a:lvl7pPr marL="2743200" indent="0">
               <a:buNone/>
-              <a:defRPr sz="1600">
+              <a:defRPr sz="1400">
                 <a:solidFill>
                   <a:schemeClr val="tx1">
                     <a:tint val="75000"/>
@@ -1082,7 +1144,7 @@
             </a:lvl7pPr>
             <a:lvl8pPr marL="3200400" indent="0">
               <a:buNone/>
-              <a:defRPr sz="1600">
+              <a:defRPr sz="1400">
                 <a:solidFill>
                   <a:schemeClr val="tx1">
                     <a:tint val="75000"/>
@@ -1092,7 +1154,7 @@
             </a:lvl8pPr>
             <a:lvl9pPr marL="3657600" indent="0">
               <a:buNone/>
-              <a:defRPr sz="1600">
+              <a:defRPr sz="1400">
                 <a:solidFill>
                   <a:schemeClr val="tx1">
                     <a:tint val="75000"/>
@@ -1112,13 +1174,7 @@
       </p:sp>
       <p:sp>
         <p:nvSpPr>
-          <p:cNvPr id="4" name="Дата 3">
-            <a:extLst>
-              <a:ext uri="{FF2B5EF4-FFF2-40B4-BE49-F238E27FC236}">
-                <a16:creationId xmlns:a16="http://schemas.microsoft.com/office/drawing/2014/main" id="{5BB626A0-AA5F-49EB-8F4B-DD9F2736C4FA}"/>
-              </a:ext>
-            </a:extLst>
-          </p:cNvPr>
+          <p:cNvPr id="4" name="Date Placeholder 3"/>
           <p:cNvSpPr>
             <a:spLocks noGrp="1"/>
           </p:cNvSpPr>
@@ -1133,7 +1189,7 @@
           <a:p>
             <a:fld id="{FBA21F5B-0B33-45CA-953D-71AAFEFD0D5C}" type="datetimeFigureOut">
               <a:rPr lang="ru-RU" smtClean="0"/>
-              <a:t>15.08.2021</a:t>
+              <a:t>16.08.2021</a:t>
             </a:fld>
             <a:endParaRPr lang="ru-RU"/>
           </a:p>
@@ -1141,13 +1197,7 @@
       </p:sp>
       <p:sp>
         <p:nvSpPr>
-          <p:cNvPr id="5" name="Нижний колонтитул 4">
-            <a:extLst>
-              <a:ext uri="{FF2B5EF4-FFF2-40B4-BE49-F238E27FC236}">
-                <a16:creationId xmlns:a16="http://schemas.microsoft.com/office/drawing/2014/main" id="{1DBF547E-A0DC-47C5-B6F5-FEC439BB0446}"/>
-              </a:ext>
-            </a:extLst>
-          </p:cNvPr>
+          <p:cNvPr id="5" name="Footer Placeholder 4"/>
           <p:cNvSpPr>
             <a:spLocks noGrp="1"/>
           </p:cNvSpPr>
@@ -1166,13 +1216,7 @@
       </p:sp>
       <p:sp>
         <p:nvSpPr>
-          <p:cNvPr id="6" name="Номер слайда 5">
-            <a:extLst>
-              <a:ext uri="{FF2B5EF4-FFF2-40B4-BE49-F238E27FC236}">
-                <a16:creationId xmlns:a16="http://schemas.microsoft.com/office/drawing/2014/main" id="{92353166-AF85-47C4-96F0-C7BEBB55D251}"/>
-              </a:ext>
-            </a:extLst>
-          </p:cNvPr>
+          <p:cNvPr id="6" name="Slide Number Placeholder 5"/>
           <p:cNvSpPr>
             <a:spLocks noGrp="1"/>
           </p:cNvSpPr>
@@ -1193,10 +1237,48 @@
           </a:p>
         </p:txBody>
       </p:sp>
+      <p:sp>
+        <p:nvSpPr>
+          <p:cNvPr id="7" name="Rectangle 6"/>
+          <p:cNvSpPr/>
+          <p:nvPr/>
+        </p:nvSpPr>
+        <p:spPr>
+          <a:xfrm>
+            <a:off x="0" y="0"/>
+            <a:ext cx="457200" cy="6858000"/>
+          </a:xfrm>
+          <a:prstGeom prst="rect">
+            <a:avLst/>
+          </a:prstGeom>
+          <a:solidFill>
+            <a:srgbClr val="303030"/>
+          </a:solidFill>
+          <a:ln>
+            <a:noFill/>
+          </a:ln>
+        </p:spPr>
+        <p:style>
+          <a:lnRef idx="2">
+            <a:schemeClr val="accent1">
+              <a:shade val="50000"/>
+            </a:schemeClr>
+          </a:lnRef>
+          <a:fillRef idx="1">
+            <a:schemeClr val="accent1"/>
+          </a:fillRef>
+          <a:effectRef idx="0">
+            <a:schemeClr val="accent1"/>
+          </a:effectRef>
+          <a:fontRef idx="minor">
+            <a:schemeClr val="lt1"/>
+          </a:fontRef>
+        </p:style>
+      </p:sp>
     </p:spTree>
     <p:extLst>
       <p:ext uri="{BB962C8B-B14F-4D97-AF65-F5344CB8AC3E}">
-        <p14:creationId xmlns:p14="http://schemas.microsoft.com/office/powerpoint/2010/main" val="376283933"/>
+        <p14:creationId xmlns:p14="http://schemas.microsoft.com/office/powerpoint/2010/main" val="3686531167"/>
       </p:ext>
     </p:extLst>
   </p:cSld>
@@ -1225,13 +1307,7 @@
       </p:grpSpPr>
       <p:sp>
         <p:nvSpPr>
-          <p:cNvPr id="2" name="Заголовок 1">
-            <a:extLst>
-              <a:ext uri="{FF2B5EF4-FFF2-40B4-BE49-F238E27FC236}">
-                <a16:creationId xmlns:a16="http://schemas.microsoft.com/office/drawing/2014/main" id="{9A01E741-8916-432F-8874-9E9BAE3B4236}"/>
-              </a:ext>
-            </a:extLst>
-          </p:cNvPr>
+          <p:cNvPr id="2" name="Title 1"/>
           <p:cNvSpPr>
             <a:spLocks noGrp="1"/>
           </p:cNvSpPr>
@@ -1248,18 +1324,13 @@
               <a:rPr lang="ru-RU"/>
               <a:t>Образец заголовка</a:t>
             </a:r>
-          </a:p>
-        </p:txBody>
-      </p:sp>
-      <p:sp>
-        <p:nvSpPr>
-          <p:cNvPr id="3" name="Объект 2">
-            <a:extLst>
-              <a:ext uri="{FF2B5EF4-FFF2-40B4-BE49-F238E27FC236}">
-                <a16:creationId xmlns:a16="http://schemas.microsoft.com/office/drawing/2014/main" id="{4D4CDF27-410C-4ABB-8A97-8B4EDBAB58AB}"/>
-              </a:ext>
-            </a:extLst>
-          </p:cNvPr>
+            <a:endParaRPr lang="en-US" dirty="0"/>
+          </a:p>
+        </p:txBody>
+      </p:sp>
+      <p:sp>
+        <p:nvSpPr>
+          <p:cNvPr id="3" name="Content Placeholder 2"/>
           <p:cNvSpPr>
             <a:spLocks noGrp="1"/>
           </p:cNvSpPr>
@@ -1269,13 +1340,41 @@
         </p:nvSpPr>
         <p:spPr>
           <a:xfrm>
-            <a:off x="838200" y="1825625"/>
-            <a:ext cx="5181600" cy="4351338"/>
+            <a:off x="1261872" y="1828800"/>
+            <a:ext cx="4480560" cy="4351337"/>
           </a:xfrm>
         </p:spPr>
         <p:txBody>
           <a:bodyPr/>
-          <a:lstStyle/>
+          <a:lstStyle>
+            <a:lvl1pPr>
+              <a:defRPr sz="1800"/>
+            </a:lvl1pPr>
+            <a:lvl2pPr>
+              <a:defRPr sz="1600"/>
+            </a:lvl2pPr>
+            <a:lvl3pPr>
+              <a:defRPr sz="1400"/>
+            </a:lvl3pPr>
+            <a:lvl4pPr>
+              <a:defRPr sz="1400"/>
+            </a:lvl4pPr>
+            <a:lvl5pPr>
+              <a:defRPr sz="1400"/>
+            </a:lvl5pPr>
+            <a:lvl6pPr>
+              <a:defRPr sz="1400"/>
+            </a:lvl6pPr>
+            <a:lvl7pPr>
+              <a:defRPr sz="1400"/>
+            </a:lvl7pPr>
+            <a:lvl8pPr>
+              <a:defRPr sz="1400"/>
+            </a:lvl8pPr>
+            <a:lvl9pPr>
+              <a:defRPr sz="1400"/>
+            </a:lvl9pPr>
+          </a:lstStyle>
           <a:p>
             <a:pPr lvl="0"/>
             <a:r>
@@ -1310,18 +1409,13 @@
               <a:rPr lang="ru-RU"/>
               <a:t>Пятый уровень</a:t>
             </a:r>
-          </a:p>
-        </p:txBody>
-      </p:sp>
-      <p:sp>
-        <p:nvSpPr>
-          <p:cNvPr id="4" name="Объект 3">
-            <a:extLst>
-              <a:ext uri="{FF2B5EF4-FFF2-40B4-BE49-F238E27FC236}">
-                <a16:creationId xmlns:a16="http://schemas.microsoft.com/office/drawing/2014/main" id="{3792E98D-80C5-4FCD-BDA9-FC613607176D}"/>
-              </a:ext>
-            </a:extLst>
-          </p:cNvPr>
+            <a:endParaRPr lang="en-US" dirty="0"/>
+          </a:p>
+        </p:txBody>
+      </p:sp>
+      <p:sp>
+        <p:nvSpPr>
+          <p:cNvPr id="4" name="Content Placeholder 3"/>
           <p:cNvSpPr>
             <a:spLocks noGrp="1"/>
           </p:cNvSpPr>
@@ -1331,13 +1425,41 @@
         </p:nvSpPr>
         <p:spPr>
           <a:xfrm>
-            <a:off x="6172200" y="1825625"/>
-            <a:ext cx="5181600" cy="4351338"/>
+            <a:off x="6126480" y="1828800"/>
+            <a:ext cx="4480560" cy="4351337"/>
           </a:xfrm>
         </p:spPr>
         <p:txBody>
           <a:bodyPr/>
-          <a:lstStyle/>
+          <a:lstStyle>
+            <a:lvl1pPr>
+              <a:defRPr sz="1800"/>
+            </a:lvl1pPr>
+            <a:lvl2pPr>
+              <a:defRPr sz="1600"/>
+            </a:lvl2pPr>
+            <a:lvl3pPr>
+              <a:defRPr sz="1400"/>
+            </a:lvl3pPr>
+            <a:lvl4pPr>
+              <a:defRPr sz="1400"/>
+            </a:lvl4pPr>
+            <a:lvl5pPr>
+              <a:defRPr sz="1400"/>
+            </a:lvl5pPr>
+            <a:lvl6pPr>
+              <a:defRPr sz="1400"/>
+            </a:lvl6pPr>
+            <a:lvl7pPr>
+              <a:defRPr sz="1400"/>
+            </a:lvl7pPr>
+            <a:lvl8pPr>
+              <a:defRPr sz="1400"/>
+            </a:lvl8pPr>
+            <a:lvl9pPr>
+              <a:defRPr sz="1400"/>
+            </a:lvl9pPr>
+          </a:lstStyle>
           <a:p>
             <a:pPr lvl="0"/>
             <a:r>
@@ -1372,18 +1494,13 @@
               <a:rPr lang="ru-RU"/>
               <a:t>Пятый уровень</a:t>
             </a:r>
-          </a:p>
-        </p:txBody>
-      </p:sp>
-      <p:sp>
-        <p:nvSpPr>
-          <p:cNvPr id="5" name="Дата 4">
-            <a:extLst>
-              <a:ext uri="{FF2B5EF4-FFF2-40B4-BE49-F238E27FC236}">
-                <a16:creationId xmlns:a16="http://schemas.microsoft.com/office/drawing/2014/main" id="{9AFB754D-ACB1-45DE-ABDE-1BC1D164EFC6}"/>
-              </a:ext>
-            </a:extLst>
-          </p:cNvPr>
+            <a:endParaRPr lang="en-US" dirty="0"/>
+          </a:p>
+        </p:txBody>
+      </p:sp>
+      <p:sp>
+        <p:nvSpPr>
+          <p:cNvPr id="5" name="Date Placeholder 4"/>
           <p:cNvSpPr>
             <a:spLocks noGrp="1"/>
           </p:cNvSpPr>
@@ -1398,7 +1515,7 @@
           <a:p>
             <a:fld id="{FBA21F5B-0B33-45CA-953D-71AAFEFD0D5C}" type="datetimeFigureOut">
               <a:rPr lang="ru-RU" smtClean="0"/>
-              <a:t>15.08.2021</a:t>
+              <a:t>16.08.2021</a:t>
             </a:fld>
             <a:endParaRPr lang="ru-RU"/>
           </a:p>
@@ -1406,13 +1523,7 @@
       </p:sp>
       <p:sp>
         <p:nvSpPr>
-          <p:cNvPr id="6" name="Нижний колонтитул 5">
-            <a:extLst>
-              <a:ext uri="{FF2B5EF4-FFF2-40B4-BE49-F238E27FC236}">
-                <a16:creationId xmlns:a16="http://schemas.microsoft.com/office/drawing/2014/main" id="{2AAB5636-035F-461B-8243-85EEDDFF74D2}"/>
-              </a:ext>
-            </a:extLst>
-          </p:cNvPr>
+          <p:cNvPr id="6" name="Footer Placeholder 5"/>
           <p:cNvSpPr>
             <a:spLocks noGrp="1"/>
           </p:cNvSpPr>
@@ -1431,13 +1542,7 @@
       </p:sp>
       <p:sp>
         <p:nvSpPr>
-          <p:cNvPr id="7" name="Номер слайда 6">
-            <a:extLst>
-              <a:ext uri="{FF2B5EF4-FFF2-40B4-BE49-F238E27FC236}">
-                <a16:creationId xmlns:a16="http://schemas.microsoft.com/office/drawing/2014/main" id="{44C3B582-1018-4FD9-99D1-47483B6ACF37}"/>
-              </a:ext>
-            </a:extLst>
-          </p:cNvPr>
+          <p:cNvPr id="7" name="Slide Number Placeholder 6"/>
           <p:cNvSpPr>
             <a:spLocks noGrp="1"/>
           </p:cNvSpPr>
@@ -1461,7 +1566,7 @@
     </p:spTree>
     <p:extLst>
       <p:ext uri="{BB962C8B-B14F-4D97-AF65-F5344CB8AC3E}">
-        <p14:creationId xmlns:p14="http://schemas.microsoft.com/office/powerpoint/2010/main" val="2683193224"/>
+        <p14:creationId xmlns:p14="http://schemas.microsoft.com/office/powerpoint/2010/main" val="472394057"/>
       </p:ext>
     </p:extLst>
   </p:cSld>
@@ -1490,65 +1595,60 @@
       </p:grpSpPr>
       <p:sp>
         <p:nvSpPr>
-          <p:cNvPr id="2" name="Заголовок 1">
-            <a:extLst>
-              <a:ext uri="{FF2B5EF4-FFF2-40B4-BE49-F238E27FC236}">
-                <a16:creationId xmlns:a16="http://schemas.microsoft.com/office/drawing/2014/main" id="{5C7ADF79-DB6A-4DFE-9C1F-9FA61467056F}"/>
-              </a:ext>
-            </a:extLst>
-          </p:cNvPr>
+          <p:cNvPr id="10" name="Title 9"/>
           <p:cNvSpPr>
             <a:spLocks noGrp="1"/>
           </p:cNvSpPr>
           <p:nvPr>
             <p:ph type="title"/>
+          </p:nvPr>
+        </p:nvSpPr>
+        <p:spPr/>
+        <p:txBody>
+          <a:bodyPr/>
+          <a:lstStyle/>
+          <a:p>
+            <a:r>
+              <a:rPr lang="ru-RU"/>
+              <a:t>Образец заголовка</a:t>
+            </a:r>
+            <a:endParaRPr lang="en-US" dirty="0"/>
+          </a:p>
+        </p:txBody>
+      </p:sp>
+      <p:sp>
+        <p:nvSpPr>
+          <p:cNvPr id="3" name="Text Placeholder 2"/>
+          <p:cNvSpPr>
+            <a:spLocks noGrp="1"/>
+          </p:cNvSpPr>
+          <p:nvPr>
+            <p:ph type="body" idx="1"/>
           </p:nvPr>
         </p:nvSpPr>
         <p:spPr>
           <a:xfrm>
-            <a:off x="839788" y="365125"/>
-            <a:ext cx="10515600" cy="1325563"/>
+            <a:off x="1261872" y="1717879"/>
+            <a:ext cx="4480560" cy="731520"/>
           </a:xfrm>
         </p:spPr>
         <p:txBody>
-          <a:bodyPr/>
-          <a:lstStyle/>
-          <a:p>
-            <a:r>
-              <a:rPr lang="ru-RU"/>
-              <a:t>Образец заголовка</a:t>
-            </a:r>
-          </a:p>
-        </p:txBody>
-      </p:sp>
-      <p:sp>
-        <p:nvSpPr>
-          <p:cNvPr id="3" name="Текст 2">
-            <a:extLst>
-              <a:ext uri="{FF2B5EF4-FFF2-40B4-BE49-F238E27FC236}">
-                <a16:creationId xmlns:a16="http://schemas.microsoft.com/office/drawing/2014/main" id="{90DF49D7-5225-4667-A4E1-93ED663BBC41}"/>
-              </a:ext>
-            </a:extLst>
-          </p:cNvPr>
-          <p:cNvSpPr>
-            <a:spLocks noGrp="1"/>
-          </p:cNvSpPr>
-          <p:nvPr>
-            <p:ph type="body" idx="1"/>
-          </p:nvPr>
-        </p:nvSpPr>
-        <p:spPr>
-          <a:xfrm>
-            <a:off x="839788" y="1681163"/>
-            <a:ext cx="5157787" cy="823912"/>
-          </a:xfrm>
-        </p:spPr>
-        <p:txBody>
-          <a:bodyPr anchor="b"/>
+          <a:bodyPr anchor="b">
+            <a:normAutofit/>
+          </a:bodyPr>
           <a:lstStyle>
             <a:lvl1pPr marL="0" indent="0">
+              <a:spcBef>
+                <a:spcPts val="0"/>
+              </a:spcBef>
               <a:buNone/>
-              <a:defRPr sz="2400" b="1"/>
+              <a:defRPr sz="2000" b="0">
+                <a:solidFill>
+                  <a:schemeClr val="tx1">
+                    <a:lumMod val="65000"/>
+                  </a:schemeClr>
+                </a:solidFill>
+              </a:defRPr>
             </a:lvl1pPr>
             <a:lvl2pPr marL="457200" indent="0">
               <a:buNone/>
@@ -1594,13 +1694,7 @@
       </p:sp>
       <p:sp>
         <p:nvSpPr>
-          <p:cNvPr id="4" name="Объект 3">
-            <a:extLst>
-              <a:ext uri="{FF2B5EF4-FFF2-40B4-BE49-F238E27FC236}">
-                <a16:creationId xmlns:a16="http://schemas.microsoft.com/office/drawing/2014/main" id="{5980663F-07F8-4C09-9EB3-6874655F043E}"/>
-              </a:ext>
-            </a:extLst>
-          </p:cNvPr>
+          <p:cNvPr id="4" name="Content Placeholder 3"/>
           <p:cNvSpPr>
             <a:spLocks noGrp="1"/>
           </p:cNvSpPr>
@@ -1610,13 +1704,41 @@
         </p:nvSpPr>
         <p:spPr>
           <a:xfrm>
-            <a:off x="839788" y="2505075"/>
-            <a:ext cx="5157787" cy="3684588"/>
+            <a:off x="1261872" y="2507550"/>
+            <a:ext cx="4480560" cy="3664650"/>
           </a:xfrm>
         </p:spPr>
         <p:txBody>
           <a:bodyPr/>
-          <a:lstStyle/>
+          <a:lstStyle>
+            <a:lvl1pPr>
+              <a:defRPr sz="1800"/>
+            </a:lvl1pPr>
+            <a:lvl2pPr>
+              <a:defRPr sz="1600"/>
+            </a:lvl2pPr>
+            <a:lvl3pPr>
+              <a:defRPr sz="1400"/>
+            </a:lvl3pPr>
+            <a:lvl4pPr>
+              <a:defRPr sz="1400"/>
+            </a:lvl4pPr>
+            <a:lvl5pPr>
+              <a:defRPr sz="1400"/>
+            </a:lvl5pPr>
+            <a:lvl6pPr>
+              <a:defRPr sz="1400"/>
+            </a:lvl6pPr>
+            <a:lvl7pPr>
+              <a:defRPr sz="1400"/>
+            </a:lvl7pPr>
+            <a:lvl8pPr>
+              <a:defRPr sz="1400"/>
+            </a:lvl8pPr>
+            <a:lvl9pPr>
+              <a:defRPr sz="1400"/>
+            </a:lvl9pPr>
+          </a:lstStyle>
           <a:p>
             <a:pPr lvl="0"/>
             <a:r>
@@ -1651,69 +1773,103 @@
               <a:rPr lang="ru-RU"/>
               <a:t>Пятый уровень</a:t>
             </a:r>
-          </a:p>
-        </p:txBody>
-      </p:sp>
-      <p:sp>
-        <p:nvSpPr>
-          <p:cNvPr id="5" name="Текст 4">
-            <a:extLst>
-              <a:ext uri="{FF2B5EF4-FFF2-40B4-BE49-F238E27FC236}">
-                <a16:creationId xmlns:a16="http://schemas.microsoft.com/office/drawing/2014/main" id="{11E67AEA-0B25-43A8-92C0-38C6E5E5A863}"/>
-              </a:ext>
-            </a:extLst>
-          </p:cNvPr>
-          <p:cNvSpPr>
-            <a:spLocks noGrp="1"/>
-          </p:cNvSpPr>
-          <p:nvPr>
-            <p:ph type="body" sz="quarter" idx="3"/>
+            <a:endParaRPr lang="en-US" dirty="0"/>
+          </a:p>
+        </p:txBody>
+      </p:sp>
+      <p:sp>
+        <p:nvSpPr>
+          <p:cNvPr id="5" name="Text Placeholder 4"/>
+          <p:cNvSpPr>
+            <a:spLocks noGrp="1"/>
+          </p:cNvSpPr>
+          <p:nvPr>
+            <p:ph type="body" sz="quarter" idx="13"/>
           </p:nvPr>
         </p:nvSpPr>
         <p:spPr>
           <a:xfrm>
-            <a:off x="6172200" y="1681163"/>
-            <a:ext cx="5183188" cy="823912"/>
+            <a:off x="6126480" y="1717879"/>
+            <a:ext cx="4480560" cy="731520"/>
           </a:xfrm>
         </p:spPr>
         <p:txBody>
-          <a:bodyPr anchor="b"/>
+          <a:bodyPr anchor="b">
+            <a:normAutofit/>
+          </a:bodyPr>
           <a:lstStyle>
             <a:lvl1pPr marL="0" indent="0">
+              <a:spcBef>
+                <a:spcPts val="0"/>
+              </a:spcBef>
+              <a:buFontTx/>
               <a:buNone/>
-              <a:defRPr sz="2400" b="1"/>
+              <a:defRPr lang="en-US" sz="2000" b="0" kern="1200" spc="10" baseline="0" dirty="0">
+                <a:solidFill>
+                  <a:schemeClr val="tx1">
+                    <a:lumMod val="65000"/>
+                  </a:schemeClr>
+                </a:solidFill>
+                <a:latin typeface="+mn-lt"/>
+                <a:ea typeface="+mn-ea"/>
+                <a:cs typeface="+mn-cs"/>
+              </a:defRPr>
             </a:lvl1pPr>
-            <a:lvl2pPr marL="457200" indent="0">
-              <a:buNone/>
-              <a:defRPr sz="2000" b="1"/>
+          </a:lstStyle>
+          <a:p>
+            <a:pPr lvl="0"/>
+            <a:r>
+              <a:rPr lang="ru-RU"/>
+              <a:t>Образец текста</a:t>
+            </a:r>
+          </a:p>
+        </p:txBody>
+      </p:sp>
+      <p:sp>
+        <p:nvSpPr>
+          <p:cNvPr id="6" name="Content Placeholder 5"/>
+          <p:cNvSpPr>
+            <a:spLocks noGrp="1"/>
+          </p:cNvSpPr>
+          <p:nvPr>
+            <p:ph sz="quarter" idx="4"/>
+          </p:nvPr>
+        </p:nvSpPr>
+        <p:spPr>
+          <a:xfrm>
+            <a:off x="6126480" y="2507550"/>
+            <a:ext cx="4480560" cy="3664650"/>
+          </a:xfrm>
+        </p:spPr>
+        <p:txBody>
+          <a:bodyPr/>
+          <a:lstStyle>
+            <a:lvl1pPr>
+              <a:defRPr sz="1800"/>
+            </a:lvl1pPr>
+            <a:lvl2pPr>
+              <a:defRPr sz="1600"/>
             </a:lvl2pPr>
-            <a:lvl3pPr marL="914400" indent="0">
-              <a:buNone/>
-              <a:defRPr sz="1800" b="1"/>
+            <a:lvl3pPr>
+              <a:defRPr sz="1400"/>
             </a:lvl3pPr>
-            <a:lvl4pPr marL="1371600" indent="0">
-              <a:buNone/>
-              <a:defRPr sz="1600" b="1"/>
+            <a:lvl4pPr>
+              <a:defRPr sz="1400"/>
             </a:lvl4pPr>
-            <a:lvl5pPr marL="1828800" indent="0">
-              <a:buNone/>
-              <a:defRPr sz="1600" b="1"/>
+            <a:lvl5pPr>
+              <a:defRPr sz="1400"/>
             </a:lvl5pPr>
-            <a:lvl6pPr marL="2286000" indent="0">
-              <a:buNone/>
-              <a:defRPr sz="1600" b="1"/>
+            <a:lvl6pPr>
+              <a:defRPr sz="1400"/>
             </a:lvl6pPr>
-            <a:lvl7pPr marL="2743200" indent="0">
-              <a:buNone/>
-              <a:defRPr sz="1600" b="1"/>
+            <a:lvl7pPr>
+              <a:defRPr sz="1400"/>
             </a:lvl7pPr>
-            <a:lvl8pPr marL="3200400" indent="0">
-              <a:buNone/>
-              <a:defRPr sz="1600" b="1"/>
+            <a:lvl8pPr>
+              <a:defRPr sz="1400"/>
             </a:lvl8pPr>
-            <a:lvl9pPr marL="3657600" indent="0">
-              <a:buNone/>
-              <a:defRPr sz="1600" b="1"/>
+            <a:lvl9pPr>
+              <a:defRPr sz="1400"/>
             </a:lvl9pPr>
           </a:lstStyle>
           <a:p>
@@ -1723,40 +1879,6 @@
               <a:t>Образец текста</a:t>
             </a:r>
           </a:p>
-        </p:txBody>
-      </p:sp>
-      <p:sp>
-        <p:nvSpPr>
-          <p:cNvPr id="6" name="Объект 5">
-            <a:extLst>
-              <a:ext uri="{FF2B5EF4-FFF2-40B4-BE49-F238E27FC236}">
-                <a16:creationId xmlns:a16="http://schemas.microsoft.com/office/drawing/2014/main" id="{82C1C510-37A9-498F-BB65-6DF428BDD17A}"/>
-              </a:ext>
-            </a:extLst>
-          </p:cNvPr>
-          <p:cNvSpPr>
-            <a:spLocks noGrp="1"/>
-          </p:cNvSpPr>
-          <p:nvPr>
-            <p:ph sz="quarter" idx="4"/>
-          </p:nvPr>
-        </p:nvSpPr>
-        <p:spPr>
-          <a:xfrm>
-            <a:off x="6172200" y="2505075"/>
-            <a:ext cx="5183188" cy="3684588"/>
-          </a:xfrm>
-        </p:spPr>
-        <p:txBody>
-          <a:bodyPr/>
-          <a:lstStyle/>
-          <a:p>
-            <a:pPr lvl="0"/>
-            <a:r>
-              <a:rPr lang="ru-RU"/>
-              <a:t>Образец текста</a:t>
-            </a:r>
-          </a:p>
           <a:p>
             <a:pPr lvl="1"/>
             <a:r>
@@ -1784,18 +1906,13 @@
               <a:rPr lang="ru-RU"/>
               <a:t>Пятый уровень</a:t>
             </a:r>
-          </a:p>
-        </p:txBody>
-      </p:sp>
-      <p:sp>
-        <p:nvSpPr>
-          <p:cNvPr id="7" name="Дата 6">
-            <a:extLst>
-              <a:ext uri="{FF2B5EF4-FFF2-40B4-BE49-F238E27FC236}">
-                <a16:creationId xmlns:a16="http://schemas.microsoft.com/office/drawing/2014/main" id="{79D7B21A-EC8C-4D1C-A885-D28A219AF480}"/>
-              </a:ext>
-            </a:extLst>
-          </p:cNvPr>
+            <a:endParaRPr lang="en-US" dirty="0"/>
+          </a:p>
+        </p:txBody>
+      </p:sp>
+      <p:sp>
+        <p:nvSpPr>
+          <p:cNvPr id="7" name="Date Placeholder 6"/>
           <p:cNvSpPr>
             <a:spLocks noGrp="1"/>
           </p:cNvSpPr>
@@ -1810,7 +1927,7 @@
           <a:p>
             <a:fld id="{FBA21F5B-0B33-45CA-953D-71AAFEFD0D5C}" type="datetimeFigureOut">
               <a:rPr lang="ru-RU" smtClean="0"/>
-              <a:t>15.08.2021</a:t>
+              <a:t>16.08.2021</a:t>
             </a:fld>
             <a:endParaRPr lang="ru-RU"/>
           </a:p>
@@ -1818,13 +1935,7 @@
       </p:sp>
       <p:sp>
         <p:nvSpPr>
-          <p:cNvPr id="8" name="Нижний колонтитул 7">
-            <a:extLst>
-              <a:ext uri="{FF2B5EF4-FFF2-40B4-BE49-F238E27FC236}">
-                <a16:creationId xmlns:a16="http://schemas.microsoft.com/office/drawing/2014/main" id="{05A7E6FC-2387-4CEB-8D63-7C2B43E9F8E0}"/>
-              </a:ext>
-            </a:extLst>
-          </p:cNvPr>
+          <p:cNvPr id="8" name="Footer Placeholder 7"/>
           <p:cNvSpPr>
             <a:spLocks noGrp="1"/>
           </p:cNvSpPr>
@@ -1843,13 +1954,7 @@
       </p:sp>
       <p:sp>
         <p:nvSpPr>
-          <p:cNvPr id="9" name="Номер слайда 8">
-            <a:extLst>
-              <a:ext uri="{FF2B5EF4-FFF2-40B4-BE49-F238E27FC236}">
-                <a16:creationId xmlns:a16="http://schemas.microsoft.com/office/drawing/2014/main" id="{526B3A45-2E72-49D4-8C06-D0EA3A427D3E}"/>
-              </a:ext>
-            </a:extLst>
-          </p:cNvPr>
+          <p:cNvPr id="9" name="Slide Number Placeholder 8"/>
           <p:cNvSpPr>
             <a:spLocks noGrp="1"/>
           </p:cNvSpPr>
@@ -1873,7 +1978,7 @@
     </p:spTree>
     <p:extLst>
       <p:ext uri="{BB962C8B-B14F-4D97-AF65-F5344CB8AC3E}">
-        <p14:creationId xmlns:p14="http://schemas.microsoft.com/office/powerpoint/2010/main" val="2484153408"/>
+        <p14:creationId xmlns:p14="http://schemas.microsoft.com/office/powerpoint/2010/main" val="1599305667"/>
       </p:ext>
     </p:extLst>
   </p:cSld>
@@ -1902,13 +2007,7 @@
       </p:grpSpPr>
       <p:sp>
         <p:nvSpPr>
-          <p:cNvPr id="2" name="Заголовок 1">
-            <a:extLst>
-              <a:ext uri="{FF2B5EF4-FFF2-40B4-BE49-F238E27FC236}">
-                <a16:creationId xmlns:a16="http://schemas.microsoft.com/office/drawing/2014/main" id="{6D070605-1BC4-4FD3-91D4-0F4C989A8365}"/>
-              </a:ext>
-            </a:extLst>
-          </p:cNvPr>
+          <p:cNvPr id="6" name="Title 5"/>
           <p:cNvSpPr>
             <a:spLocks noGrp="1"/>
           </p:cNvSpPr>
@@ -1925,18 +2024,13 @@
               <a:rPr lang="ru-RU"/>
               <a:t>Образец заголовка</a:t>
             </a:r>
-          </a:p>
-        </p:txBody>
-      </p:sp>
-      <p:sp>
-        <p:nvSpPr>
-          <p:cNvPr id="3" name="Дата 2">
-            <a:extLst>
-              <a:ext uri="{FF2B5EF4-FFF2-40B4-BE49-F238E27FC236}">
-                <a16:creationId xmlns:a16="http://schemas.microsoft.com/office/drawing/2014/main" id="{CA52F8CF-07C5-414E-9190-A1EDF5722C60}"/>
-              </a:ext>
-            </a:extLst>
-          </p:cNvPr>
+            <a:endParaRPr lang="en-US" dirty="0"/>
+          </a:p>
+        </p:txBody>
+      </p:sp>
+      <p:sp>
+        <p:nvSpPr>
+          <p:cNvPr id="3" name="Date Placeholder 2"/>
           <p:cNvSpPr>
             <a:spLocks noGrp="1"/>
           </p:cNvSpPr>
@@ -1951,7 +2045,7 @@
           <a:p>
             <a:fld id="{FBA21F5B-0B33-45CA-953D-71AAFEFD0D5C}" type="datetimeFigureOut">
               <a:rPr lang="ru-RU" smtClean="0"/>
-              <a:t>15.08.2021</a:t>
+              <a:t>16.08.2021</a:t>
             </a:fld>
             <a:endParaRPr lang="ru-RU"/>
           </a:p>
@@ -1959,13 +2053,7 @@
       </p:sp>
       <p:sp>
         <p:nvSpPr>
-          <p:cNvPr id="4" name="Нижний колонтитул 3">
-            <a:extLst>
-              <a:ext uri="{FF2B5EF4-FFF2-40B4-BE49-F238E27FC236}">
-                <a16:creationId xmlns:a16="http://schemas.microsoft.com/office/drawing/2014/main" id="{5E3B8A95-03B4-47E6-9EF8-0C3D6D83A574}"/>
-              </a:ext>
-            </a:extLst>
-          </p:cNvPr>
+          <p:cNvPr id="4" name="Footer Placeholder 3"/>
           <p:cNvSpPr>
             <a:spLocks noGrp="1"/>
           </p:cNvSpPr>
@@ -1984,13 +2072,7 @@
       </p:sp>
       <p:sp>
         <p:nvSpPr>
-          <p:cNvPr id="5" name="Номер слайда 4">
-            <a:extLst>
-              <a:ext uri="{FF2B5EF4-FFF2-40B4-BE49-F238E27FC236}">
-                <a16:creationId xmlns:a16="http://schemas.microsoft.com/office/drawing/2014/main" id="{170433F1-B9F9-4FF5-A2B1-489A8EFBC902}"/>
-              </a:ext>
-            </a:extLst>
-          </p:cNvPr>
+          <p:cNvPr id="5" name="Slide Number Placeholder 4"/>
           <p:cNvSpPr>
             <a:spLocks noGrp="1"/>
           </p:cNvSpPr>
@@ -2014,7 +2096,7 @@
     </p:spTree>
     <p:extLst>
       <p:ext uri="{BB962C8B-B14F-4D97-AF65-F5344CB8AC3E}">
-        <p14:creationId xmlns:p14="http://schemas.microsoft.com/office/powerpoint/2010/main" val="3399004235"/>
+        <p14:creationId xmlns:p14="http://schemas.microsoft.com/office/powerpoint/2010/main" val="2982101554"/>
       </p:ext>
     </p:extLst>
   </p:cSld>
@@ -2043,13 +2125,7 @@
       </p:grpSpPr>
       <p:sp>
         <p:nvSpPr>
-          <p:cNvPr id="2" name="Дата 1">
-            <a:extLst>
-              <a:ext uri="{FF2B5EF4-FFF2-40B4-BE49-F238E27FC236}">
-                <a16:creationId xmlns:a16="http://schemas.microsoft.com/office/drawing/2014/main" id="{C6140B41-3D57-4324-B794-135A1300E310}"/>
-              </a:ext>
-            </a:extLst>
-          </p:cNvPr>
+          <p:cNvPr id="2" name="Date Placeholder 1"/>
           <p:cNvSpPr>
             <a:spLocks noGrp="1"/>
           </p:cNvSpPr>
@@ -2064,7 +2140,7 @@
           <a:p>
             <a:fld id="{FBA21F5B-0B33-45CA-953D-71AAFEFD0D5C}" type="datetimeFigureOut">
               <a:rPr lang="ru-RU" smtClean="0"/>
-              <a:t>15.08.2021</a:t>
+              <a:t>16.08.2021</a:t>
             </a:fld>
             <a:endParaRPr lang="ru-RU"/>
           </a:p>
@@ -2072,13 +2148,7 @@
       </p:sp>
       <p:sp>
         <p:nvSpPr>
-          <p:cNvPr id="3" name="Нижний колонтитул 2">
-            <a:extLst>
-              <a:ext uri="{FF2B5EF4-FFF2-40B4-BE49-F238E27FC236}">
-                <a16:creationId xmlns:a16="http://schemas.microsoft.com/office/drawing/2014/main" id="{0D671001-1667-4518-8426-841DE55674C6}"/>
-              </a:ext>
-            </a:extLst>
-          </p:cNvPr>
+          <p:cNvPr id="3" name="Footer Placeholder 2"/>
           <p:cNvSpPr>
             <a:spLocks noGrp="1"/>
           </p:cNvSpPr>
@@ -2097,13 +2167,7 @@
       </p:sp>
       <p:sp>
         <p:nvSpPr>
-          <p:cNvPr id="4" name="Номер слайда 3">
-            <a:extLst>
-              <a:ext uri="{FF2B5EF4-FFF2-40B4-BE49-F238E27FC236}">
-                <a16:creationId xmlns:a16="http://schemas.microsoft.com/office/drawing/2014/main" id="{BA434089-948A-4038-8A62-18FC01A750A0}"/>
-              </a:ext>
-            </a:extLst>
-          </p:cNvPr>
+          <p:cNvPr id="4" name="Slide Number Placeholder 3"/>
           <p:cNvSpPr>
             <a:spLocks noGrp="1"/>
           </p:cNvSpPr>
@@ -2127,7 +2191,7 @@
     </p:spTree>
     <p:extLst>
       <p:ext uri="{BB962C8B-B14F-4D97-AF65-F5344CB8AC3E}">
-        <p14:creationId xmlns:p14="http://schemas.microsoft.com/office/powerpoint/2010/main" val="145454973"/>
+        <p14:creationId xmlns:p14="http://schemas.microsoft.com/office/powerpoint/2010/main" val="3600520980"/>
       </p:ext>
     </p:extLst>
   </p:cSld>
@@ -2156,13 +2220,7 @@
       </p:grpSpPr>
       <p:sp>
         <p:nvSpPr>
-          <p:cNvPr id="2" name="Заголовок 1">
-            <a:extLst>
-              <a:ext uri="{FF2B5EF4-FFF2-40B4-BE49-F238E27FC236}">
-                <a16:creationId xmlns:a16="http://schemas.microsoft.com/office/drawing/2014/main" id="{0A0D9029-4C52-41BF-9972-C0BA3B8F40F2}"/>
-              </a:ext>
-            </a:extLst>
-          </p:cNvPr>
+          <p:cNvPr id="2" name="Title 1"/>
           <p:cNvSpPr>
             <a:spLocks noGrp="1"/>
           </p:cNvSpPr>
@@ -2172,15 +2230,17 @@
         </p:nvSpPr>
         <p:spPr>
           <a:xfrm>
-            <a:off x="839788" y="457200"/>
-            <a:ext cx="3932237" cy="1600200"/>
+            <a:off x="841248" y="457200"/>
+            <a:ext cx="3200400" cy="1600197"/>
           </a:xfrm>
         </p:spPr>
         <p:txBody>
-          <a:bodyPr anchor="b"/>
+          <a:bodyPr anchor="b">
+            <a:normAutofit/>
+          </a:bodyPr>
           <a:lstStyle>
             <a:lvl1pPr>
-              <a:defRPr sz="3200"/>
+              <a:defRPr sz="3200" b="0" baseline="0"/>
             </a:lvl1pPr>
           </a:lstStyle>
           <a:p>
@@ -2188,18 +2248,13 @@
               <a:rPr lang="ru-RU"/>
               <a:t>Образец заголовка</a:t>
             </a:r>
-          </a:p>
-        </p:txBody>
-      </p:sp>
-      <p:sp>
-        <p:nvSpPr>
-          <p:cNvPr id="3" name="Объект 2">
-            <a:extLst>
-              <a:ext uri="{FF2B5EF4-FFF2-40B4-BE49-F238E27FC236}">
-                <a16:creationId xmlns:a16="http://schemas.microsoft.com/office/drawing/2014/main" id="{5BE48EEA-D8C9-4DC7-B3FF-FB0AEC8164C3}"/>
-              </a:ext>
-            </a:extLst>
-          </p:cNvPr>
+            <a:endParaRPr lang="en-US" dirty="0"/>
+          </a:p>
+        </p:txBody>
+      </p:sp>
+      <p:sp>
+        <p:nvSpPr>
+          <p:cNvPr id="3" name="Content Placeholder 2"/>
           <p:cNvSpPr>
             <a:spLocks noGrp="1"/>
           </p:cNvSpPr>
@@ -2209,39 +2264,39 @@
         </p:nvSpPr>
         <p:spPr>
           <a:xfrm>
-            <a:off x="5183188" y="987425"/>
-            <a:ext cx="6172200" cy="4873625"/>
+            <a:off x="4504267" y="685800"/>
+            <a:ext cx="6079066" cy="5486400"/>
           </a:xfrm>
         </p:spPr>
         <p:txBody>
           <a:bodyPr/>
           <a:lstStyle>
             <a:lvl1pPr>
-              <a:defRPr sz="3200"/>
+              <a:defRPr sz="2000"/>
             </a:lvl1pPr>
             <a:lvl2pPr>
-              <a:defRPr sz="2800"/>
+              <a:defRPr sz="1800"/>
             </a:lvl2pPr>
             <a:lvl3pPr>
-              <a:defRPr sz="2400"/>
+              <a:defRPr sz="1600"/>
             </a:lvl3pPr>
             <a:lvl4pPr>
-              <a:defRPr sz="2000"/>
+              <a:defRPr sz="1400"/>
             </a:lvl4pPr>
             <a:lvl5pPr>
-              <a:defRPr sz="2000"/>
+              <a:defRPr sz="1400"/>
             </a:lvl5pPr>
             <a:lvl6pPr>
-              <a:defRPr sz="2000"/>
+              <a:defRPr sz="1400"/>
             </a:lvl6pPr>
             <a:lvl7pPr>
-              <a:defRPr sz="2000"/>
+              <a:defRPr sz="1400"/>
             </a:lvl7pPr>
             <a:lvl8pPr>
-              <a:defRPr sz="2000"/>
+              <a:defRPr sz="1400"/>
             </a:lvl8pPr>
             <a:lvl9pPr>
-              <a:defRPr sz="2000"/>
+              <a:defRPr sz="1400"/>
             </a:lvl9pPr>
           </a:lstStyle>
           <a:p>
@@ -2278,18 +2333,13 @@
               <a:rPr lang="ru-RU"/>
               <a:t>Пятый уровень</a:t>
             </a:r>
-          </a:p>
-        </p:txBody>
-      </p:sp>
-      <p:sp>
-        <p:nvSpPr>
-          <p:cNvPr id="4" name="Текст 3">
-            <a:extLst>
-              <a:ext uri="{FF2B5EF4-FFF2-40B4-BE49-F238E27FC236}">
-                <a16:creationId xmlns:a16="http://schemas.microsoft.com/office/drawing/2014/main" id="{109BB5AD-836C-4C85-8D9E-5BA899E0DE52}"/>
-              </a:ext>
-            </a:extLst>
-          </p:cNvPr>
+            <a:endParaRPr lang="en-US" dirty="0"/>
+          </a:p>
+        </p:txBody>
+      </p:sp>
+      <p:sp>
+        <p:nvSpPr>
+          <p:cNvPr id="4" name="Text Placeholder 3"/>
           <p:cNvSpPr>
             <a:spLocks noGrp="1"/>
           </p:cNvSpPr>
@@ -2299,48 +2349,56 @@
         </p:nvSpPr>
         <p:spPr>
           <a:xfrm>
-            <a:off x="839788" y="2057400"/>
-            <a:ext cx="3932237" cy="3811588"/>
+            <a:off x="841248" y="2099734"/>
+            <a:ext cx="3200400" cy="3810001"/>
           </a:xfrm>
         </p:spPr>
         <p:txBody>
-          <a:bodyPr/>
+          <a:bodyPr>
+            <a:normAutofit/>
+          </a:bodyPr>
           <a:lstStyle>
             <a:lvl1pPr marL="0" indent="0">
+              <a:lnSpc>
+                <a:spcPct val="114000"/>
+              </a:lnSpc>
+              <a:spcBef>
+                <a:spcPts val="800"/>
+              </a:spcBef>
               <a:buNone/>
-              <a:defRPr sz="1600"/>
+              <a:defRPr sz="1300"/>
             </a:lvl1pPr>
             <a:lvl2pPr marL="457200" indent="0">
               <a:buNone/>
-              <a:defRPr sz="1400"/>
+              <a:defRPr sz="1200"/>
             </a:lvl2pPr>
             <a:lvl3pPr marL="914400" indent="0">
               <a:buNone/>
-              <a:defRPr sz="1200"/>
+              <a:defRPr sz="1000"/>
             </a:lvl3pPr>
             <a:lvl4pPr marL="1371600" indent="0">
               <a:buNone/>
-              <a:defRPr sz="1000"/>
+              <a:defRPr sz="900"/>
             </a:lvl4pPr>
             <a:lvl5pPr marL="1828800" indent="0">
               <a:buNone/>
-              <a:defRPr sz="1000"/>
+              <a:defRPr sz="900"/>
             </a:lvl5pPr>
             <a:lvl6pPr marL="2286000" indent="0">
               <a:buNone/>
-              <a:defRPr sz="1000"/>
+              <a:defRPr sz="900"/>
             </a:lvl6pPr>
             <a:lvl7pPr marL="2743200" indent="0">
               <a:buNone/>
-              <a:defRPr sz="1000"/>
+              <a:defRPr sz="900"/>
             </a:lvl7pPr>
             <a:lvl8pPr marL="3200400" indent="0">
               <a:buNone/>
-              <a:defRPr sz="1000"/>
+              <a:defRPr sz="900"/>
             </a:lvl8pPr>
             <a:lvl9pPr marL="3657600" indent="0">
               <a:buNone/>
-              <a:defRPr sz="1000"/>
+              <a:defRPr sz="900"/>
             </a:lvl9pPr>
           </a:lstStyle>
           <a:p>
@@ -2354,13 +2412,7 @@
       </p:sp>
       <p:sp>
         <p:nvSpPr>
-          <p:cNvPr id="5" name="Дата 4">
-            <a:extLst>
-              <a:ext uri="{FF2B5EF4-FFF2-40B4-BE49-F238E27FC236}">
-                <a16:creationId xmlns:a16="http://schemas.microsoft.com/office/drawing/2014/main" id="{51941FE7-1E5C-4F4C-859A-4325A9EC2892}"/>
-              </a:ext>
-            </a:extLst>
-          </p:cNvPr>
+          <p:cNvPr id="5" name="Date Placeholder 4"/>
           <p:cNvSpPr>
             <a:spLocks noGrp="1"/>
           </p:cNvSpPr>
@@ -2375,7 +2427,7 @@
           <a:p>
             <a:fld id="{FBA21F5B-0B33-45CA-953D-71AAFEFD0D5C}" type="datetimeFigureOut">
               <a:rPr lang="ru-RU" smtClean="0"/>
-              <a:t>15.08.2021</a:t>
+              <a:t>16.08.2021</a:t>
             </a:fld>
             <a:endParaRPr lang="ru-RU"/>
           </a:p>
@@ -2383,13 +2435,7 @@
       </p:sp>
       <p:sp>
         <p:nvSpPr>
-          <p:cNvPr id="6" name="Нижний колонтитул 5">
-            <a:extLst>
-              <a:ext uri="{FF2B5EF4-FFF2-40B4-BE49-F238E27FC236}">
-                <a16:creationId xmlns:a16="http://schemas.microsoft.com/office/drawing/2014/main" id="{D2BE39D5-E086-41DF-B392-B0E5832DFB85}"/>
-              </a:ext>
-            </a:extLst>
-          </p:cNvPr>
+          <p:cNvPr id="6" name="Footer Placeholder 5"/>
           <p:cNvSpPr>
             <a:spLocks noGrp="1"/>
           </p:cNvSpPr>
@@ -2408,13 +2454,7 @@
       </p:sp>
       <p:sp>
         <p:nvSpPr>
-          <p:cNvPr id="7" name="Номер слайда 6">
-            <a:extLst>
-              <a:ext uri="{FF2B5EF4-FFF2-40B4-BE49-F238E27FC236}">
-                <a16:creationId xmlns:a16="http://schemas.microsoft.com/office/drawing/2014/main" id="{6BBA64BC-59F9-4AFD-BF92-1ECE6739AF3B}"/>
-              </a:ext>
-            </a:extLst>
-          </p:cNvPr>
+          <p:cNvPr id="7" name="Slide Number Placeholder 6"/>
           <p:cNvSpPr>
             <a:spLocks noGrp="1"/>
           </p:cNvSpPr>
@@ -2438,7 +2478,7 @@
     </p:spTree>
     <p:extLst>
       <p:ext uri="{BB962C8B-B14F-4D97-AF65-F5344CB8AC3E}">
-        <p14:creationId xmlns:p14="http://schemas.microsoft.com/office/powerpoint/2010/main" val="1464823256"/>
+        <p14:creationId xmlns:p14="http://schemas.microsoft.com/office/powerpoint/2010/main" val="3720593508"/>
       </p:ext>
     </p:extLst>
   </p:cSld>
@@ -2467,13 +2507,7 @@
       </p:grpSpPr>
       <p:sp>
         <p:nvSpPr>
-          <p:cNvPr id="2" name="Заголовок 1">
-            <a:extLst>
-              <a:ext uri="{FF2B5EF4-FFF2-40B4-BE49-F238E27FC236}">
-                <a16:creationId xmlns:a16="http://schemas.microsoft.com/office/drawing/2014/main" id="{FD108C22-72A3-43F3-8F45-E2470356CE39}"/>
-              </a:ext>
-            </a:extLst>
-          </p:cNvPr>
+          <p:cNvPr id="2" name="Title 1"/>
           <p:cNvSpPr>
             <a:spLocks noGrp="1"/>
           </p:cNvSpPr>
@@ -2483,15 +2517,21 @@
         </p:nvSpPr>
         <p:spPr>
           <a:xfrm>
-            <a:off x="839788" y="457200"/>
-            <a:ext cx="3932237" cy="1600200"/>
+            <a:off x="914400" y="5257800"/>
+            <a:ext cx="9982200" cy="914400"/>
           </a:xfrm>
         </p:spPr>
         <p:txBody>
-          <a:bodyPr anchor="b"/>
+          <a:bodyPr anchor="b">
+            <a:normAutofit/>
+          </a:bodyPr>
           <a:lstStyle>
             <a:lvl1pPr>
-              <a:defRPr sz="3200"/>
+              <a:defRPr sz="2800" b="0">
+                <a:solidFill>
+                  <a:schemeClr val="tx1"/>
+                </a:solidFill>
+              </a:defRPr>
             </a:lvl1pPr>
           </a:lstStyle>
           <a:p>
@@ -2499,20 +2539,15 @@
               <a:rPr lang="ru-RU"/>
               <a:t>Образец заголовка</a:t>
             </a:r>
-          </a:p>
-        </p:txBody>
-      </p:sp>
-      <p:sp>
-        <p:nvSpPr>
-          <p:cNvPr id="3" name="Рисунок 2">
-            <a:extLst>
-              <a:ext uri="{FF2B5EF4-FFF2-40B4-BE49-F238E27FC236}">
-                <a16:creationId xmlns:a16="http://schemas.microsoft.com/office/drawing/2014/main" id="{8BA38CF8-E80C-4019-B999-1ECE34223130}"/>
-              </a:ext>
-            </a:extLst>
-          </p:cNvPr>
-          <p:cNvSpPr>
-            <a:spLocks noGrp="1"/>
+            <a:endParaRPr lang="en-US" dirty="0"/>
+          </a:p>
+        </p:txBody>
+      </p:sp>
+      <p:sp>
+        <p:nvSpPr>
+          <p:cNvPr id="3" name="Picture Placeholder 2"/>
+          <p:cNvSpPr>
+            <a:spLocks noGrp="1" noChangeAspect="1"/>
           </p:cNvSpPr>
           <p:nvPr>
             <p:ph type="pic" idx="1"/>
@@ -2520,12 +2555,12 @@
         </p:nvSpPr>
         <p:spPr>
           <a:xfrm>
-            <a:off x="5183188" y="987425"/>
-            <a:ext cx="6172200" cy="4873625"/>
+            <a:off x="0" y="0"/>
+            <a:ext cx="11292840" cy="5128923"/>
           </a:xfrm>
         </p:spPr>
         <p:txBody>
-          <a:bodyPr/>
+          <a:bodyPr anchor="t"/>
           <a:lstStyle>
             <a:lvl1pPr marL="0" indent="0">
               <a:buNone/>
@@ -2565,19 +2600,17 @@
             </a:lvl9pPr>
           </a:lstStyle>
           <a:p>
-            <a:endParaRPr lang="ru-RU"/>
-          </a:p>
-        </p:txBody>
-      </p:sp>
-      <p:sp>
-        <p:nvSpPr>
-          <p:cNvPr id="4" name="Текст 3">
-            <a:extLst>
-              <a:ext uri="{FF2B5EF4-FFF2-40B4-BE49-F238E27FC236}">
-                <a16:creationId xmlns:a16="http://schemas.microsoft.com/office/drawing/2014/main" id="{4E5579D7-7844-4415-9667-42E0219A3E1F}"/>
-              </a:ext>
-            </a:extLst>
-          </p:cNvPr>
+            <a:r>
+              <a:rPr lang="ru-RU"/>
+              <a:t>Вставка рисунка</a:t>
+            </a:r>
+            <a:endParaRPr lang="en-US" dirty="0"/>
+          </a:p>
+        </p:txBody>
+      </p:sp>
+      <p:sp>
+        <p:nvSpPr>
+          <p:cNvPr id="4" name="Text Placeholder 3"/>
           <p:cNvSpPr>
             <a:spLocks noGrp="1"/>
           </p:cNvSpPr>
@@ -2587,48 +2620,62 @@
         </p:nvSpPr>
         <p:spPr>
           <a:xfrm>
-            <a:off x="839788" y="2057400"/>
-            <a:ext cx="3932237" cy="3811588"/>
+            <a:off x="914400" y="6108589"/>
+            <a:ext cx="9982200" cy="597011"/>
           </a:xfrm>
         </p:spPr>
         <p:txBody>
-          <a:bodyPr/>
+          <a:bodyPr>
+            <a:normAutofit/>
+          </a:bodyPr>
           <a:lstStyle>
             <a:lvl1pPr marL="0" indent="0">
+              <a:lnSpc>
+                <a:spcPct val="100000"/>
+              </a:lnSpc>
+              <a:spcBef>
+                <a:spcPts val="800"/>
+              </a:spcBef>
               <a:buNone/>
-              <a:defRPr sz="1600"/>
+              <a:defRPr sz="1300">
+                <a:solidFill>
+                  <a:schemeClr val="tx1">
+                    <a:lumMod val="75000"/>
+                  </a:schemeClr>
+                </a:solidFill>
+              </a:defRPr>
             </a:lvl1pPr>
             <a:lvl2pPr marL="457200" indent="0">
               <a:buNone/>
-              <a:defRPr sz="1400"/>
+              <a:defRPr sz="1200"/>
             </a:lvl2pPr>
             <a:lvl3pPr marL="914400" indent="0">
               <a:buNone/>
-              <a:defRPr sz="1200"/>
+              <a:defRPr sz="1000"/>
             </a:lvl3pPr>
             <a:lvl4pPr marL="1371600" indent="0">
               <a:buNone/>
-              <a:defRPr sz="1000"/>
+              <a:defRPr sz="900"/>
             </a:lvl4pPr>
             <a:lvl5pPr marL="1828800" indent="0">
               <a:buNone/>
-              <a:defRPr sz="1000"/>
+              <a:defRPr sz="900"/>
             </a:lvl5pPr>
             <a:lvl6pPr marL="2286000" indent="0">
               <a:buNone/>
-              <a:defRPr sz="1000"/>
+              <a:defRPr sz="900"/>
             </a:lvl6pPr>
             <a:lvl7pPr marL="2743200" indent="0">
               <a:buNone/>
-              <a:defRPr sz="1000"/>
+              <a:defRPr sz="900"/>
             </a:lvl7pPr>
             <a:lvl8pPr marL="3200400" indent="0">
               <a:buNone/>
-              <a:defRPr sz="1000"/>
+              <a:defRPr sz="900"/>
             </a:lvl8pPr>
             <a:lvl9pPr marL="3657600" indent="0">
               <a:buNone/>
-              <a:defRPr sz="1000"/>
+              <a:defRPr sz="900"/>
             </a:lvl9pPr>
           </a:lstStyle>
           <a:p>
@@ -2642,13 +2689,7 @@
       </p:sp>
       <p:sp>
         <p:nvSpPr>
-          <p:cNvPr id="5" name="Дата 4">
-            <a:extLst>
-              <a:ext uri="{FF2B5EF4-FFF2-40B4-BE49-F238E27FC236}">
-                <a16:creationId xmlns:a16="http://schemas.microsoft.com/office/drawing/2014/main" id="{5F187570-F2D2-46FF-88F0-5262D4CCD84A}"/>
-              </a:ext>
-            </a:extLst>
-          </p:cNvPr>
+          <p:cNvPr id="5" name="Date Placeholder 4"/>
           <p:cNvSpPr>
             <a:spLocks noGrp="1"/>
           </p:cNvSpPr>
@@ -2663,7 +2704,7 @@
           <a:p>
             <a:fld id="{FBA21F5B-0B33-45CA-953D-71AAFEFD0D5C}" type="datetimeFigureOut">
               <a:rPr lang="ru-RU" smtClean="0"/>
-              <a:t>15.08.2021</a:t>
+              <a:t>16.08.2021</a:t>
             </a:fld>
             <a:endParaRPr lang="ru-RU"/>
           </a:p>
@@ -2671,13 +2712,7 @@
       </p:sp>
       <p:sp>
         <p:nvSpPr>
-          <p:cNvPr id="6" name="Нижний колонтитул 5">
-            <a:extLst>
-              <a:ext uri="{FF2B5EF4-FFF2-40B4-BE49-F238E27FC236}">
-                <a16:creationId xmlns:a16="http://schemas.microsoft.com/office/drawing/2014/main" id="{7B300B0F-325F-4F01-85DF-62F3E28A922F}"/>
-              </a:ext>
-            </a:extLst>
-          </p:cNvPr>
+          <p:cNvPr id="6" name="Footer Placeholder 5"/>
           <p:cNvSpPr>
             <a:spLocks noGrp="1"/>
           </p:cNvSpPr>
@@ -2696,13 +2731,7 @@
       </p:sp>
       <p:sp>
         <p:nvSpPr>
-          <p:cNvPr id="7" name="Номер слайда 6">
-            <a:extLst>
-              <a:ext uri="{FF2B5EF4-FFF2-40B4-BE49-F238E27FC236}">
-                <a16:creationId xmlns:a16="http://schemas.microsoft.com/office/drawing/2014/main" id="{3ECE9702-27CF-407B-AFE6-0F01E3FB57F9}"/>
-              </a:ext>
-            </a:extLst>
-          </p:cNvPr>
+          <p:cNvPr id="7" name="Slide Number Placeholder 6"/>
           <p:cNvSpPr>
             <a:spLocks noGrp="1"/>
           </p:cNvSpPr>
@@ -2726,7 +2755,7 @@
     </p:spTree>
     <p:extLst>
       <p:ext uri="{BB962C8B-B14F-4D97-AF65-F5344CB8AC3E}">
-        <p14:creationId xmlns:p14="http://schemas.microsoft.com/office/powerpoint/2010/main" val="547830954"/>
+        <p14:creationId xmlns:p14="http://schemas.microsoft.com/office/powerpoint/2010/main" val="2234102274"/>
       </p:ext>
     </p:extLst>
   </p:cSld>
@@ -2760,31 +2789,63 @@
       </p:grpSpPr>
       <p:sp>
         <p:nvSpPr>
-          <p:cNvPr id="2" name="Заголовок 1">
-            <a:extLst>
-              <a:ext uri="{FF2B5EF4-FFF2-40B4-BE49-F238E27FC236}">
-                <a16:creationId xmlns:a16="http://schemas.microsoft.com/office/drawing/2014/main" id="{EFAC201D-D844-4B67-B65A-76937009E011}"/>
-              </a:ext>
-            </a:extLst>
-          </p:cNvPr>
-          <p:cNvSpPr>
-            <a:spLocks noGrp="1"/>
-          </p:cNvSpPr>
-          <p:nvPr>
-            <p:ph type="title"/>
-          </p:nvPr>
+          <p:cNvPr id="7" name="Rectangle 6"/>
+          <p:cNvSpPr/>
+          <p:nvPr/>
         </p:nvSpPr>
         <p:spPr>
           <a:xfrm>
-            <a:off x="838200" y="365125"/>
-            <a:ext cx="10515600" cy="1325563"/>
+            <a:off x="11292840" y="0"/>
+            <a:ext cx="914400" cy="6858000"/>
+          </a:xfrm>
+          <a:prstGeom prst="rect">
+            <a:avLst/>
+          </a:prstGeom>
+          <a:solidFill>
+            <a:srgbClr val="303030"/>
+          </a:solidFill>
+          <a:ln>
+            <a:noFill/>
+          </a:ln>
+        </p:spPr>
+        <p:style>
+          <a:lnRef idx="2">
+            <a:schemeClr val="accent1">
+              <a:shade val="50000"/>
+            </a:schemeClr>
+          </a:lnRef>
+          <a:fillRef idx="1">
+            <a:schemeClr val="accent1"/>
+          </a:fillRef>
+          <a:effectRef idx="0">
+            <a:schemeClr val="accent1"/>
+          </a:effectRef>
+          <a:fontRef idx="minor">
+            <a:schemeClr val="lt1"/>
+          </a:fontRef>
+        </p:style>
+      </p:sp>
+      <p:sp>
+        <p:nvSpPr>
+          <p:cNvPr id="2" name="Title Placeholder 1"/>
+          <p:cNvSpPr>
+            <a:spLocks noGrp="1"/>
+          </p:cNvSpPr>
+          <p:nvPr>
+            <p:ph type="title"/>
+          </p:nvPr>
+        </p:nvSpPr>
+        <p:spPr>
+          <a:xfrm>
+            <a:off x="1261872" y="365760"/>
+            <a:ext cx="9692640" cy="1325562"/>
           </a:xfrm>
           <a:prstGeom prst="rect">
             <a:avLst/>
           </a:prstGeom>
         </p:spPr>
         <p:txBody>
-          <a:bodyPr vert="horz" lIns="91440" tIns="45720" rIns="91440" bIns="45720" rtlCol="0" anchor="ctr">
+          <a:bodyPr vert="horz" lIns="91440" tIns="45720" rIns="91440" bIns="45720" rtlCol="0" anchor="b">
             <a:normAutofit/>
           </a:bodyPr>
           <a:lstStyle/>
@@ -2793,18 +2854,13 @@
               <a:rPr lang="ru-RU"/>
               <a:t>Образец заголовка</a:t>
             </a:r>
-          </a:p>
-        </p:txBody>
-      </p:sp>
-      <p:sp>
-        <p:nvSpPr>
-          <p:cNvPr id="3" name="Текст 2">
-            <a:extLst>
-              <a:ext uri="{FF2B5EF4-FFF2-40B4-BE49-F238E27FC236}">
-                <a16:creationId xmlns:a16="http://schemas.microsoft.com/office/drawing/2014/main" id="{184BE621-A727-4C18-A781-454A3B20DA55}"/>
-              </a:ext>
-            </a:extLst>
-          </p:cNvPr>
+            <a:endParaRPr lang="en-US" dirty="0"/>
+          </a:p>
+        </p:txBody>
+      </p:sp>
+      <p:sp>
+        <p:nvSpPr>
+          <p:cNvPr id="3" name="Text Placeholder 2"/>
           <p:cNvSpPr>
             <a:spLocks noGrp="1"/>
           </p:cNvSpPr>
@@ -2814,8 +2870,8 @@
         </p:nvSpPr>
         <p:spPr>
           <a:xfrm>
-            <a:off x="838200" y="1825625"/>
-            <a:ext cx="10515600" cy="4351338"/>
+            <a:off x="1261872" y="1828800"/>
+            <a:ext cx="8595360" cy="4351337"/>
           </a:xfrm>
           <a:prstGeom prst="rect">
             <a:avLst/>
@@ -2860,18 +2916,13 @@
               <a:rPr lang="ru-RU"/>
               <a:t>Пятый уровень</a:t>
             </a:r>
-          </a:p>
-        </p:txBody>
-      </p:sp>
-      <p:sp>
-        <p:nvSpPr>
-          <p:cNvPr id="4" name="Дата 3">
-            <a:extLst>
-              <a:ext uri="{FF2B5EF4-FFF2-40B4-BE49-F238E27FC236}">
-                <a16:creationId xmlns:a16="http://schemas.microsoft.com/office/drawing/2014/main" id="{A1F2173F-0F26-4519-BB88-33D7478C48B8}"/>
-              </a:ext>
-            </a:extLst>
-          </p:cNvPr>
+            <a:endParaRPr lang="en-US" dirty="0"/>
+          </a:p>
+        </p:txBody>
+      </p:sp>
+      <p:sp>
+        <p:nvSpPr>
+          <p:cNvPr id="4" name="Date Placeholder 3"/>
           <p:cNvSpPr>
             <a:spLocks noGrp="1"/>
           </p:cNvSpPr>
@@ -2880,9 +2931,9 @@
           </p:nvPr>
         </p:nvSpPr>
         <p:spPr>
-          <a:xfrm>
-            <a:off x="838200" y="6356350"/>
-            <a:ext cx="2743200" cy="365125"/>
+          <a:xfrm rot="16200000">
+            <a:off x="10797542" y="998537"/>
+            <a:ext cx="1904999" cy="365125"/>
           </a:xfrm>
           <a:prstGeom prst="rect">
             <a:avLst/>
@@ -2891,11 +2942,11 @@
         <p:txBody>
           <a:bodyPr vert="horz" lIns="91440" tIns="45720" rIns="91440" bIns="45720" rtlCol="0" anchor="ctr"/>
           <a:lstStyle>
-            <a:lvl1pPr algn="l">
-              <a:defRPr sz="1200">
+            <a:lvl1pPr algn="r">
+              <a:defRPr sz="1050" b="0">
                 <a:solidFill>
                   <a:schemeClr val="tx1">
-                    <a:tint val="75000"/>
+                    <a:lumMod val="50000"/>
                   </a:schemeClr>
                 </a:solidFill>
               </a:defRPr>
@@ -2904,7 +2955,7 @@
           <a:p>
             <a:fld id="{FBA21F5B-0B33-45CA-953D-71AAFEFD0D5C}" type="datetimeFigureOut">
               <a:rPr lang="ru-RU" smtClean="0"/>
-              <a:t>15.08.2021</a:t>
+              <a:t>16.08.2021</a:t>
             </a:fld>
             <a:endParaRPr lang="ru-RU"/>
           </a:p>
@@ -2912,13 +2963,7 @@
       </p:sp>
       <p:sp>
         <p:nvSpPr>
-          <p:cNvPr id="5" name="Нижний колонтитул 4">
-            <a:extLst>
-              <a:ext uri="{FF2B5EF4-FFF2-40B4-BE49-F238E27FC236}">
-                <a16:creationId xmlns:a16="http://schemas.microsoft.com/office/drawing/2014/main" id="{1E14DEFE-A800-4934-9FD0-D4FC1146D716}"/>
-              </a:ext>
-            </a:extLst>
-          </p:cNvPr>
+          <p:cNvPr id="5" name="Footer Placeholder 4"/>
           <p:cNvSpPr>
             <a:spLocks noGrp="1"/>
           </p:cNvSpPr>
@@ -2927,9 +2972,9 @@
           </p:nvPr>
         </p:nvSpPr>
         <p:spPr>
-          <a:xfrm>
-            <a:off x="4038600" y="6356350"/>
-            <a:ext cx="4114800" cy="365125"/>
+          <a:xfrm rot="16200000">
+            <a:off x="9959341" y="4046537"/>
+            <a:ext cx="3581400" cy="365125"/>
           </a:xfrm>
           <a:prstGeom prst="rect">
             <a:avLst/>
@@ -2938,12 +2983,10 @@
         <p:txBody>
           <a:bodyPr vert="horz" lIns="91440" tIns="45720" rIns="91440" bIns="45720" rtlCol="0" anchor="ctr"/>
           <a:lstStyle>
-            <a:lvl1pPr algn="ctr">
-              <a:defRPr sz="1200">
+            <a:lvl1pPr algn="l">
+              <a:defRPr sz="1050">
                 <a:solidFill>
-                  <a:schemeClr val="tx1">
-                    <a:tint val="75000"/>
-                  </a:schemeClr>
+                  <a:srgbClr val="969696"/>
                 </a:solidFill>
               </a:defRPr>
             </a:lvl1pPr>
@@ -2955,13 +2998,7 @@
       </p:sp>
       <p:sp>
         <p:nvSpPr>
-          <p:cNvPr id="6" name="Номер слайда 5">
-            <a:extLst>
-              <a:ext uri="{FF2B5EF4-FFF2-40B4-BE49-F238E27FC236}">
-                <a16:creationId xmlns:a16="http://schemas.microsoft.com/office/drawing/2014/main" id="{978533DB-AEAA-4A2A-82D7-50C47D59F9CB}"/>
-              </a:ext>
-            </a:extLst>
-          </p:cNvPr>
+          <p:cNvPr id="6" name="Slide Number Placeholder 5"/>
           <p:cNvSpPr>
             <a:spLocks noGrp="1"/>
           </p:cNvSpPr>
@@ -2971,22 +3008,22 @@
         </p:nvSpPr>
         <p:spPr>
           <a:xfrm>
-            <a:off x="8610600" y="6356350"/>
-            <a:ext cx="2743200" cy="365125"/>
+            <a:off x="11292840" y="6172200"/>
+            <a:ext cx="914400" cy="593725"/>
           </a:xfrm>
           <a:prstGeom prst="rect">
             <a:avLst/>
           </a:prstGeom>
         </p:spPr>
         <p:txBody>
-          <a:bodyPr vert="horz" lIns="91440" tIns="45720" rIns="91440" bIns="45720" rtlCol="0" anchor="ctr"/>
+          <a:bodyPr vert="horz" lIns="45720" tIns="45720" rIns="45720" bIns="45720" rtlCol="0" anchor="ctr">
+            <a:normAutofit/>
+          </a:bodyPr>
           <a:lstStyle>
-            <a:lvl1pPr algn="r">
-              <a:defRPr sz="1200">
+            <a:lvl1pPr algn="ctr">
+              <a:defRPr sz="3600">
                 <a:solidFill>
-                  <a:schemeClr val="tx1">
-                    <a:tint val="75000"/>
-                  </a:schemeClr>
+                  <a:srgbClr val="777777"/>
                 </a:solidFill>
               </a:defRPr>
             </a:lvl1pPr>
@@ -3003,23 +3040,23 @@
     </p:spTree>
     <p:extLst>
       <p:ext uri="{BB962C8B-B14F-4D97-AF65-F5344CB8AC3E}">
-        <p14:creationId xmlns:p14="http://schemas.microsoft.com/office/powerpoint/2010/main" val="2149717942"/>
+        <p14:creationId xmlns:p14="http://schemas.microsoft.com/office/powerpoint/2010/main" val="788823884"/>
       </p:ext>
     </p:extLst>
   </p:cSld>
-  <p:clrMap bg1="lt1" tx1="dk1" bg2="lt2" tx2="dk2" accent1="accent1" accent2="accent2" accent3="accent3" accent4="accent4" accent5="accent5" accent6="accent6" hlink="hlink" folHlink="folHlink"/>
+  <p:clrMap bg1="dk1" tx1="lt1" bg2="dk2" tx2="lt2" accent1="accent1" accent2="accent2" accent3="accent3" accent4="accent4" accent5="accent5" accent6="accent6" hlink="hlink" folHlink="folHlink"/>
   <p:sldLayoutIdLst>
-    <p:sldLayoutId id="2147483649" r:id="rId1"/>
-    <p:sldLayoutId id="2147483650" r:id="rId2"/>
-    <p:sldLayoutId id="2147483651" r:id="rId3"/>
-    <p:sldLayoutId id="2147483652" r:id="rId4"/>
-    <p:sldLayoutId id="2147483653" r:id="rId5"/>
-    <p:sldLayoutId id="2147483654" r:id="rId6"/>
-    <p:sldLayoutId id="2147483655" r:id="rId7"/>
-    <p:sldLayoutId id="2147483656" r:id="rId8"/>
-    <p:sldLayoutId id="2147483657" r:id="rId9"/>
-    <p:sldLayoutId id="2147483658" r:id="rId10"/>
-    <p:sldLayoutId id="2147483659" r:id="rId11"/>
+    <p:sldLayoutId id="2147483673" r:id="rId1"/>
+    <p:sldLayoutId id="2147483674" r:id="rId2"/>
+    <p:sldLayoutId id="2147483675" r:id="rId3"/>
+    <p:sldLayoutId id="2147483676" r:id="rId4"/>
+    <p:sldLayoutId id="2147483677" r:id="rId5"/>
+    <p:sldLayoutId id="2147483678" r:id="rId6"/>
+    <p:sldLayoutId id="2147483679" r:id="rId7"/>
+    <p:sldLayoutId id="2147483680" r:id="rId8"/>
+    <p:sldLayoutId id="2147483681" r:id="rId9"/>
+    <p:sldLayoutId id="2147483682" r:id="rId10"/>
+    <p:sldLayoutId id="2147483683" r:id="rId11"/>
   </p:sldLayoutIdLst>
   <p:txStyles>
     <p:titleStyle>
@@ -3031,7 +3068,7 @@
           <a:spcPct val="0"/>
         </a:spcBef>
         <a:buNone/>
-        <a:defRPr sz="4400" kern="1200">
+        <a:defRPr sz="4400" kern="1200" spc="-50" baseline="0">
           <a:solidFill>
             <a:schemeClr val="tx1"/>
           </a:solidFill>
@@ -3042,16 +3079,23 @@
       </a:lvl1pPr>
     </p:titleStyle>
     <p:bodyStyle>
-      <a:lvl1pPr marL="228600" indent="-228600" algn="l" defTabSz="914400" rtl="0" eaLnBrk="1" latinLnBrk="0" hangingPunct="1">
+      <a:lvl1pPr marL="182880" indent="-182880" algn="l" defTabSz="914400" rtl="0" eaLnBrk="1" latinLnBrk="0" hangingPunct="1">
         <a:lnSpc>
-          <a:spcPct val="90000"/>
+          <a:spcPct val="95000"/>
         </a:lnSpc>
         <a:spcBef>
-          <a:spcPts val="1000"/>
+          <a:spcPts val="1400"/>
         </a:spcBef>
-        <a:buFont typeface="Arial" panose="020B0604020202020204" pitchFamily="34" charset="0"/>
+        <a:spcAft>
+          <a:spcPts val="200"/>
+        </a:spcAft>
+        <a:buClr>
+          <a:schemeClr val="accent1"/>
+        </a:buClr>
+        <a:buSzPct val="80000"/>
+        <a:buFont typeface="Arial" pitchFamily="34" charset="0"/>
         <a:buChar char="•"/>
-        <a:defRPr sz="2800" kern="1200">
+        <a:defRPr sz="1800" kern="1200" spc="10" baseline="0">
           <a:solidFill>
             <a:schemeClr val="tx1"/>
           </a:solidFill>
@@ -3060,144 +3104,216 @@
           <a:cs typeface="+mn-cs"/>
         </a:defRPr>
       </a:lvl1pPr>
-      <a:lvl2pPr marL="685800" indent="-228600" algn="l" defTabSz="914400" rtl="0" eaLnBrk="1" latinLnBrk="0" hangingPunct="1">
+      <a:lvl2pPr marL="457200" indent="-182880" algn="l" defTabSz="914400" rtl="0" eaLnBrk="1" latinLnBrk="0" hangingPunct="1">
         <a:lnSpc>
           <a:spcPct val="90000"/>
         </a:lnSpc>
         <a:spcBef>
-          <a:spcPts val="500"/>
+          <a:spcPts val="300"/>
         </a:spcBef>
-        <a:buFont typeface="Arial" panose="020B0604020202020204" pitchFamily="34" charset="0"/>
-        <a:buChar char="•"/>
-        <a:defRPr sz="2400" kern="1200">
+        <a:spcAft>
+          <a:spcPts val="300"/>
+        </a:spcAft>
+        <a:buClr>
+          <a:schemeClr val="accent1"/>
+        </a:buClr>
+        <a:buFont typeface="Wingdings 2" pitchFamily="18" charset="2"/>
+        <a:buChar char=""/>
+        <a:defRPr sz="1600" kern="1200">
           <a:solidFill>
-            <a:schemeClr val="tx1"/>
+            <a:schemeClr val="tx1">
+              <a:lumMod val="85000"/>
+              <a:lumOff val="15000"/>
+            </a:schemeClr>
           </a:solidFill>
           <a:latin typeface="+mn-lt"/>
           <a:ea typeface="+mn-ea"/>
           <a:cs typeface="+mn-cs"/>
         </a:defRPr>
       </a:lvl2pPr>
-      <a:lvl3pPr marL="1143000" indent="-228600" algn="l" defTabSz="914400" rtl="0" eaLnBrk="1" latinLnBrk="0" hangingPunct="1">
+      <a:lvl3pPr marL="731520" indent="-182880" algn="l" defTabSz="914400" rtl="0" eaLnBrk="1" latinLnBrk="0" hangingPunct="1">
         <a:lnSpc>
           <a:spcPct val="90000"/>
         </a:lnSpc>
         <a:spcBef>
-          <a:spcPts val="500"/>
+          <a:spcPts val="300"/>
         </a:spcBef>
-        <a:buFont typeface="Arial" panose="020B0604020202020204" pitchFamily="34" charset="0"/>
-        <a:buChar char="•"/>
-        <a:defRPr sz="2000" kern="1200">
+        <a:spcAft>
+          <a:spcPts val="300"/>
+        </a:spcAft>
+        <a:buClr>
+          <a:schemeClr val="accent1"/>
+        </a:buClr>
+        <a:buFont typeface="Wingdings 2" pitchFamily="18" charset="2"/>
+        <a:buChar char=""/>
+        <a:defRPr sz="1400" kern="1200">
           <a:solidFill>
-            <a:schemeClr val="tx1"/>
+            <a:schemeClr val="tx1">
+              <a:lumMod val="85000"/>
+              <a:lumOff val="15000"/>
+            </a:schemeClr>
           </a:solidFill>
           <a:latin typeface="+mn-lt"/>
           <a:ea typeface="+mn-ea"/>
           <a:cs typeface="+mn-cs"/>
         </a:defRPr>
       </a:lvl3pPr>
-      <a:lvl4pPr marL="1600200" indent="-228600" algn="l" defTabSz="914400" rtl="0" eaLnBrk="1" latinLnBrk="0" hangingPunct="1">
+      <a:lvl4pPr marL="1005840" indent="-182880" algn="l" defTabSz="914400" rtl="0" eaLnBrk="1" latinLnBrk="0" hangingPunct="1">
         <a:lnSpc>
           <a:spcPct val="90000"/>
         </a:lnSpc>
         <a:spcBef>
-          <a:spcPts val="500"/>
+          <a:spcPts val="300"/>
         </a:spcBef>
-        <a:buFont typeface="Arial" panose="020B0604020202020204" pitchFamily="34" charset="0"/>
-        <a:buChar char="•"/>
-        <a:defRPr sz="1800" kern="1200">
+        <a:spcAft>
+          <a:spcPts val="300"/>
+        </a:spcAft>
+        <a:buClr>
+          <a:schemeClr val="accent1"/>
+        </a:buClr>
+        <a:buFont typeface="Wingdings 2" pitchFamily="18" charset="2"/>
+        <a:buChar char=""/>
+        <a:defRPr sz="1400" kern="1200">
           <a:solidFill>
-            <a:schemeClr val="tx1"/>
+            <a:schemeClr val="tx1">
+              <a:lumMod val="85000"/>
+              <a:lumOff val="15000"/>
+            </a:schemeClr>
           </a:solidFill>
           <a:latin typeface="+mn-lt"/>
           <a:ea typeface="+mn-ea"/>
           <a:cs typeface="+mn-cs"/>
         </a:defRPr>
       </a:lvl4pPr>
-      <a:lvl5pPr marL="2057400" indent="-228600" algn="l" defTabSz="914400" rtl="0" eaLnBrk="1" latinLnBrk="0" hangingPunct="1">
+      <a:lvl5pPr marL="1280160" indent="-182880" algn="l" defTabSz="914400" rtl="0" eaLnBrk="1" latinLnBrk="0" hangingPunct="1">
         <a:lnSpc>
           <a:spcPct val="90000"/>
         </a:lnSpc>
         <a:spcBef>
-          <a:spcPts val="500"/>
+          <a:spcPts val="300"/>
         </a:spcBef>
-        <a:buFont typeface="Arial" panose="020B0604020202020204" pitchFamily="34" charset="0"/>
-        <a:buChar char="•"/>
-        <a:defRPr sz="1800" kern="1200">
+        <a:spcAft>
+          <a:spcPts val="300"/>
+        </a:spcAft>
+        <a:buClr>
+          <a:schemeClr val="accent1"/>
+        </a:buClr>
+        <a:buFont typeface="Wingdings 2" pitchFamily="18" charset="2"/>
+        <a:buChar char=""/>
+        <a:defRPr sz="1400" kern="1200">
           <a:solidFill>
-            <a:schemeClr val="tx1"/>
+            <a:schemeClr val="tx1">
+              <a:lumMod val="85000"/>
+              <a:lumOff val="15000"/>
+            </a:schemeClr>
           </a:solidFill>
           <a:latin typeface="+mn-lt"/>
           <a:ea typeface="+mn-ea"/>
           <a:cs typeface="+mn-cs"/>
         </a:defRPr>
       </a:lvl5pPr>
-      <a:lvl6pPr marL="2514600" indent="-228600" algn="l" defTabSz="914400" rtl="0" eaLnBrk="1" latinLnBrk="0" hangingPunct="1">
+      <a:lvl6pPr marL="1600000" indent="-228600" algn="l" defTabSz="914400" rtl="0" eaLnBrk="1" latinLnBrk="0" hangingPunct="1">
         <a:lnSpc>
           <a:spcPct val="90000"/>
         </a:lnSpc>
         <a:spcBef>
-          <a:spcPts val="500"/>
+          <a:spcPts val="300"/>
         </a:spcBef>
-        <a:buFont typeface="Arial" panose="020B0604020202020204" pitchFamily="34" charset="0"/>
-        <a:buChar char="•"/>
-        <a:defRPr sz="1800" kern="1200">
+        <a:spcAft>
+          <a:spcPts val="300"/>
+        </a:spcAft>
+        <a:buClr>
+          <a:schemeClr val="accent1"/>
+        </a:buClr>
+        <a:buFont typeface="Wingdings 2" pitchFamily="18" charset="2"/>
+        <a:buChar char=""/>
+        <a:defRPr sz="1400" kern="1200">
           <a:solidFill>
-            <a:schemeClr val="tx1"/>
+            <a:schemeClr val="tx1">
+              <a:lumMod val="85000"/>
+              <a:lumOff val="15000"/>
+            </a:schemeClr>
           </a:solidFill>
           <a:latin typeface="+mn-lt"/>
           <a:ea typeface="+mn-ea"/>
           <a:cs typeface="+mn-cs"/>
         </a:defRPr>
       </a:lvl6pPr>
-      <a:lvl7pPr marL="2971800" indent="-228600" algn="l" defTabSz="914400" rtl="0" eaLnBrk="1" latinLnBrk="0" hangingPunct="1">
+      <a:lvl7pPr marL="1900000" indent="-228600" algn="l" defTabSz="914400" rtl="0" eaLnBrk="1" latinLnBrk="0" hangingPunct="1">
         <a:lnSpc>
           <a:spcPct val="90000"/>
         </a:lnSpc>
         <a:spcBef>
-          <a:spcPts val="500"/>
+          <a:spcPts val="300"/>
         </a:spcBef>
-        <a:buFont typeface="Arial" panose="020B0604020202020204" pitchFamily="34" charset="0"/>
-        <a:buChar char="•"/>
-        <a:defRPr sz="1800" kern="1200">
+        <a:spcAft>
+          <a:spcPts val="300"/>
+        </a:spcAft>
+        <a:buClr>
+          <a:schemeClr val="accent1"/>
+        </a:buClr>
+        <a:buFont typeface="Wingdings 2" pitchFamily="18" charset="2"/>
+        <a:buChar char=""/>
+        <a:defRPr sz="1400" kern="1200">
           <a:solidFill>
-            <a:schemeClr val="tx1"/>
+            <a:schemeClr val="tx1">
+              <a:lumMod val="85000"/>
+              <a:lumOff val="15000"/>
+            </a:schemeClr>
           </a:solidFill>
           <a:latin typeface="+mn-lt"/>
           <a:ea typeface="+mn-ea"/>
           <a:cs typeface="+mn-cs"/>
         </a:defRPr>
       </a:lvl7pPr>
-      <a:lvl8pPr marL="3429000" indent="-228600" algn="l" defTabSz="914400" rtl="0" eaLnBrk="1" latinLnBrk="0" hangingPunct="1">
+      <a:lvl8pPr marL="2200000" indent="-228600" algn="l" defTabSz="914400" rtl="0" eaLnBrk="1" latinLnBrk="0" hangingPunct="1">
         <a:lnSpc>
           <a:spcPct val="90000"/>
         </a:lnSpc>
         <a:spcBef>
-          <a:spcPts val="500"/>
+          <a:spcPts val="300"/>
         </a:spcBef>
-        <a:buFont typeface="Arial" panose="020B0604020202020204" pitchFamily="34" charset="0"/>
-        <a:buChar char="•"/>
-        <a:defRPr sz="1800" kern="1200">
+        <a:spcAft>
+          <a:spcPts val="300"/>
+        </a:spcAft>
+        <a:buClr>
+          <a:schemeClr val="accent1"/>
+        </a:buClr>
+        <a:buFont typeface="Wingdings 2" pitchFamily="18" charset="2"/>
+        <a:buChar char=""/>
+        <a:defRPr sz="1400" kern="1200">
           <a:solidFill>
-            <a:schemeClr val="tx1"/>
+            <a:schemeClr val="tx1">
+              <a:lumMod val="85000"/>
+              <a:lumOff val="15000"/>
+            </a:schemeClr>
           </a:solidFill>
           <a:latin typeface="+mn-lt"/>
           <a:ea typeface="+mn-ea"/>
           <a:cs typeface="+mn-cs"/>
         </a:defRPr>
       </a:lvl8pPr>
-      <a:lvl9pPr marL="3886200" indent="-228600" algn="l" defTabSz="914400" rtl="0" eaLnBrk="1" latinLnBrk="0" hangingPunct="1">
+      <a:lvl9pPr marL="2500000" indent="-228600" algn="l" defTabSz="914400" rtl="0" eaLnBrk="1" latinLnBrk="0" hangingPunct="1">
         <a:lnSpc>
           <a:spcPct val="90000"/>
         </a:lnSpc>
         <a:spcBef>
-          <a:spcPts val="500"/>
+          <a:spcPts val="300"/>
         </a:spcBef>
-        <a:buFont typeface="Arial" panose="020B0604020202020204" pitchFamily="34" charset="0"/>
-        <a:buChar char="•"/>
-        <a:defRPr sz="1800" kern="1200">
+        <a:spcAft>
+          <a:spcPts val="300"/>
+        </a:spcAft>
+        <a:buClr>
+          <a:schemeClr val="accent1"/>
+        </a:buClr>
+        <a:buFont typeface="Wingdings 2" pitchFamily="18" charset="2"/>
+        <a:buChar char=""/>
+        <a:defRPr sz="1400" kern="1200">
           <a:solidFill>
-            <a:schemeClr val="tx1"/>
+            <a:schemeClr val="tx1">
+              <a:lumMod val="85000"/>
+              <a:lumOff val="15000"/>
+            </a:schemeClr>
           </a:solidFill>
           <a:latin typeface="+mn-lt"/>
           <a:ea typeface="+mn-ea"/>
@@ -3207,7 +3323,7 @@
     </p:bodyStyle>
     <p:otherStyle>
       <a:defPPr>
-        <a:defRPr lang="ru-RU"/>
+        <a:defRPr lang="en-US"/>
       </a:defPPr>
       <a:lvl1pPr marL="0" algn="l" defTabSz="914400" rtl="0" eaLnBrk="1" latinLnBrk="0" hangingPunct="1">
         <a:defRPr sz="1800" kern="1200">
@@ -3343,10 +3459,9 @@
           <a:lstStyle/>
           <a:p>
             <a:r>
-              <a:rPr lang="en-US" dirty="0"/>
-              <a:t>1905OS</a:t>
-            </a:r>
-            <a:endParaRPr lang="ru-RU" dirty="0"/>
+              <a:rPr lang="ru-RU" dirty="0"/>
+              <a:t>Операционные системы</a:t>
+            </a:r>
           </a:p>
         </p:txBody>
       </p:sp>
@@ -3378,6 +3493,36 @@
           </a:p>
         </p:txBody>
       </p:sp>
+      <p:pic>
+        <p:nvPicPr>
+          <p:cNvPr id="4" name="Рисунок 3">
+            <a:extLst>
+              <a:ext uri="{FF2B5EF4-FFF2-40B4-BE49-F238E27FC236}">
+                <a16:creationId xmlns:a16="http://schemas.microsoft.com/office/drawing/2014/main" id="{2883839D-4F27-4547-A5F5-A774BFCF64C3}"/>
+              </a:ext>
+            </a:extLst>
+          </p:cNvPr>
+          <p:cNvPicPr>
+            <a:picLocks noChangeAspect="1"/>
+          </p:cNvPicPr>
+          <p:nvPr/>
+        </p:nvPicPr>
+        <p:blipFill>
+          <a:blip r:embed="rId2"/>
+          <a:stretch>
+            <a:fillRect/>
+          </a:stretch>
+        </p:blipFill>
+        <p:spPr>
+          <a:xfrm>
+            <a:off x="8262151" y="-318083"/>
+            <a:ext cx="9324975" cy="4876800"/>
+          </a:xfrm>
+          <a:prstGeom prst="rect">
+            <a:avLst/>
+          </a:prstGeom>
+        </p:spPr>
+      </p:pic>
     </p:spTree>
     <p:extLst>
       <p:ext uri="{BB962C8B-B14F-4D97-AF65-F5344CB8AC3E}">
@@ -3391,10 +3536,2027 @@
 </p:sld>
 </file>
 
+<file path=ppt/slides/slide10.xml><?xml version="1.0" encoding="utf-8"?>
+<p:sld xmlns:a="http://schemas.openxmlformats.org/drawingml/2006/main" xmlns:r="http://schemas.openxmlformats.org/officeDocument/2006/relationships" xmlns:p="http://schemas.openxmlformats.org/presentationml/2006/main">
+  <p:cSld>
+    <p:spTree>
+      <p:nvGrpSpPr>
+        <p:cNvPr id="1" name=""/>
+        <p:cNvGrpSpPr/>
+        <p:nvPr/>
+      </p:nvGrpSpPr>
+      <p:grpSpPr>
+        <a:xfrm>
+          <a:off x="0" y="0"/>
+          <a:ext cx="0" cy="0"/>
+          <a:chOff x="0" y="0"/>
+          <a:chExt cx="0" cy="0"/>
+        </a:xfrm>
+      </p:grpSpPr>
+      <p:pic>
+        <p:nvPicPr>
+          <p:cNvPr id="5" name="Рисунок 4">
+            <a:extLst>
+              <a:ext uri="{FF2B5EF4-FFF2-40B4-BE49-F238E27FC236}">
+                <a16:creationId xmlns:a16="http://schemas.microsoft.com/office/drawing/2014/main" id="{D7D3ECA0-A1AE-47AE-A396-6EBE94169626}"/>
+              </a:ext>
+            </a:extLst>
+          </p:cNvPr>
+          <p:cNvPicPr>
+            <a:picLocks noChangeAspect="1"/>
+          </p:cNvPicPr>
+          <p:nvPr/>
+        </p:nvPicPr>
+        <p:blipFill>
+          <a:blip r:embed="rId2"/>
+          <a:stretch>
+            <a:fillRect/>
+          </a:stretch>
+        </p:blipFill>
+        <p:spPr>
+          <a:xfrm>
+            <a:off x="7680" y="2751137"/>
+            <a:ext cx="8767281" cy="6858000"/>
+          </a:xfrm>
+          <a:prstGeom prst="rect">
+            <a:avLst/>
+          </a:prstGeom>
+        </p:spPr>
+      </p:pic>
+      <p:sp>
+        <p:nvSpPr>
+          <p:cNvPr id="2" name="Заголовок 1">
+            <a:extLst>
+              <a:ext uri="{FF2B5EF4-FFF2-40B4-BE49-F238E27FC236}">
+                <a16:creationId xmlns:a16="http://schemas.microsoft.com/office/drawing/2014/main" id="{99D31079-173E-4750-BEAC-CB26DCFAA127}"/>
+              </a:ext>
+            </a:extLst>
+          </p:cNvPr>
+          <p:cNvSpPr>
+            <a:spLocks noGrp="1"/>
+          </p:cNvSpPr>
+          <p:nvPr>
+            <p:ph type="title"/>
+          </p:nvPr>
+        </p:nvSpPr>
+        <p:spPr/>
+        <p:txBody>
+          <a:bodyPr/>
+          <a:lstStyle/>
+          <a:p>
+            <a:r>
+              <a:rPr lang="ru-RU" dirty="0"/>
+              <a:t>Драйвера</a:t>
+            </a:r>
+          </a:p>
+        </p:txBody>
+      </p:sp>
+      <p:sp>
+        <p:nvSpPr>
+          <p:cNvPr id="3" name="Объект 2">
+            <a:extLst>
+              <a:ext uri="{FF2B5EF4-FFF2-40B4-BE49-F238E27FC236}">
+                <a16:creationId xmlns:a16="http://schemas.microsoft.com/office/drawing/2014/main" id="{1721D4DB-99E2-4AB9-8343-624C93836AAF}"/>
+              </a:ext>
+            </a:extLst>
+          </p:cNvPr>
+          <p:cNvSpPr>
+            <a:spLocks noGrp="1"/>
+          </p:cNvSpPr>
+          <p:nvPr>
+            <p:ph idx="1"/>
+          </p:nvPr>
+        </p:nvSpPr>
+        <p:spPr/>
+        <p:txBody>
+          <a:bodyPr/>
+          <a:lstStyle/>
+          <a:p>
+            <a:r>
+              <a:rPr lang="ru-RU" dirty="0"/>
+              <a:t>Драйвера – программы обеспечивающие работу с оборудованием, к примеру драйвер клавиатуры при нажатии на клавишу </a:t>
+            </a:r>
+            <a:r>
+              <a:rPr lang="en-US" dirty="0"/>
+              <a:t>SHIFT </a:t>
+            </a:r>
+            <a:r>
+              <a:rPr lang="ru-RU" dirty="0"/>
+              <a:t>принимает число 42. 42 – номер клавиши </a:t>
+            </a:r>
+            <a:r>
+              <a:rPr lang="en-US" dirty="0"/>
+              <a:t>SHIFT </a:t>
+            </a:r>
+            <a:r>
+              <a:rPr lang="ru-RU" dirty="0"/>
+              <a:t>на клавиатуре.</a:t>
+            </a:r>
+          </a:p>
+        </p:txBody>
+      </p:sp>
+      <p:pic>
+        <p:nvPicPr>
+          <p:cNvPr id="4" name="Рисунок 3">
+            <a:extLst>
+              <a:ext uri="{FF2B5EF4-FFF2-40B4-BE49-F238E27FC236}">
+                <a16:creationId xmlns:a16="http://schemas.microsoft.com/office/drawing/2014/main" id="{1FE169D6-C03A-4FF2-9CDD-61E92A694FC6}"/>
+              </a:ext>
+            </a:extLst>
+          </p:cNvPr>
+          <p:cNvPicPr>
+            <a:picLocks noChangeAspect="1"/>
+          </p:cNvPicPr>
+          <p:nvPr/>
+        </p:nvPicPr>
+        <p:blipFill>
+          <a:blip r:embed="rId3"/>
+          <a:stretch>
+            <a:fillRect/>
+          </a:stretch>
+        </p:blipFill>
+        <p:spPr>
+          <a:xfrm>
+            <a:off x="7530144" y="2751137"/>
+            <a:ext cx="4654176" cy="6858000"/>
+          </a:xfrm>
+          <a:prstGeom prst="rect">
+            <a:avLst/>
+          </a:prstGeom>
+        </p:spPr>
+      </p:pic>
+    </p:spTree>
+    <p:extLst>
+      <p:ext uri="{BB962C8B-B14F-4D97-AF65-F5344CB8AC3E}">
+        <p14:creationId xmlns:p14="http://schemas.microsoft.com/office/powerpoint/2010/main" val="1951240005"/>
+      </p:ext>
+    </p:extLst>
+  </p:cSld>
+  <p:clrMapOvr>
+    <a:masterClrMapping/>
+  </p:clrMapOvr>
+</p:sld>
+</file>
+
+<file path=ppt/slides/slide11.xml><?xml version="1.0" encoding="utf-8"?>
+<p:sld xmlns:a="http://schemas.openxmlformats.org/drawingml/2006/main" xmlns:r="http://schemas.openxmlformats.org/officeDocument/2006/relationships" xmlns:p="http://schemas.openxmlformats.org/presentationml/2006/main">
+  <p:cSld>
+    <p:spTree>
+      <p:nvGrpSpPr>
+        <p:cNvPr id="1" name=""/>
+        <p:cNvGrpSpPr/>
+        <p:nvPr/>
+      </p:nvGrpSpPr>
+      <p:grpSpPr>
+        <a:xfrm>
+          <a:off x="0" y="0"/>
+          <a:ext cx="0" cy="0"/>
+          <a:chOff x="0" y="0"/>
+          <a:chExt cx="0" cy="0"/>
+        </a:xfrm>
+      </p:grpSpPr>
+      <p:sp>
+        <p:nvSpPr>
+          <p:cNvPr id="2" name="Заголовок 1">
+            <a:extLst>
+              <a:ext uri="{FF2B5EF4-FFF2-40B4-BE49-F238E27FC236}">
+                <a16:creationId xmlns:a16="http://schemas.microsoft.com/office/drawing/2014/main" id="{0867953F-C876-42C4-A367-D76736F9ED66}"/>
+              </a:ext>
+            </a:extLst>
+          </p:cNvPr>
+          <p:cNvSpPr>
+            <a:spLocks noGrp="1"/>
+          </p:cNvSpPr>
+          <p:nvPr>
+            <p:ph type="title"/>
+          </p:nvPr>
+        </p:nvSpPr>
+        <p:spPr/>
+        <p:txBody>
+          <a:bodyPr/>
+          <a:lstStyle/>
+          <a:p>
+            <a:r>
+              <a:rPr lang="ru-RU" dirty="0"/>
+              <a:t>Пользовательский интерфейс</a:t>
+            </a:r>
+          </a:p>
+        </p:txBody>
+      </p:sp>
+      <p:sp>
+        <p:nvSpPr>
+          <p:cNvPr id="3" name="Объект 2">
+            <a:extLst>
+              <a:ext uri="{FF2B5EF4-FFF2-40B4-BE49-F238E27FC236}">
+                <a16:creationId xmlns:a16="http://schemas.microsoft.com/office/drawing/2014/main" id="{198FAC99-A1C0-4F7F-A89F-EA1583C3F73F}"/>
+              </a:ext>
+            </a:extLst>
+          </p:cNvPr>
+          <p:cNvSpPr>
+            <a:spLocks noGrp="1"/>
+          </p:cNvSpPr>
+          <p:nvPr>
+            <p:ph idx="1"/>
+          </p:nvPr>
+        </p:nvSpPr>
+        <p:spPr/>
+        <p:txBody>
+          <a:bodyPr/>
+          <a:lstStyle/>
+          <a:p>
+            <a:r>
+              <a:rPr lang="ru-RU" dirty="0"/>
+              <a:t>Пользовательский интерфейс – программа взаимодействия пользователя и операционной системы.</a:t>
+            </a:r>
+          </a:p>
+          <a:p>
+            <a:r>
+              <a:rPr lang="ru-RU" dirty="0"/>
+              <a:t>Бывает разного типа, распространенные варианты: графический и текстовый.</a:t>
+            </a:r>
+          </a:p>
+        </p:txBody>
+      </p:sp>
+    </p:spTree>
+    <p:extLst>
+      <p:ext uri="{BB962C8B-B14F-4D97-AF65-F5344CB8AC3E}">
+        <p14:creationId xmlns:p14="http://schemas.microsoft.com/office/powerpoint/2010/main" val="877987457"/>
+      </p:ext>
+    </p:extLst>
+  </p:cSld>
+  <p:clrMapOvr>
+    <a:masterClrMapping/>
+  </p:clrMapOvr>
+</p:sld>
+</file>
+
+<file path=ppt/slides/slide12.xml><?xml version="1.0" encoding="utf-8"?>
+<p:sld xmlns:a="http://schemas.openxmlformats.org/drawingml/2006/main" xmlns:r="http://schemas.openxmlformats.org/officeDocument/2006/relationships" xmlns:p="http://schemas.openxmlformats.org/presentationml/2006/main">
+  <p:cSld>
+    <p:spTree>
+      <p:nvGrpSpPr>
+        <p:cNvPr id="1" name=""/>
+        <p:cNvGrpSpPr/>
+        <p:nvPr/>
+      </p:nvGrpSpPr>
+      <p:grpSpPr>
+        <a:xfrm>
+          <a:off x="0" y="0"/>
+          <a:ext cx="0" cy="0"/>
+          <a:chOff x="0" y="0"/>
+          <a:chExt cx="0" cy="0"/>
+        </a:xfrm>
+      </p:grpSpPr>
+      <p:sp>
+        <p:nvSpPr>
+          <p:cNvPr id="2" name="Заголовок 1">
+            <a:extLst>
+              <a:ext uri="{FF2B5EF4-FFF2-40B4-BE49-F238E27FC236}">
+                <a16:creationId xmlns:a16="http://schemas.microsoft.com/office/drawing/2014/main" id="{0EFC2E7D-50BA-4E32-B361-749EEA84567F}"/>
+              </a:ext>
+            </a:extLst>
+          </p:cNvPr>
+          <p:cNvSpPr>
+            <a:spLocks noGrp="1"/>
+          </p:cNvSpPr>
+          <p:nvPr>
+            <p:ph type="title"/>
+          </p:nvPr>
+        </p:nvSpPr>
+        <p:spPr/>
+        <p:txBody>
+          <a:bodyPr/>
+          <a:lstStyle/>
+          <a:p>
+            <a:r>
+              <a:rPr lang="ru-RU" dirty="0"/>
+              <a:t>1905</a:t>
+            </a:r>
+            <a:r>
+              <a:rPr lang="en-US" dirty="0"/>
+              <a:t>OS</a:t>
+            </a:r>
+            <a:endParaRPr lang="ru-RU" dirty="0"/>
+          </a:p>
+        </p:txBody>
+      </p:sp>
+      <p:sp>
+        <p:nvSpPr>
+          <p:cNvPr id="3" name="Объект 2">
+            <a:extLst>
+              <a:ext uri="{FF2B5EF4-FFF2-40B4-BE49-F238E27FC236}">
+                <a16:creationId xmlns:a16="http://schemas.microsoft.com/office/drawing/2014/main" id="{B58D4E9A-A19D-43D3-95E3-90A850509322}"/>
+              </a:ext>
+            </a:extLst>
+          </p:cNvPr>
+          <p:cNvSpPr>
+            <a:spLocks noGrp="1"/>
+          </p:cNvSpPr>
+          <p:nvPr>
+            <p:ph idx="1"/>
+          </p:nvPr>
+        </p:nvSpPr>
+        <p:spPr/>
+        <p:txBody>
+          <a:bodyPr/>
+          <a:lstStyle/>
+          <a:p>
+            <a:r>
+              <a:rPr lang="ru-RU" dirty="0"/>
+              <a:t>В качестве примера я создал простейшую операционную систему.</a:t>
+            </a:r>
+          </a:p>
+          <a:p>
+            <a:r>
+              <a:rPr lang="ru-RU" dirty="0"/>
+              <a:t>Её название</a:t>
+            </a:r>
+            <a:r>
+              <a:rPr lang="en-US" dirty="0"/>
+              <a:t> -</a:t>
+            </a:r>
+            <a:r>
+              <a:rPr lang="ru-RU" dirty="0"/>
+              <a:t> </a:t>
+            </a:r>
+            <a:r>
+              <a:rPr lang="en-US" dirty="0"/>
+              <a:t>1905OS (</a:t>
+            </a:r>
+            <a:r>
+              <a:rPr lang="ru-RU" dirty="0"/>
+              <a:t>в честь школы в которой я обучаюсь на данный момент).</a:t>
+            </a:r>
+          </a:p>
+          <a:p>
+            <a:r>
+              <a:rPr lang="ru-RU" dirty="0"/>
+              <a:t>Основные функции: вывод текста, получение информации о процессоре, получение текущего времени.</a:t>
+            </a:r>
+          </a:p>
+        </p:txBody>
+      </p:sp>
+    </p:spTree>
+    <p:extLst>
+      <p:ext uri="{BB962C8B-B14F-4D97-AF65-F5344CB8AC3E}">
+        <p14:creationId xmlns:p14="http://schemas.microsoft.com/office/powerpoint/2010/main" val="2711519525"/>
+      </p:ext>
+    </p:extLst>
+  </p:cSld>
+  <p:clrMapOvr>
+    <a:masterClrMapping/>
+  </p:clrMapOvr>
+</p:sld>
+</file>
+
+<file path=ppt/slides/slide13.xml><?xml version="1.0" encoding="utf-8"?>
+<p:sld xmlns:a="http://schemas.openxmlformats.org/drawingml/2006/main" xmlns:r="http://schemas.openxmlformats.org/officeDocument/2006/relationships" xmlns:p="http://schemas.openxmlformats.org/presentationml/2006/main">
+  <p:cSld>
+    <p:spTree>
+      <p:nvGrpSpPr>
+        <p:cNvPr id="1" name=""/>
+        <p:cNvGrpSpPr/>
+        <p:nvPr/>
+      </p:nvGrpSpPr>
+      <p:grpSpPr>
+        <a:xfrm>
+          <a:off x="0" y="0"/>
+          <a:ext cx="0" cy="0"/>
+          <a:chOff x="0" y="0"/>
+          <a:chExt cx="0" cy="0"/>
+        </a:xfrm>
+      </p:grpSpPr>
+      <p:sp>
+        <p:nvSpPr>
+          <p:cNvPr id="2" name="Заголовок 1">
+            <a:extLst>
+              <a:ext uri="{FF2B5EF4-FFF2-40B4-BE49-F238E27FC236}">
+                <a16:creationId xmlns:a16="http://schemas.microsoft.com/office/drawing/2014/main" id="{8C5FD3B4-C0C7-4F66-B1EC-89AF25660323}"/>
+              </a:ext>
+            </a:extLst>
+          </p:cNvPr>
+          <p:cNvSpPr>
+            <a:spLocks noGrp="1"/>
+          </p:cNvSpPr>
+          <p:nvPr>
+            <p:ph type="title"/>
+          </p:nvPr>
+        </p:nvSpPr>
+        <p:spPr/>
+        <p:txBody>
+          <a:bodyPr/>
+          <a:lstStyle/>
+          <a:p>
+            <a:r>
+              <a:rPr lang="ru-RU" dirty="0"/>
+              <a:t>1905</a:t>
+            </a:r>
+            <a:r>
+              <a:rPr lang="en-US" dirty="0"/>
+              <a:t>OS</a:t>
+            </a:r>
+            <a:endParaRPr lang="ru-RU" dirty="0"/>
+          </a:p>
+        </p:txBody>
+      </p:sp>
+      <p:sp>
+        <p:nvSpPr>
+          <p:cNvPr id="3" name="Объект 2">
+            <a:extLst>
+              <a:ext uri="{FF2B5EF4-FFF2-40B4-BE49-F238E27FC236}">
+                <a16:creationId xmlns:a16="http://schemas.microsoft.com/office/drawing/2014/main" id="{4A79E359-15CF-4AA1-8325-BBE039A2135E}"/>
+              </a:ext>
+            </a:extLst>
+          </p:cNvPr>
+          <p:cNvSpPr>
+            <a:spLocks noGrp="1"/>
+          </p:cNvSpPr>
+          <p:nvPr>
+            <p:ph idx="1"/>
+          </p:nvPr>
+        </p:nvSpPr>
+        <p:spPr/>
+        <p:txBody>
+          <a:bodyPr/>
+          <a:lstStyle/>
+          <a:p>
+            <a:endParaRPr lang="ru-RU"/>
+          </a:p>
+        </p:txBody>
+      </p:sp>
+    </p:spTree>
+    <p:extLst>
+      <p:ext uri="{BB962C8B-B14F-4D97-AF65-F5344CB8AC3E}">
+        <p14:creationId xmlns:p14="http://schemas.microsoft.com/office/powerpoint/2010/main" val="3285010373"/>
+      </p:ext>
+    </p:extLst>
+  </p:cSld>
+  <p:clrMapOvr>
+    <a:masterClrMapping/>
+  </p:clrMapOvr>
+</p:sld>
+</file>
+
+<file path=ppt/slides/slide14.xml><?xml version="1.0" encoding="utf-8"?>
+<p:sld xmlns:a="http://schemas.openxmlformats.org/drawingml/2006/main" xmlns:r="http://schemas.openxmlformats.org/officeDocument/2006/relationships" xmlns:p="http://schemas.openxmlformats.org/presentationml/2006/main">
+  <p:cSld>
+    <p:spTree>
+      <p:nvGrpSpPr>
+        <p:cNvPr id="1" name=""/>
+        <p:cNvGrpSpPr/>
+        <p:nvPr/>
+      </p:nvGrpSpPr>
+      <p:grpSpPr>
+        <a:xfrm>
+          <a:off x="0" y="0"/>
+          <a:ext cx="0" cy="0"/>
+          <a:chOff x="0" y="0"/>
+          <a:chExt cx="0" cy="0"/>
+        </a:xfrm>
+      </p:grpSpPr>
+      <p:sp>
+        <p:nvSpPr>
+          <p:cNvPr id="2" name="Заголовок 1">
+            <a:extLst>
+              <a:ext uri="{FF2B5EF4-FFF2-40B4-BE49-F238E27FC236}">
+                <a16:creationId xmlns:a16="http://schemas.microsoft.com/office/drawing/2014/main" id="{28D56588-CB3A-4248-997A-51E0C06C3FE6}"/>
+              </a:ext>
+            </a:extLst>
+          </p:cNvPr>
+          <p:cNvSpPr>
+            <a:spLocks noGrp="1"/>
+          </p:cNvSpPr>
+          <p:nvPr>
+            <p:ph type="title"/>
+          </p:nvPr>
+        </p:nvSpPr>
+        <p:spPr/>
+        <p:txBody>
+          <a:bodyPr/>
+          <a:lstStyle/>
+          <a:p>
+            <a:endParaRPr lang="ru-RU"/>
+          </a:p>
+        </p:txBody>
+      </p:sp>
+      <p:sp>
+        <p:nvSpPr>
+          <p:cNvPr id="3" name="Объект 2">
+            <a:extLst>
+              <a:ext uri="{FF2B5EF4-FFF2-40B4-BE49-F238E27FC236}">
+                <a16:creationId xmlns:a16="http://schemas.microsoft.com/office/drawing/2014/main" id="{41FDDDA9-302E-42A2-9BE4-03BA35A34CE9}"/>
+              </a:ext>
+            </a:extLst>
+          </p:cNvPr>
+          <p:cNvSpPr>
+            <a:spLocks noGrp="1"/>
+          </p:cNvSpPr>
+          <p:nvPr>
+            <p:ph idx="1"/>
+          </p:nvPr>
+        </p:nvSpPr>
+        <p:spPr/>
+        <p:txBody>
+          <a:bodyPr/>
+          <a:lstStyle/>
+          <a:p>
+            <a:endParaRPr lang="ru-RU"/>
+          </a:p>
+        </p:txBody>
+      </p:sp>
+    </p:spTree>
+    <p:extLst>
+      <p:ext uri="{BB962C8B-B14F-4D97-AF65-F5344CB8AC3E}">
+        <p14:creationId xmlns:p14="http://schemas.microsoft.com/office/powerpoint/2010/main" val="3331852523"/>
+      </p:ext>
+    </p:extLst>
+  </p:cSld>
+  <p:clrMapOvr>
+    <a:masterClrMapping/>
+  </p:clrMapOvr>
+</p:sld>
+</file>
+
+<file path=ppt/slides/slide15.xml><?xml version="1.0" encoding="utf-8"?>
+<p:sld xmlns:a="http://schemas.openxmlformats.org/drawingml/2006/main" xmlns:r="http://schemas.openxmlformats.org/officeDocument/2006/relationships" xmlns:p="http://schemas.openxmlformats.org/presentationml/2006/main">
+  <p:cSld>
+    <p:spTree>
+      <p:nvGrpSpPr>
+        <p:cNvPr id="1" name=""/>
+        <p:cNvGrpSpPr/>
+        <p:nvPr/>
+      </p:nvGrpSpPr>
+      <p:grpSpPr>
+        <a:xfrm>
+          <a:off x="0" y="0"/>
+          <a:ext cx="0" cy="0"/>
+          <a:chOff x="0" y="0"/>
+          <a:chExt cx="0" cy="0"/>
+        </a:xfrm>
+      </p:grpSpPr>
+      <p:sp>
+        <p:nvSpPr>
+          <p:cNvPr id="2" name="Заголовок 1">
+            <a:extLst>
+              <a:ext uri="{FF2B5EF4-FFF2-40B4-BE49-F238E27FC236}">
+                <a16:creationId xmlns:a16="http://schemas.microsoft.com/office/drawing/2014/main" id="{3740067E-1A4D-443F-91E6-B2CFE9CCA918}"/>
+              </a:ext>
+            </a:extLst>
+          </p:cNvPr>
+          <p:cNvSpPr>
+            <a:spLocks noGrp="1"/>
+          </p:cNvSpPr>
+          <p:nvPr>
+            <p:ph type="title"/>
+          </p:nvPr>
+        </p:nvSpPr>
+        <p:spPr/>
+        <p:txBody>
+          <a:bodyPr/>
+          <a:lstStyle/>
+          <a:p>
+            <a:endParaRPr lang="ru-RU"/>
+          </a:p>
+        </p:txBody>
+      </p:sp>
+      <p:sp>
+        <p:nvSpPr>
+          <p:cNvPr id="3" name="Объект 2">
+            <a:extLst>
+              <a:ext uri="{FF2B5EF4-FFF2-40B4-BE49-F238E27FC236}">
+                <a16:creationId xmlns:a16="http://schemas.microsoft.com/office/drawing/2014/main" id="{948D8B0C-D344-4172-AFF1-3065C5734070}"/>
+              </a:ext>
+            </a:extLst>
+          </p:cNvPr>
+          <p:cNvSpPr>
+            <a:spLocks noGrp="1"/>
+          </p:cNvSpPr>
+          <p:nvPr>
+            <p:ph idx="1"/>
+          </p:nvPr>
+        </p:nvSpPr>
+        <p:spPr/>
+        <p:txBody>
+          <a:bodyPr/>
+          <a:lstStyle/>
+          <a:p>
+            <a:endParaRPr lang="ru-RU"/>
+          </a:p>
+        </p:txBody>
+      </p:sp>
+    </p:spTree>
+    <p:extLst>
+      <p:ext uri="{BB962C8B-B14F-4D97-AF65-F5344CB8AC3E}">
+        <p14:creationId xmlns:p14="http://schemas.microsoft.com/office/powerpoint/2010/main" val="3172420681"/>
+      </p:ext>
+    </p:extLst>
+  </p:cSld>
+  <p:clrMapOvr>
+    <a:masterClrMapping/>
+  </p:clrMapOvr>
+</p:sld>
+</file>
+
+<file path=ppt/slides/slide16.xml><?xml version="1.0" encoding="utf-8"?>
+<p:sld xmlns:a="http://schemas.openxmlformats.org/drawingml/2006/main" xmlns:r="http://schemas.openxmlformats.org/officeDocument/2006/relationships" xmlns:p="http://schemas.openxmlformats.org/presentationml/2006/main">
+  <p:cSld>
+    <p:spTree>
+      <p:nvGrpSpPr>
+        <p:cNvPr id="1" name=""/>
+        <p:cNvGrpSpPr/>
+        <p:nvPr/>
+      </p:nvGrpSpPr>
+      <p:grpSpPr>
+        <a:xfrm>
+          <a:off x="0" y="0"/>
+          <a:ext cx="0" cy="0"/>
+          <a:chOff x="0" y="0"/>
+          <a:chExt cx="0" cy="0"/>
+        </a:xfrm>
+      </p:grpSpPr>
+      <p:sp>
+        <p:nvSpPr>
+          <p:cNvPr id="2" name="Заголовок 1">
+            <a:extLst>
+              <a:ext uri="{FF2B5EF4-FFF2-40B4-BE49-F238E27FC236}">
+                <a16:creationId xmlns:a16="http://schemas.microsoft.com/office/drawing/2014/main" id="{D754BD15-C99E-4BF0-8C80-EDAE1C16639C}"/>
+              </a:ext>
+            </a:extLst>
+          </p:cNvPr>
+          <p:cNvSpPr>
+            <a:spLocks noGrp="1"/>
+          </p:cNvSpPr>
+          <p:nvPr>
+            <p:ph type="title"/>
+          </p:nvPr>
+        </p:nvSpPr>
+        <p:spPr/>
+        <p:txBody>
+          <a:bodyPr/>
+          <a:lstStyle/>
+          <a:p>
+            <a:endParaRPr lang="ru-RU"/>
+          </a:p>
+        </p:txBody>
+      </p:sp>
+      <p:sp>
+        <p:nvSpPr>
+          <p:cNvPr id="3" name="Объект 2">
+            <a:extLst>
+              <a:ext uri="{FF2B5EF4-FFF2-40B4-BE49-F238E27FC236}">
+                <a16:creationId xmlns:a16="http://schemas.microsoft.com/office/drawing/2014/main" id="{9167E412-6977-41E8-96A9-77B8F8159554}"/>
+              </a:ext>
+            </a:extLst>
+          </p:cNvPr>
+          <p:cNvSpPr>
+            <a:spLocks noGrp="1"/>
+          </p:cNvSpPr>
+          <p:nvPr>
+            <p:ph idx="1"/>
+          </p:nvPr>
+        </p:nvSpPr>
+        <p:spPr/>
+        <p:txBody>
+          <a:bodyPr/>
+          <a:lstStyle/>
+          <a:p>
+            <a:endParaRPr lang="ru-RU"/>
+          </a:p>
+        </p:txBody>
+      </p:sp>
+    </p:spTree>
+    <p:extLst>
+      <p:ext uri="{BB962C8B-B14F-4D97-AF65-F5344CB8AC3E}">
+        <p14:creationId xmlns:p14="http://schemas.microsoft.com/office/powerpoint/2010/main" val="3650278433"/>
+      </p:ext>
+    </p:extLst>
+  </p:cSld>
+  <p:clrMapOvr>
+    <a:masterClrMapping/>
+  </p:clrMapOvr>
+</p:sld>
+</file>
+
+<file path=ppt/slides/slide17.xml><?xml version="1.0" encoding="utf-8"?>
+<p:sld xmlns:a="http://schemas.openxmlformats.org/drawingml/2006/main" xmlns:r="http://schemas.openxmlformats.org/officeDocument/2006/relationships" xmlns:p="http://schemas.openxmlformats.org/presentationml/2006/main">
+  <p:cSld>
+    <p:spTree>
+      <p:nvGrpSpPr>
+        <p:cNvPr id="1" name=""/>
+        <p:cNvGrpSpPr/>
+        <p:nvPr/>
+      </p:nvGrpSpPr>
+      <p:grpSpPr>
+        <a:xfrm>
+          <a:off x="0" y="0"/>
+          <a:ext cx="0" cy="0"/>
+          <a:chOff x="0" y="0"/>
+          <a:chExt cx="0" cy="0"/>
+        </a:xfrm>
+      </p:grpSpPr>
+      <p:sp>
+        <p:nvSpPr>
+          <p:cNvPr id="2" name="Заголовок 1">
+            <a:extLst>
+              <a:ext uri="{FF2B5EF4-FFF2-40B4-BE49-F238E27FC236}">
+                <a16:creationId xmlns:a16="http://schemas.microsoft.com/office/drawing/2014/main" id="{7F9EA02A-9693-4A60-8262-E9850D95B341}"/>
+              </a:ext>
+            </a:extLst>
+          </p:cNvPr>
+          <p:cNvSpPr>
+            <a:spLocks noGrp="1"/>
+          </p:cNvSpPr>
+          <p:nvPr>
+            <p:ph type="title"/>
+          </p:nvPr>
+        </p:nvSpPr>
+        <p:spPr/>
+        <p:txBody>
+          <a:bodyPr/>
+          <a:lstStyle/>
+          <a:p>
+            <a:endParaRPr lang="ru-RU"/>
+          </a:p>
+        </p:txBody>
+      </p:sp>
+      <p:sp>
+        <p:nvSpPr>
+          <p:cNvPr id="3" name="Объект 2">
+            <a:extLst>
+              <a:ext uri="{FF2B5EF4-FFF2-40B4-BE49-F238E27FC236}">
+                <a16:creationId xmlns:a16="http://schemas.microsoft.com/office/drawing/2014/main" id="{BB4F769B-E205-4A76-ADAA-A3E5F003ED57}"/>
+              </a:ext>
+            </a:extLst>
+          </p:cNvPr>
+          <p:cNvSpPr>
+            <a:spLocks noGrp="1"/>
+          </p:cNvSpPr>
+          <p:nvPr>
+            <p:ph idx="1"/>
+          </p:nvPr>
+        </p:nvSpPr>
+        <p:spPr/>
+        <p:txBody>
+          <a:bodyPr/>
+          <a:lstStyle/>
+          <a:p>
+            <a:endParaRPr lang="ru-RU"/>
+          </a:p>
+        </p:txBody>
+      </p:sp>
+    </p:spTree>
+    <p:extLst>
+      <p:ext uri="{BB962C8B-B14F-4D97-AF65-F5344CB8AC3E}">
+        <p14:creationId xmlns:p14="http://schemas.microsoft.com/office/powerpoint/2010/main" val="1776862147"/>
+      </p:ext>
+    </p:extLst>
+  </p:cSld>
+  <p:clrMapOvr>
+    <a:masterClrMapping/>
+  </p:clrMapOvr>
+</p:sld>
+</file>
+
+<file path=ppt/slides/slide2.xml><?xml version="1.0" encoding="utf-8"?>
+<p:sld xmlns:a="http://schemas.openxmlformats.org/drawingml/2006/main" xmlns:r="http://schemas.openxmlformats.org/officeDocument/2006/relationships" xmlns:p="http://schemas.openxmlformats.org/presentationml/2006/main">
+  <p:cSld>
+    <p:spTree>
+      <p:nvGrpSpPr>
+        <p:cNvPr id="1" name=""/>
+        <p:cNvGrpSpPr/>
+        <p:nvPr/>
+      </p:nvGrpSpPr>
+      <p:grpSpPr>
+        <a:xfrm>
+          <a:off x="0" y="0"/>
+          <a:ext cx="0" cy="0"/>
+          <a:chOff x="0" y="0"/>
+          <a:chExt cx="0" cy="0"/>
+        </a:xfrm>
+      </p:grpSpPr>
+      <p:sp>
+        <p:nvSpPr>
+          <p:cNvPr id="2" name="Заголовок 1">
+            <a:extLst>
+              <a:ext uri="{FF2B5EF4-FFF2-40B4-BE49-F238E27FC236}">
+                <a16:creationId xmlns:a16="http://schemas.microsoft.com/office/drawing/2014/main" id="{47544781-D795-418D-A768-B8240D4BD658}"/>
+              </a:ext>
+            </a:extLst>
+          </p:cNvPr>
+          <p:cNvSpPr>
+            <a:spLocks noGrp="1"/>
+          </p:cNvSpPr>
+          <p:nvPr>
+            <p:ph type="title"/>
+          </p:nvPr>
+        </p:nvSpPr>
+        <p:spPr/>
+        <p:txBody>
+          <a:bodyPr/>
+          <a:lstStyle/>
+          <a:p>
+            <a:r>
+              <a:rPr lang="ru-RU" dirty="0"/>
+              <a:t>Содержание</a:t>
+            </a:r>
+          </a:p>
+        </p:txBody>
+      </p:sp>
+      <p:sp>
+        <p:nvSpPr>
+          <p:cNvPr id="3" name="Объект 2">
+            <a:extLst>
+              <a:ext uri="{FF2B5EF4-FFF2-40B4-BE49-F238E27FC236}">
+                <a16:creationId xmlns:a16="http://schemas.microsoft.com/office/drawing/2014/main" id="{A89A0922-88E2-4A5F-9259-1D22756164A7}"/>
+              </a:ext>
+            </a:extLst>
+          </p:cNvPr>
+          <p:cNvSpPr>
+            <a:spLocks noGrp="1"/>
+          </p:cNvSpPr>
+          <p:nvPr>
+            <p:ph idx="1"/>
+          </p:nvPr>
+        </p:nvSpPr>
+        <p:spPr/>
+        <p:txBody>
+          <a:bodyPr>
+            <a:normAutofit fontScale="77500" lnSpcReduction="20000"/>
+          </a:bodyPr>
+          <a:lstStyle/>
+          <a:p>
+            <a:r>
+              <a:rPr lang="ru-RU" dirty="0"/>
+              <a:t>Что такое операционная система?</a:t>
+            </a:r>
+          </a:p>
+          <a:p>
+            <a:r>
+              <a:rPr lang="ru-RU" dirty="0"/>
+              <a:t>Где применяются операционные системы?</a:t>
+            </a:r>
+          </a:p>
+          <a:p>
+            <a:r>
+              <a:rPr lang="ru-RU" dirty="0"/>
+              <a:t>Какие операционные системы существуют?</a:t>
+            </a:r>
+          </a:p>
+          <a:p>
+            <a:r>
+              <a:rPr lang="ru-RU" dirty="0"/>
+              <a:t>Как создать операционную систему?</a:t>
+            </a:r>
+          </a:p>
+          <a:p>
+            <a:r>
+              <a:rPr lang="ru-RU" dirty="0"/>
+              <a:t>Загрузчик</a:t>
+            </a:r>
+          </a:p>
+          <a:p>
+            <a:r>
+              <a:rPr lang="ru-RU" dirty="0"/>
+              <a:t>Ядро</a:t>
+            </a:r>
+          </a:p>
+          <a:p>
+            <a:r>
+              <a:rPr lang="ru-RU" dirty="0"/>
+              <a:t>Загрузчик программ</a:t>
+            </a:r>
+          </a:p>
+          <a:p>
+            <a:r>
+              <a:rPr lang="ru-RU" dirty="0"/>
+              <a:t>Драйвера</a:t>
+            </a:r>
+          </a:p>
+          <a:p>
+            <a:r>
+              <a:rPr lang="ru-RU" dirty="0"/>
+              <a:t>Пользовательский интерфейс</a:t>
+            </a:r>
+          </a:p>
+          <a:p>
+            <a:r>
+              <a:rPr lang="ru-RU" dirty="0"/>
+              <a:t>1905</a:t>
+            </a:r>
+            <a:r>
+              <a:rPr lang="en-US" dirty="0"/>
+              <a:t>OS</a:t>
+            </a:r>
+            <a:endParaRPr lang="ru-RU" dirty="0"/>
+          </a:p>
+          <a:p>
+            <a:r>
+              <a:rPr lang="ru-RU" dirty="0"/>
+              <a:t>Вывод</a:t>
+            </a:r>
+          </a:p>
+          <a:p>
+            <a:r>
+              <a:rPr lang="ru-RU" dirty="0"/>
+              <a:t>Материалы</a:t>
+            </a:r>
+          </a:p>
+          <a:p>
+            <a:endParaRPr lang="ru-RU" dirty="0"/>
+          </a:p>
+        </p:txBody>
+      </p:sp>
+      <p:pic>
+        <p:nvPicPr>
+          <p:cNvPr id="4" name="Рисунок 3">
+            <a:extLst>
+              <a:ext uri="{FF2B5EF4-FFF2-40B4-BE49-F238E27FC236}">
+                <a16:creationId xmlns:a16="http://schemas.microsoft.com/office/drawing/2014/main" id="{D56C6098-321D-462B-A0CD-35BA796B640D}"/>
+              </a:ext>
+            </a:extLst>
+          </p:cNvPr>
+          <p:cNvPicPr>
+            <a:picLocks noChangeAspect="1"/>
+          </p:cNvPicPr>
+          <p:nvPr/>
+        </p:nvPicPr>
+        <p:blipFill>
+          <a:blip r:embed="rId2"/>
+          <a:stretch>
+            <a:fillRect/>
+          </a:stretch>
+        </p:blipFill>
+        <p:spPr>
+          <a:xfrm>
+            <a:off x="6575222" y="0"/>
+            <a:ext cx="6172200" cy="6858000"/>
+          </a:xfrm>
+          <a:prstGeom prst="rect">
+            <a:avLst/>
+          </a:prstGeom>
+        </p:spPr>
+      </p:pic>
+    </p:spTree>
+    <p:extLst>
+      <p:ext uri="{BB962C8B-B14F-4D97-AF65-F5344CB8AC3E}">
+        <p14:creationId xmlns:p14="http://schemas.microsoft.com/office/powerpoint/2010/main" val="2506555337"/>
+      </p:ext>
+    </p:extLst>
+  </p:cSld>
+  <p:clrMapOvr>
+    <a:masterClrMapping/>
+  </p:clrMapOvr>
+</p:sld>
+</file>
+
+<file path=ppt/slides/slide3.xml><?xml version="1.0" encoding="utf-8"?>
+<p:sld xmlns:a="http://schemas.openxmlformats.org/drawingml/2006/main" xmlns:r="http://schemas.openxmlformats.org/officeDocument/2006/relationships" xmlns:p="http://schemas.openxmlformats.org/presentationml/2006/main">
+  <p:cSld>
+    <p:spTree>
+      <p:nvGrpSpPr>
+        <p:cNvPr id="1" name=""/>
+        <p:cNvGrpSpPr/>
+        <p:nvPr/>
+      </p:nvGrpSpPr>
+      <p:grpSpPr>
+        <a:xfrm>
+          <a:off x="0" y="0"/>
+          <a:ext cx="0" cy="0"/>
+          <a:chOff x="0" y="0"/>
+          <a:chExt cx="0" cy="0"/>
+        </a:xfrm>
+      </p:grpSpPr>
+      <p:sp>
+        <p:nvSpPr>
+          <p:cNvPr id="2" name="Заголовок 1">
+            <a:extLst>
+              <a:ext uri="{FF2B5EF4-FFF2-40B4-BE49-F238E27FC236}">
+                <a16:creationId xmlns:a16="http://schemas.microsoft.com/office/drawing/2014/main" id="{56E5B720-9DDA-4033-B18F-DE0D406E927F}"/>
+              </a:ext>
+            </a:extLst>
+          </p:cNvPr>
+          <p:cNvSpPr>
+            <a:spLocks noGrp="1"/>
+          </p:cNvSpPr>
+          <p:nvPr>
+            <p:ph type="title"/>
+          </p:nvPr>
+        </p:nvSpPr>
+        <p:spPr/>
+        <p:txBody>
+          <a:bodyPr/>
+          <a:lstStyle/>
+          <a:p>
+            <a:r>
+              <a:rPr lang="ru-RU" dirty="0"/>
+              <a:t>Что такое операционная система?</a:t>
+            </a:r>
+          </a:p>
+        </p:txBody>
+      </p:sp>
+      <p:sp>
+        <p:nvSpPr>
+          <p:cNvPr id="3" name="Объект 2">
+            <a:extLst>
+              <a:ext uri="{FF2B5EF4-FFF2-40B4-BE49-F238E27FC236}">
+                <a16:creationId xmlns:a16="http://schemas.microsoft.com/office/drawing/2014/main" id="{C7B103F4-95C2-43FB-81EA-FD31A4E712EB}"/>
+              </a:ext>
+            </a:extLst>
+          </p:cNvPr>
+          <p:cNvSpPr>
+            <a:spLocks noGrp="1"/>
+          </p:cNvSpPr>
+          <p:nvPr>
+            <p:ph idx="1"/>
+          </p:nvPr>
+        </p:nvSpPr>
+        <p:spPr/>
+        <p:txBody>
+          <a:bodyPr/>
+          <a:lstStyle/>
+          <a:p>
+            <a:r>
+              <a:rPr lang="ru-RU" dirty="0"/>
+              <a:t>Операционная система — одна или несколько программ предназначенных для управления ресурсами вычислительной техники и организации взаимодействия с пользователем.</a:t>
+            </a:r>
+          </a:p>
+        </p:txBody>
+      </p:sp>
+    </p:spTree>
+    <p:extLst>
+      <p:ext uri="{BB962C8B-B14F-4D97-AF65-F5344CB8AC3E}">
+        <p14:creationId xmlns:p14="http://schemas.microsoft.com/office/powerpoint/2010/main" val="2244656898"/>
+      </p:ext>
+    </p:extLst>
+  </p:cSld>
+  <p:clrMapOvr>
+    <a:masterClrMapping/>
+  </p:clrMapOvr>
+</p:sld>
+</file>
+
+<file path=ppt/slides/slide4.xml><?xml version="1.0" encoding="utf-8"?>
+<p:sld xmlns:a="http://schemas.openxmlformats.org/drawingml/2006/main" xmlns:r="http://schemas.openxmlformats.org/officeDocument/2006/relationships" xmlns:p="http://schemas.openxmlformats.org/presentationml/2006/main">
+  <p:cSld>
+    <p:spTree>
+      <p:nvGrpSpPr>
+        <p:cNvPr id="1" name=""/>
+        <p:cNvGrpSpPr/>
+        <p:nvPr/>
+      </p:nvGrpSpPr>
+      <p:grpSpPr>
+        <a:xfrm>
+          <a:off x="0" y="0"/>
+          <a:ext cx="0" cy="0"/>
+          <a:chOff x="0" y="0"/>
+          <a:chExt cx="0" cy="0"/>
+        </a:xfrm>
+      </p:grpSpPr>
+      <p:sp>
+        <p:nvSpPr>
+          <p:cNvPr id="2" name="Заголовок 1">
+            <a:extLst>
+              <a:ext uri="{FF2B5EF4-FFF2-40B4-BE49-F238E27FC236}">
+                <a16:creationId xmlns:a16="http://schemas.microsoft.com/office/drawing/2014/main" id="{E1179450-716C-4785-90ED-23E8CC39CB3E}"/>
+              </a:ext>
+            </a:extLst>
+          </p:cNvPr>
+          <p:cNvSpPr>
+            <a:spLocks noGrp="1"/>
+          </p:cNvSpPr>
+          <p:nvPr>
+            <p:ph type="title"/>
+          </p:nvPr>
+        </p:nvSpPr>
+        <p:spPr/>
+        <p:txBody>
+          <a:bodyPr/>
+          <a:lstStyle/>
+          <a:p>
+            <a:r>
+              <a:rPr lang="ru-RU" dirty="0"/>
+              <a:t>Где применяются операционные системы?</a:t>
+            </a:r>
+          </a:p>
+        </p:txBody>
+      </p:sp>
+      <p:sp>
+        <p:nvSpPr>
+          <p:cNvPr id="3" name="Объект 2">
+            <a:extLst>
+              <a:ext uri="{FF2B5EF4-FFF2-40B4-BE49-F238E27FC236}">
+                <a16:creationId xmlns:a16="http://schemas.microsoft.com/office/drawing/2014/main" id="{5BE17451-2E3F-4F9B-BF6E-F2A01CABA6F4}"/>
+              </a:ext>
+            </a:extLst>
+          </p:cNvPr>
+          <p:cNvSpPr>
+            <a:spLocks noGrp="1"/>
+          </p:cNvSpPr>
+          <p:nvPr>
+            <p:ph idx="1"/>
+          </p:nvPr>
+        </p:nvSpPr>
+        <p:spPr/>
+        <p:txBody>
+          <a:bodyPr/>
+          <a:lstStyle/>
+          <a:p>
+            <a:r>
+              <a:rPr lang="ru-RU" dirty="0"/>
+              <a:t>Компьютеры</a:t>
+            </a:r>
+          </a:p>
+          <a:p>
+            <a:r>
+              <a:rPr lang="ru-RU" dirty="0"/>
+              <a:t>Мобильные телефоны</a:t>
+            </a:r>
+          </a:p>
+          <a:p>
+            <a:r>
+              <a:rPr lang="ru-RU" dirty="0"/>
+              <a:t>Умные дома</a:t>
+            </a:r>
+          </a:p>
+          <a:p>
+            <a:r>
+              <a:rPr lang="ru-RU" dirty="0"/>
+              <a:t>Электронные доски в школах</a:t>
+            </a:r>
+          </a:p>
+          <a:p>
+            <a:r>
+              <a:rPr lang="ru-RU" dirty="0"/>
+              <a:t>Любая электронно-вычислительная техника</a:t>
+            </a:r>
+          </a:p>
+          <a:p>
+            <a:r>
+              <a:rPr lang="ru-RU" dirty="0"/>
+              <a:t>И даже в калькуляторе (условно)</a:t>
+            </a:r>
+          </a:p>
+        </p:txBody>
+      </p:sp>
+    </p:spTree>
+    <p:extLst>
+      <p:ext uri="{BB962C8B-B14F-4D97-AF65-F5344CB8AC3E}">
+        <p14:creationId xmlns:p14="http://schemas.microsoft.com/office/powerpoint/2010/main" val="2542094911"/>
+      </p:ext>
+    </p:extLst>
+  </p:cSld>
+  <p:clrMapOvr>
+    <a:masterClrMapping/>
+  </p:clrMapOvr>
+</p:sld>
+</file>
+
+<file path=ppt/slides/slide5.xml><?xml version="1.0" encoding="utf-8"?>
+<p:sld xmlns:a="http://schemas.openxmlformats.org/drawingml/2006/main" xmlns:r="http://schemas.openxmlformats.org/officeDocument/2006/relationships" xmlns:p="http://schemas.openxmlformats.org/presentationml/2006/main">
+  <p:cSld>
+    <p:spTree>
+      <p:nvGrpSpPr>
+        <p:cNvPr id="1" name=""/>
+        <p:cNvGrpSpPr/>
+        <p:nvPr/>
+      </p:nvGrpSpPr>
+      <p:grpSpPr>
+        <a:xfrm>
+          <a:off x="0" y="0"/>
+          <a:ext cx="0" cy="0"/>
+          <a:chOff x="0" y="0"/>
+          <a:chExt cx="0" cy="0"/>
+        </a:xfrm>
+      </p:grpSpPr>
+      <p:pic>
+        <p:nvPicPr>
+          <p:cNvPr id="5" name="Рисунок 4">
+            <a:extLst>
+              <a:ext uri="{FF2B5EF4-FFF2-40B4-BE49-F238E27FC236}">
+                <a16:creationId xmlns:a16="http://schemas.microsoft.com/office/drawing/2014/main" id="{4E194E6A-BF03-4E94-8A23-9F7F464B54BA}"/>
+              </a:ext>
+            </a:extLst>
+          </p:cNvPr>
+          <p:cNvPicPr>
+            <a:picLocks noChangeAspect="1"/>
+          </p:cNvPicPr>
+          <p:nvPr/>
+        </p:nvPicPr>
+        <p:blipFill>
+          <a:blip r:embed="rId2">
+            <a:extLst>
+              <a:ext uri="{BEBA8EAE-BF5A-486C-A8C5-ECC9F3942E4B}">
+                <a14:imgProps xmlns:a14="http://schemas.microsoft.com/office/drawing/2010/main">
+                  <a14:imgLayer r:embed="rId3">
+                    <a14:imgEffect>
+                      <a14:brightnessContrast bright="-44000"/>
+                    </a14:imgEffect>
+                  </a14:imgLayer>
+                </a14:imgProps>
+              </a:ext>
+            </a:extLst>
+          </a:blip>
+          <a:stretch>
+            <a:fillRect/>
+          </a:stretch>
+        </p:blipFill>
+        <p:spPr>
+          <a:xfrm>
+            <a:off x="4192000" y="-2587539"/>
+            <a:ext cx="9324975" cy="4876800"/>
+          </a:xfrm>
+          <a:prstGeom prst="rect">
+            <a:avLst/>
+          </a:prstGeom>
+        </p:spPr>
+      </p:pic>
+      <p:pic>
+        <p:nvPicPr>
+          <p:cNvPr id="4" name="Рисунок 3">
+            <a:extLst>
+              <a:ext uri="{FF2B5EF4-FFF2-40B4-BE49-F238E27FC236}">
+                <a16:creationId xmlns:a16="http://schemas.microsoft.com/office/drawing/2014/main" id="{72DD5A6D-4C90-4AAB-B7A0-C2BBBA5CFAB3}"/>
+              </a:ext>
+            </a:extLst>
+          </p:cNvPr>
+          <p:cNvPicPr>
+            <a:picLocks noChangeAspect="1"/>
+          </p:cNvPicPr>
+          <p:nvPr/>
+        </p:nvPicPr>
+        <p:blipFill>
+          <a:blip r:embed="rId4"/>
+          <a:stretch>
+            <a:fillRect/>
+          </a:stretch>
+        </p:blipFill>
+        <p:spPr>
+          <a:xfrm>
+            <a:off x="4192000" y="2358000"/>
+            <a:ext cx="8000000" cy="4500000"/>
+          </a:xfrm>
+          <a:prstGeom prst="rect">
+            <a:avLst/>
+          </a:prstGeom>
+        </p:spPr>
+      </p:pic>
+      <p:sp>
+        <p:nvSpPr>
+          <p:cNvPr id="2" name="Заголовок 1">
+            <a:extLst>
+              <a:ext uri="{FF2B5EF4-FFF2-40B4-BE49-F238E27FC236}">
+                <a16:creationId xmlns:a16="http://schemas.microsoft.com/office/drawing/2014/main" id="{A38E3D1F-6A46-4221-AF87-B2F7AF1BEF0A}"/>
+              </a:ext>
+            </a:extLst>
+          </p:cNvPr>
+          <p:cNvSpPr>
+            <a:spLocks noGrp="1"/>
+          </p:cNvSpPr>
+          <p:nvPr>
+            <p:ph type="title"/>
+          </p:nvPr>
+        </p:nvSpPr>
+        <p:spPr/>
+        <p:txBody>
+          <a:bodyPr/>
+          <a:lstStyle/>
+          <a:p>
+            <a:r>
+              <a:rPr lang="ru-RU" dirty="0"/>
+              <a:t>Какие операционные системы существуют?</a:t>
+            </a:r>
+          </a:p>
+        </p:txBody>
+      </p:sp>
+      <p:sp>
+        <p:nvSpPr>
+          <p:cNvPr id="3" name="Объект 2">
+            <a:extLst>
+              <a:ext uri="{FF2B5EF4-FFF2-40B4-BE49-F238E27FC236}">
+                <a16:creationId xmlns:a16="http://schemas.microsoft.com/office/drawing/2014/main" id="{7AFF397C-52CD-4418-88B7-B5D36959C7B1}"/>
+              </a:ext>
+            </a:extLst>
+          </p:cNvPr>
+          <p:cNvSpPr>
+            <a:spLocks noGrp="1"/>
+          </p:cNvSpPr>
+          <p:nvPr>
+            <p:ph idx="1"/>
+          </p:nvPr>
+        </p:nvSpPr>
+        <p:spPr/>
+        <p:txBody>
+          <a:bodyPr/>
+          <a:lstStyle/>
+          <a:p>
+            <a:r>
+              <a:rPr lang="en-US" dirty="0"/>
+              <a:t>Windows</a:t>
+            </a:r>
+          </a:p>
+          <a:p>
+            <a:r>
+              <a:rPr lang="en-US" dirty="0"/>
+              <a:t>Linux</a:t>
+            </a:r>
+          </a:p>
+          <a:p>
+            <a:r>
+              <a:rPr lang="en-US" dirty="0"/>
+              <a:t>KolibriOS</a:t>
+            </a:r>
+          </a:p>
+          <a:p>
+            <a:r>
+              <a:rPr lang="en-US" dirty="0">
+                <a:hlinkClick r:id="rId5"/>
+              </a:rPr>
+              <a:t>SynapseOS</a:t>
+            </a:r>
+            <a:r>
+              <a:rPr lang="ru-RU" dirty="0"/>
+              <a:t> (</a:t>
+            </a:r>
+            <a:r>
+              <a:rPr lang="en-US" dirty="0"/>
+              <a:t> </a:t>
+            </a:r>
+            <a:r>
+              <a:rPr lang="ru-RU" dirty="0"/>
+              <a:t>на правах рекламы</a:t>
+            </a:r>
+            <a:r>
+              <a:rPr lang="en-US" dirty="0"/>
+              <a:t> )</a:t>
+            </a:r>
+          </a:p>
+          <a:p>
+            <a:r>
+              <a:rPr lang="en-US" dirty="0"/>
+              <a:t>1905OS ( </a:t>
+            </a:r>
+            <a:r>
+              <a:rPr lang="ru-RU" dirty="0"/>
+              <a:t>о ней позже )</a:t>
+            </a:r>
+            <a:endParaRPr lang="en-US" dirty="0"/>
+          </a:p>
+          <a:p>
+            <a:r>
+              <a:rPr lang="ru-RU" dirty="0"/>
+              <a:t>И еще сотни операционных систем</a:t>
+            </a:r>
+          </a:p>
+        </p:txBody>
+      </p:sp>
+    </p:spTree>
+    <p:extLst>
+      <p:ext uri="{BB962C8B-B14F-4D97-AF65-F5344CB8AC3E}">
+        <p14:creationId xmlns:p14="http://schemas.microsoft.com/office/powerpoint/2010/main" val="1282820396"/>
+      </p:ext>
+    </p:extLst>
+  </p:cSld>
+  <p:clrMapOvr>
+    <a:masterClrMapping/>
+  </p:clrMapOvr>
+</p:sld>
+</file>
+
+<file path=ppt/slides/slide6.xml><?xml version="1.0" encoding="utf-8"?>
+<p:sld xmlns:a="http://schemas.openxmlformats.org/drawingml/2006/main" xmlns:r="http://schemas.openxmlformats.org/officeDocument/2006/relationships" xmlns:p="http://schemas.openxmlformats.org/presentationml/2006/main">
+  <p:cSld>
+    <p:spTree>
+      <p:nvGrpSpPr>
+        <p:cNvPr id="1" name=""/>
+        <p:cNvGrpSpPr/>
+        <p:nvPr/>
+      </p:nvGrpSpPr>
+      <p:grpSpPr>
+        <a:xfrm>
+          <a:off x="0" y="0"/>
+          <a:ext cx="0" cy="0"/>
+          <a:chOff x="0" y="0"/>
+          <a:chExt cx="0" cy="0"/>
+        </a:xfrm>
+      </p:grpSpPr>
+      <p:sp>
+        <p:nvSpPr>
+          <p:cNvPr id="2" name="Заголовок 1">
+            <a:extLst>
+              <a:ext uri="{FF2B5EF4-FFF2-40B4-BE49-F238E27FC236}">
+                <a16:creationId xmlns:a16="http://schemas.microsoft.com/office/drawing/2014/main" id="{F60E2637-9573-4E1E-A748-7D062DBB8DED}"/>
+              </a:ext>
+            </a:extLst>
+          </p:cNvPr>
+          <p:cNvSpPr>
+            <a:spLocks noGrp="1"/>
+          </p:cNvSpPr>
+          <p:nvPr>
+            <p:ph type="title"/>
+          </p:nvPr>
+        </p:nvSpPr>
+        <p:spPr/>
+        <p:txBody>
+          <a:bodyPr/>
+          <a:lstStyle/>
+          <a:p>
+            <a:r>
+              <a:rPr lang="ru-RU" dirty="0"/>
+              <a:t>Как создать операционную систему?</a:t>
+            </a:r>
+          </a:p>
+        </p:txBody>
+      </p:sp>
+      <p:sp>
+        <p:nvSpPr>
+          <p:cNvPr id="3" name="Объект 2">
+            <a:extLst>
+              <a:ext uri="{FF2B5EF4-FFF2-40B4-BE49-F238E27FC236}">
+                <a16:creationId xmlns:a16="http://schemas.microsoft.com/office/drawing/2014/main" id="{ED8976D6-C6CB-4886-AC37-A6DC90242FD6}"/>
+              </a:ext>
+            </a:extLst>
+          </p:cNvPr>
+          <p:cNvSpPr>
+            <a:spLocks noGrp="1"/>
+          </p:cNvSpPr>
+          <p:nvPr>
+            <p:ph idx="1"/>
+          </p:nvPr>
+        </p:nvSpPr>
+        <p:spPr/>
+        <p:txBody>
+          <a:bodyPr/>
+          <a:lstStyle/>
+          <a:p>
+            <a:r>
+              <a:rPr lang="ru-RU" dirty="0"/>
+              <a:t>Выучить один из языков способного работать на низком уровне (</a:t>
+            </a:r>
+            <a:r>
+              <a:rPr lang="en-US" dirty="0"/>
+              <a:t>C, C++, Pascal, </a:t>
+            </a:r>
+            <a:r>
+              <a:rPr lang="ru-RU" dirty="0"/>
+              <a:t>любой из ассемблеров).</a:t>
+            </a:r>
+          </a:p>
+          <a:p>
+            <a:r>
+              <a:rPr lang="ru-RU" dirty="0"/>
+              <a:t>Прочитать литературу о устройстве операционных систем.</a:t>
+            </a:r>
+          </a:p>
+          <a:p>
+            <a:r>
+              <a:rPr lang="ru-RU" dirty="0"/>
+              <a:t>Просмотреть несколько примеров операционных систем.</a:t>
+            </a:r>
+          </a:p>
+          <a:p>
+            <a:r>
+              <a:rPr lang="ru-RU" dirty="0"/>
+              <a:t>Создать: загрузчик, ядро, загрузчик программ, сотни драйверов и пользовательский интерфейс.</a:t>
+            </a:r>
+          </a:p>
+          <a:p>
+            <a:r>
+              <a:rPr lang="ru-RU" dirty="0"/>
+              <a:t>Или попробовать программирование микроконтроллеров. Пример: проект </a:t>
+            </a:r>
+            <a:r>
+              <a:rPr lang="en-US" dirty="0"/>
+              <a:t>Arduino.</a:t>
+            </a:r>
+            <a:endParaRPr lang="ru-RU" dirty="0"/>
+          </a:p>
+          <a:p>
+            <a:endParaRPr lang="ru-RU" dirty="0"/>
+          </a:p>
+        </p:txBody>
+      </p:sp>
+      <p:pic>
+        <p:nvPicPr>
+          <p:cNvPr id="5" name="Рисунок 4">
+            <a:extLst>
+              <a:ext uri="{FF2B5EF4-FFF2-40B4-BE49-F238E27FC236}">
+                <a16:creationId xmlns:a16="http://schemas.microsoft.com/office/drawing/2014/main" id="{1EE37EEC-C618-498B-A041-809E40A9018C}"/>
+              </a:ext>
+            </a:extLst>
+          </p:cNvPr>
+          <p:cNvPicPr>
+            <a:picLocks noChangeAspect="1"/>
+          </p:cNvPicPr>
+          <p:nvPr/>
+        </p:nvPicPr>
+        <p:blipFill>
+          <a:blip r:embed="rId2"/>
+          <a:stretch>
+            <a:fillRect/>
+          </a:stretch>
+        </p:blipFill>
+        <p:spPr>
+          <a:xfrm>
+            <a:off x="0" y="5470777"/>
+            <a:ext cx="9563100" cy="2257425"/>
+          </a:xfrm>
+          <a:prstGeom prst="rect">
+            <a:avLst/>
+          </a:prstGeom>
+        </p:spPr>
+      </p:pic>
+      <p:pic>
+        <p:nvPicPr>
+          <p:cNvPr id="4" name="Рисунок 3">
+            <a:extLst>
+              <a:ext uri="{FF2B5EF4-FFF2-40B4-BE49-F238E27FC236}">
+                <a16:creationId xmlns:a16="http://schemas.microsoft.com/office/drawing/2014/main" id="{EB2F58AE-CB28-4505-8D53-BC0FD4BCC74E}"/>
+              </a:ext>
+            </a:extLst>
+          </p:cNvPr>
+          <p:cNvPicPr>
+            <a:picLocks noChangeAspect="1"/>
+          </p:cNvPicPr>
+          <p:nvPr/>
+        </p:nvPicPr>
+        <p:blipFill>
+          <a:blip r:embed="rId3"/>
+          <a:stretch>
+            <a:fillRect/>
+          </a:stretch>
+        </p:blipFill>
+        <p:spPr>
+          <a:xfrm>
+            <a:off x="2469435" y="5470777"/>
+            <a:ext cx="9324975" cy="4876800"/>
+          </a:xfrm>
+          <a:prstGeom prst="rect">
+            <a:avLst/>
+          </a:prstGeom>
+        </p:spPr>
+      </p:pic>
+      <p:pic>
+        <p:nvPicPr>
+          <p:cNvPr id="6" name="Рисунок 5">
+            <a:extLst>
+              <a:ext uri="{FF2B5EF4-FFF2-40B4-BE49-F238E27FC236}">
+                <a16:creationId xmlns:a16="http://schemas.microsoft.com/office/drawing/2014/main" id="{0D37C2E6-B40F-4382-886A-53A9E7799E76}"/>
+              </a:ext>
+            </a:extLst>
+          </p:cNvPr>
+          <p:cNvPicPr>
+            <a:picLocks noChangeAspect="1"/>
+          </p:cNvPicPr>
+          <p:nvPr/>
+        </p:nvPicPr>
+        <p:blipFill>
+          <a:blip r:embed="rId4"/>
+          <a:stretch>
+            <a:fillRect/>
+          </a:stretch>
+        </p:blipFill>
+        <p:spPr>
+          <a:xfrm>
+            <a:off x="4781550" y="5470777"/>
+            <a:ext cx="12192000" cy="1874332"/>
+          </a:xfrm>
+          <a:prstGeom prst="rect">
+            <a:avLst/>
+          </a:prstGeom>
+        </p:spPr>
+      </p:pic>
+    </p:spTree>
+    <p:extLst>
+      <p:ext uri="{BB962C8B-B14F-4D97-AF65-F5344CB8AC3E}">
+        <p14:creationId xmlns:p14="http://schemas.microsoft.com/office/powerpoint/2010/main" val="629580373"/>
+      </p:ext>
+    </p:extLst>
+  </p:cSld>
+  <p:clrMapOvr>
+    <a:masterClrMapping/>
+  </p:clrMapOvr>
+</p:sld>
+</file>
+
+<file path=ppt/slides/slide7.xml><?xml version="1.0" encoding="utf-8"?>
+<p:sld xmlns:a="http://schemas.openxmlformats.org/drawingml/2006/main" xmlns:r="http://schemas.openxmlformats.org/officeDocument/2006/relationships" xmlns:p="http://schemas.openxmlformats.org/presentationml/2006/main">
+  <p:cSld>
+    <p:spTree>
+      <p:nvGrpSpPr>
+        <p:cNvPr id="1" name=""/>
+        <p:cNvGrpSpPr/>
+        <p:nvPr/>
+      </p:nvGrpSpPr>
+      <p:grpSpPr>
+        <a:xfrm>
+          <a:off x="0" y="0"/>
+          <a:ext cx="0" cy="0"/>
+          <a:chOff x="0" y="0"/>
+          <a:chExt cx="0" cy="0"/>
+        </a:xfrm>
+      </p:grpSpPr>
+      <p:sp>
+        <p:nvSpPr>
+          <p:cNvPr id="2" name="Заголовок 1">
+            <a:extLst>
+              <a:ext uri="{FF2B5EF4-FFF2-40B4-BE49-F238E27FC236}">
+                <a16:creationId xmlns:a16="http://schemas.microsoft.com/office/drawing/2014/main" id="{556D180E-A1FF-4B0F-8A8D-59DC65EB132E}"/>
+              </a:ext>
+            </a:extLst>
+          </p:cNvPr>
+          <p:cNvSpPr>
+            <a:spLocks noGrp="1"/>
+          </p:cNvSpPr>
+          <p:nvPr>
+            <p:ph type="title"/>
+          </p:nvPr>
+        </p:nvSpPr>
+        <p:spPr/>
+        <p:txBody>
+          <a:bodyPr/>
+          <a:lstStyle/>
+          <a:p>
+            <a:r>
+              <a:rPr lang="ru-RU" dirty="0"/>
+              <a:t>Загрузчик</a:t>
+            </a:r>
+          </a:p>
+        </p:txBody>
+      </p:sp>
+      <p:sp>
+        <p:nvSpPr>
+          <p:cNvPr id="3" name="Объект 2">
+            <a:extLst>
+              <a:ext uri="{FF2B5EF4-FFF2-40B4-BE49-F238E27FC236}">
+                <a16:creationId xmlns:a16="http://schemas.microsoft.com/office/drawing/2014/main" id="{68025C05-58DB-47FF-8DBD-CA3FFF3BB086}"/>
+              </a:ext>
+            </a:extLst>
+          </p:cNvPr>
+          <p:cNvSpPr>
+            <a:spLocks noGrp="1"/>
+          </p:cNvSpPr>
+          <p:nvPr>
+            <p:ph idx="1"/>
+          </p:nvPr>
+        </p:nvSpPr>
+        <p:spPr/>
+        <p:txBody>
+          <a:bodyPr/>
+          <a:lstStyle/>
+          <a:p>
+            <a:r>
+              <a:rPr lang="ru-RU" dirty="0"/>
+              <a:t>Загрузчик, это программа которая загружает в память ядро операционной системы. </a:t>
+            </a:r>
+            <a:r>
+              <a:rPr lang="en-US" dirty="0"/>
+              <a:t>BIOS</a:t>
+            </a:r>
+            <a:r>
+              <a:rPr lang="ru-RU" dirty="0"/>
+              <a:t>(</a:t>
+            </a:r>
+            <a:r>
+              <a:rPr lang="en-US" dirty="0"/>
+              <a:t>basic input-output system</a:t>
+            </a:r>
+            <a:r>
+              <a:rPr lang="ru-RU" dirty="0"/>
+              <a:t>) ищет специальный загрузочный сектор размером 512 байт в котором находится загрузчик и загружает его в память. Вместо загрузчика можно использовать готовые варианты, к примеру </a:t>
+            </a:r>
+            <a:r>
+              <a:rPr lang="en-US" dirty="0"/>
+              <a:t>GRUB.</a:t>
+            </a:r>
+            <a:endParaRPr lang="ru-RU" dirty="0"/>
+          </a:p>
+        </p:txBody>
+      </p:sp>
+    </p:spTree>
+    <p:extLst>
+      <p:ext uri="{BB962C8B-B14F-4D97-AF65-F5344CB8AC3E}">
+        <p14:creationId xmlns:p14="http://schemas.microsoft.com/office/powerpoint/2010/main" val="1600995384"/>
+      </p:ext>
+    </p:extLst>
+  </p:cSld>
+  <p:clrMapOvr>
+    <a:masterClrMapping/>
+  </p:clrMapOvr>
+</p:sld>
+</file>
+
+<file path=ppt/slides/slide8.xml><?xml version="1.0" encoding="utf-8"?>
+<p:sld xmlns:a="http://schemas.openxmlformats.org/drawingml/2006/main" xmlns:r="http://schemas.openxmlformats.org/officeDocument/2006/relationships" xmlns:p="http://schemas.openxmlformats.org/presentationml/2006/main">
+  <p:cSld>
+    <p:spTree>
+      <p:nvGrpSpPr>
+        <p:cNvPr id="1" name=""/>
+        <p:cNvGrpSpPr/>
+        <p:nvPr/>
+      </p:nvGrpSpPr>
+      <p:grpSpPr>
+        <a:xfrm>
+          <a:off x="0" y="0"/>
+          <a:ext cx="0" cy="0"/>
+          <a:chOff x="0" y="0"/>
+          <a:chExt cx="0" cy="0"/>
+        </a:xfrm>
+      </p:grpSpPr>
+      <p:sp>
+        <p:nvSpPr>
+          <p:cNvPr id="2" name="Заголовок 1">
+            <a:extLst>
+              <a:ext uri="{FF2B5EF4-FFF2-40B4-BE49-F238E27FC236}">
+                <a16:creationId xmlns:a16="http://schemas.microsoft.com/office/drawing/2014/main" id="{83AE72C6-32A8-4D40-9D5F-91B53E7829C4}"/>
+              </a:ext>
+            </a:extLst>
+          </p:cNvPr>
+          <p:cNvSpPr>
+            <a:spLocks noGrp="1"/>
+          </p:cNvSpPr>
+          <p:nvPr>
+            <p:ph type="title"/>
+          </p:nvPr>
+        </p:nvSpPr>
+        <p:spPr/>
+        <p:txBody>
+          <a:bodyPr/>
+          <a:lstStyle/>
+          <a:p>
+            <a:r>
+              <a:rPr lang="ru-RU" dirty="0"/>
+              <a:t>Ядро</a:t>
+            </a:r>
+          </a:p>
+        </p:txBody>
+      </p:sp>
+      <p:sp>
+        <p:nvSpPr>
+          <p:cNvPr id="3" name="Объект 2">
+            <a:extLst>
+              <a:ext uri="{FF2B5EF4-FFF2-40B4-BE49-F238E27FC236}">
+                <a16:creationId xmlns:a16="http://schemas.microsoft.com/office/drawing/2014/main" id="{C454E039-27C0-4D7F-BD69-F12293EC9177}"/>
+              </a:ext>
+            </a:extLst>
+          </p:cNvPr>
+          <p:cNvSpPr>
+            <a:spLocks noGrp="1"/>
+          </p:cNvSpPr>
+          <p:nvPr>
+            <p:ph idx="1"/>
+          </p:nvPr>
+        </p:nvSpPr>
+        <p:spPr/>
+        <p:txBody>
+          <a:bodyPr/>
+          <a:lstStyle/>
+          <a:p>
+            <a:r>
+              <a:rPr lang="ru-RU" dirty="0"/>
+              <a:t>Ядро – главная программа без которой операционная система не может функционировать. Ядро берет на себя функции работы с памятью (физической и виртуальной), а также еще сотню функций.</a:t>
+            </a:r>
+          </a:p>
+        </p:txBody>
+      </p:sp>
+      <p:pic>
+        <p:nvPicPr>
+          <p:cNvPr id="4" name="Рисунок 3">
+            <a:extLst>
+              <a:ext uri="{FF2B5EF4-FFF2-40B4-BE49-F238E27FC236}">
+                <a16:creationId xmlns:a16="http://schemas.microsoft.com/office/drawing/2014/main" id="{92F70A29-AF81-4CB0-9B89-1BBD85B481B0}"/>
+              </a:ext>
+            </a:extLst>
+          </p:cNvPr>
+          <p:cNvPicPr>
+            <a:picLocks noChangeAspect="1"/>
+          </p:cNvPicPr>
+          <p:nvPr/>
+        </p:nvPicPr>
+        <p:blipFill>
+          <a:blip r:embed="rId2"/>
+          <a:stretch>
+            <a:fillRect/>
+          </a:stretch>
+        </p:blipFill>
+        <p:spPr>
+          <a:xfrm>
+            <a:off x="12192" y="2878137"/>
+            <a:ext cx="12192000" cy="6604000"/>
+          </a:xfrm>
+          <a:prstGeom prst="rect">
+            <a:avLst/>
+          </a:prstGeom>
+        </p:spPr>
+      </p:pic>
+    </p:spTree>
+    <p:extLst>
+      <p:ext uri="{BB962C8B-B14F-4D97-AF65-F5344CB8AC3E}">
+        <p14:creationId xmlns:p14="http://schemas.microsoft.com/office/powerpoint/2010/main" val="142666730"/>
+      </p:ext>
+    </p:extLst>
+  </p:cSld>
+  <p:clrMapOvr>
+    <a:masterClrMapping/>
+  </p:clrMapOvr>
+</p:sld>
+</file>
+
+<file path=ppt/slides/slide9.xml><?xml version="1.0" encoding="utf-8"?>
+<p:sld xmlns:a="http://schemas.openxmlformats.org/drawingml/2006/main" xmlns:r="http://schemas.openxmlformats.org/officeDocument/2006/relationships" xmlns:p="http://schemas.openxmlformats.org/presentationml/2006/main">
+  <p:cSld>
+    <p:spTree>
+      <p:nvGrpSpPr>
+        <p:cNvPr id="1" name=""/>
+        <p:cNvGrpSpPr/>
+        <p:nvPr/>
+      </p:nvGrpSpPr>
+      <p:grpSpPr>
+        <a:xfrm>
+          <a:off x="0" y="0"/>
+          <a:ext cx="0" cy="0"/>
+          <a:chOff x="0" y="0"/>
+          <a:chExt cx="0" cy="0"/>
+        </a:xfrm>
+      </p:grpSpPr>
+      <p:sp>
+        <p:nvSpPr>
+          <p:cNvPr id="2" name="Заголовок 1">
+            <a:extLst>
+              <a:ext uri="{FF2B5EF4-FFF2-40B4-BE49-F238E27FC236}">
+                <a16:creationId xmlns:a16="http://schemas.microsoft.com/office/drawing/2014/main" id="{92987448-FBDE-47C6-B0EA-3ACF90D110BE}"/>
+              </a:ext>
+            </a:extLst>
+          </p:cNvPr>
+          <p:cNvSpPr>
+            <a:spLocks noGrp="1"/>
+          </p:cNvSpPr>
+          <p:nvPr>
+            <p:ph type="title"/>
+          </p:nvPr>
+        </p:nvSpPr>
+        <p:spPr/>
+        <p:txBody>
+          <a:bodyPr/>
+          <a:lstStyle/>
+          <a:p>
+            <a:r>
+              <a:rPr lang="ru-RU" dirty="0"/>
+              <a:t>Загрузчик программ</a:t>
+            </a:r>
+          </a:p>
+        </p:txBody>
+      </p:sp>
+      <p:sp>
+        <p:nvSpPr>
+          <p:cNvPr id="3" name="Объект 2">
+            <a:extLst>
+              <a:ext uri="{FF2B5EF4-FFF2-40B4-BE49-F238E27FC236}">
+                <a16:creationId xmlns:a16="http://schemas.microsoft.com/office/drawing/2014/main" id="{2716D4D3-6B7F-49DC-A30A-73C7869E1FBF}"/>
+              </a:ext>
+            </a:extLst>
+          </p:cNvPr>
+          <p:cNvSpPr>
+            <a:spLocks noGrp="1"/>
+          </p:cNvSpPr>
+          <p:nvPr>
+            <p:ph idx="1"/>
+          </p:nvPr>
+        </p:nvSpPr>
+        <p:spPr/>
+        <p:txBody>
+          <a:bodyPr/>
+          <a:lstStyle/>
+          <a:p>
+            <a:r>
+              <a:rPr lang="ru-RU" dirty="0"/>
+              <a:t>Загрузчик программ – модуль ядра отвечающий за работоспособность программ. Бывает 2 структуры исполняемых файлов </a:t>
+            </a:r>
+            <a:r>
+              <a:rPr lang="en-US" dirty="0"/>
+              <a:t>PE </a:t>
+            </a:r>
+            <a:r>
+              <a:rPr lang="ru-RU" dirty="0"/>
+              <a:t>и </a:t>
+            </a:r>
+            <a:r>
+              <a:rPr lang="en-US" dirty="0"/>
+              <a:t>ELF. </a:t>
+            </a:r>
+            <a:r>
+              <a:rPr lang="ru-RU" dirty="0"/>
+              <a:t>В каждой есть свои плюсы и минусы.</a:t>
+            </a:r>
+          </a:p>
+        </p:txBody>
+      </p:sp>
+      <p:pic>
+        <p:nvPicPr>
+          <p:cNvPr id="5" name="Рисунок 4">
+            <a:extLst>
+              <a:ext uri="{FF2B5EF4-FFF2-40B4-BE49-F238E27FC236}">
+                <a16:creationId xmlns:a16="http://schemas.microsoft.com/office/drawing/2014/main" id="{4D2C55E8-71D3-47FC-BA88-C905E5866318}"/>
+              </a:ext>
+            </a:extLst>
+          </p:cNvPr>
+          <p:cNvPicPr>
+            <a:picLocks noChangeAspect="1"/>
+          </p:cNvPicPr>
+          <p:nvPr/>
+        </p:nvPicPr>
+        <p:blipFill>
+          <a:blip r:embed="rId2"/>
+          <a:stretch>
+            <a:fillRect/>
+          </a:stretch>
+        </p:blipFill>
+        <p:spPr>
+          <a:xfrm>
+            <a:off x="0" y="2751137"/>
+            <a:ext cx="5490764" cy="6858000"/>
+          </a:xfrm>
+          <a:prstGeom prst="rect">
+            <a:avLst/>
+          </a:prstGeom>
+        </p:spPr>
+      </p:pic>
+      <p:pic>
+        <p:nvPicPr>
+          <p:cNvPr id="6" name="Рисунок 5">
+            <a:extLst>
+              <a:ext uri="{FF2B5EF4-FFF2-40B4-BE49-F238E27FC236}">
+                <a16:creationId xmlns:a16="http://schemas.microsoft.com/office/drawing/2014/main" id="{58426324-B699-43D0-926C-F869F9D1F647}"/>
+              </a:ext>
+            </a:extLst>
+          </p:cNvPr>
+          <p:cNvPicPr>
+            <a:picLocks noChangeAspect="1"/>
+          </p:cNvPicPr>
+          <p:nvPr/>
+        </p:nvPicPr>
+        <p:blipFill>
+          <a:blip r:embed="rId3"/>
+          <a:stretch>
+            <a:fillRect/>
+          </a:stretch>
+        </p:blipFill>
+        <p:spPr>
+          <a:xfrm>
+            <a:off x="5490764" y="2723873"/>
+            <a:ext cx="6286500" cy="4410075"/>
+          </a:xfrm>
+          <a:prstGeom prst="rect">
+            <a:avLst/>
+          </a:prstGeom>
+        </p:spPr>
+      </p:pic>
+      <p:pic>
+        <p:nvPicPr>
+          <p:cNvPr id="7" name="Рисунок 6">
+            <a:extLst>
+              <a:ext uri="{FF2B5EF4-FFF2-40B4-BE49-F238E27FC236}">
+                <a16:creationId xmlns:a16="http://schemas.microsoft.com/office/drawing/2014/main" id="{5A985910-E36E-4D34-8101-1A31D2DBA9D9}"/>
+              </a:ext>
+            </a:extLst>
+          </p:cNvPr>
+          <p:cNvPicPr>
+            <a:picLocks noChangeAspect="1"/>
+          </p:cNvPicPr>
+          <p:nvPr/>
+        </p:nvPicPr>
+        <p:blipFill>
+          <a:blip r:embed="rId4"/>
+          <a:stretch>
+            <a:fillRect/>
+          </a:stretch>
+        </p:blipFill>
+        <p:spPr>
+          <a:xfrm>
+            <a:off x="8391525" y="2751137"/>
+            <a:ext cx="3800475" cy="4106863"/>
+          </a:xfrm>
+          <a:prstGeom prst="rect">
+            <a:avLst/>
+          </a:prstGeom>
+        </p:spPr>
+      </p:pic>
+    </p:spTree>
+    <p:extLst>
+      <p:ext uri="{BB962C8B-B14F-4D97-AF65-F5344CB8AC3E}">
+        <p14:creationId xmlns:p14="http://schemas.microsoft.com/office/powerpoint/2010/main" val="3439621164"/>
+      </p:ext>
+    </p:extLst>
+  </p:cSld>
+  <p:clrMapOvr>
+    <a:masterClrMapping/>
+  </p:clrMapOvr>
+</p:sld>
+</file>
+
 <file path=ppt/theme/theme1.xml><?xml version="1.0" encoding="utf-8"?>
-<a:theme xmlns:a="http://schemas.openxmlformats.org/drawingml/2006/main" name="Тема Office">
+<a:theme xmlns:a="http://schemas.openxmlformats.org/drawingml/2006/main" name="Вид">
   <a:themeElements>
-    <a:clrScheme name="Стандартная">
+    <a:clrScheme name="Вид">
       <a:dk1>
         <a:sysClr val="windowText" lastClr="000000"/>
       </a:dk1>
@@ -3402,100 +5564,48 @@
         <a:sysClr val="window" lastClr="FFFFFF"/>
       </a:lt1>
       <a:dk2>
-        <a:srgbClr val="44546A"/>
+        <a:srgbClr val="564B3C"/>
       </a:dk2>
       <a:lt2>
-        <a:srgbClr val="E7E6E6"/>
+        <a:srgbClr val="ECEDD1"/>
       </a:lt2>
       <a:accent1>
-        <a:srgbClr val="4472C4"/>
+        <a:srgbClr val="93A299"/>
       </a:accent1>
       <a:accent2>
-        <a:srgbClr val="ED7D31"/>
+        <a:srgbClr val="CB4B30"/>
       </a:accent2>
       <a:accent3>
-        <a:srgbClr val="A5A5A5"/>
+        <a:srgbClr val="B5AE53"/>
       </a:accent3>
       <a:accent4>
-        <a:srgbClr val="FFC000"/>
+        <a:srgbClr val="6F6A7A"/>
       </a:accent4>
       <a:accent5>
-        <a:srgbClr val="5B9BD5"/>
+        <a:srgbClr val="E8B54D"/>
       </a:accent5>
       <a:accent6>
-        <a:srgbClr val="70AD47"/>
+        <a:srgbClr val="8A7952"/>
       </a:accent6>
       <a:hlink>
-        <a:srgbClr val="0563C1"/>
+        <a:srgbClr val="9F9F0B"/>
       </a:hlink>
       <a:folHlink>
-        <a:srgbClr val="954F72"/>
+        <a:srgbClr val="B2B2B2"/>
       </a:folHlink>
     </a:clrScheme>
-    <a:fontScheme name="Стандартная">
+    <a:fontScheme name="Вид">
       <a:majorFont>
-        <a:latin typeface="Calibri Light" panose="020F0302020204030204"/>
+        <a:latin typeface="Century Schoolbook" panose="02040604050505020304"/>
         <a:ea typeface=""/>
         <a:cs typeface=""/>
-        <a:font script="Jpan" typeface="游ゴシック Light"/>
+        <a:font script="Jpan" typeface="ＭＳ ゴシック"/>
         <a:font script="Hang" typeface="맑은 고딕"/>
-        <a:font script="Hans" typeface="等线 Light"/>
+        <a:font script="Hans" typeface="宋体"/>
         <a:font script="Hant" typeface="新細明體"/>
-        <a:font script="Arab" typeface="Times New Roman"/>
-        <a:font script="Hebr" typeface="Times New Roman"/>
-        <a:font script="Thai" typeface="Angsana New"/>
-        <a:font script="Ethi" typeface="Nyala"/>
-        <a:font script="Beng" typeface="Vrinda"/>
-        <a:font script="Gujr" typeface="Shruti"/>
-        <a:font script="Khmr" typeface="MoolBoran"/>
-        <a:font script="Knda" typeface="Tunga"/>
-        <a:font script="Guru" typeface="Raavi"/>
-        <a:font script="Cans" typeface="Euphemia"/>
-        <a:font script="Cher" typeface="Plantagenet Cherokee"/>
-        <a:font script="Yiii" typeface="Microsoft Yi Baiti"/>
-        <a:font script="Tibt" typeface="Microsoft Himalaya"/>
-        <a:font script="Thaa" typeface="MV Boli"/>
-        <a:font script="Deva" typeface="Mangal"/>
-        <a:font script="Telu" typeface="Gautami"/>
-        <a:font script="Taml" typeface="Latha"/>
-        <a:font script="Syrc" typeface="Estrangelo Edessa"/>
-        <a:font script="Orya" typeface="Kalinga"/>
-        <a:font script="Mlym" typeface="Kartika"/>
-        <a:font script="Laoo" typeface="DokChampa"/>
-        <a:font script="Sinh" typeface="Iskoola Pota"/>
-        <a:font script="Mong" typeface="Mongolian Baiti"/>
-        <a:font script="Viet" typeface="Times New Roman"/>
-        <a:font script="Uigh" typeface="Microsoft Uighur"/>
-        <a:font script="Geor" typeface="Sylfaen"/>
-        <a:font script="Armn" typeface="Arial"/>
-        <a:font script="Bugi" typeface="Leelawadee UI"/>
-        <a:font script="Bopo" typeface="Microsoft JhengHei"/>
-        <a:font script="Java" typeface="Javanese Text"/>
-        <a:font script="Lisu" typeface="Segoe UI"/>
-        <a:font script="Mymr" typeface="Myanmar Text"/>
-        <a:font script="Nkoo" typeface="Ebrima"/>
-        <a:font script="Olck" typeface="Nirmala UI"/>
-        <a:font script="Osma" typeface="Ebrima"/>
-        <a:font script="Phag" typeface="Phagspa"/>
-        <a:font script="Syrn" typeface="Estrangelo Edessa"/>
-        <a:font script="Syrj" typeface="Estrangelo Edessa"/>
-        <a:font script="Syre" typeface="Estrangelo Edessa"/>
-        <a:font script="Sora" typeface="Nirmala UI"/>
-        <a:font script="Tale" typeface="Microsoft Tai Le"/>
-        <a:font script="Talu" typeface="Microsoft New Tai Lue"/>
-        <a:font script="Tfng" typeface="Ebrima"/>
-      </a:majorFont>
-      <a:minorFont>
-        <a:latin typeface="Calibri" panose="020F0502020204030204"/>
-        <a:ea typeface=""/>
-        <a:cs typeface=""/>
-        <a:font script="Jpan" typeface="游ゴシック"/>
-        <a:font script="Hang" typeface="맑은 고딕"/>
-        <a:font script="Hans" typeface="等线"/>
-        <a:font script="Hant" typeface="新細明體"/>
-        <a:font script="Arab" typeface="Arial"/>
-        <a:font script="Hebr" typeface="Arial"/>
-        <a:font script="Thai" typeface="Cordia New"/>
+        <a:font script="Arab" typeface="Tahoma"/>
+        <a:font script="Hebr" typeface="Gisha"/>
+        <a:font script="Thai" typeface="DilleniaUPC"/>
         <a:font script="Ethi" typeface="Nyala"/>
         <a:font script="Beng" typeface="Vrinda"/>
         <a:font script="Gujr" typeface="Shruti"/>
@@ -3516,107 +5626,86 @@
         <a:font script="Laoo" typeface="DokChampa"/>
         <a:font script="Sinh" typeface="Iskoola Pota"/>
         <a:font script="Mong" typeface="Mongolian Baiti"/>
-        <a:font script="Viet" typeface="Arial"/>
+        <a:font script="Viet" typeface="Tahoma"/>
         <a:font script="Uigh" typeface="Microsoft Uighur"/>
         <a:font script="Geor" typeface="Sylfaen"/>
-        <a:font script="Armn" typeface="Arial"/>
-        <a:font script="Bugi" typeface="Leelawadee UI"/>
-        <a:font script="Bopo" typeface="Microsoft JhengHei"/>
-        <a:font script="Java" typeface="Javanese Text"/>
-        <a:font script="Lisu" typeface="Segoe UI"/>
-        <a:font script="Mymr" typeface="Myanmar Text"/>
-        <a:font script="Nkoo" typeface="Ebrima"/>
-        <a:font script="Olck" typeface="Nirmala UI"/>
-        <a:font script="Osma" typeface="Ebrima"/>
-        <a:font script="Phag" typeface="Phagspa"/>
-        <a:font script="Syrn" typeface="Estrangelo Edessa"/>
-        <a:font script="Syrj" typeface="Estrangelo Edessa"/>
-        <a:font script="Syre" typeface="Estrangelo Edessa"/>
-        <a:font script="Sora" typeface="Nirmala UI"/>
-        <a:font script="Tale" typeface="Microsoft Tai Le"/>
-        <a:font script="Talu" typeface="Microsoft New Tai Lue"/>
-        <a:font script="Tfng" typeface="Ebrima"/>
+      </a:majorFont>
+      <a:minorFont>
+        <a:latin typeface="Century Schoolbook" panose="02040604050505020304"/>
+        <a:ea typeface=""/>
+        <a:cs typeface=""/>
+        <a:font script="Jpan" typeface="ＭＳ ゴシック"/>
+        <a:font script="Hang" typeface="맑은 고딕"/>
+        <a:font script="Hans" typeface="宋体"/>
+        <a:font script="Hant" typeface="新細明體"/>
+        <a:font script="Arab" typeface="Tahoma"/>
+        <a:font script="Hebr" typeface="Gisha"/>
+        <a:font script="Thai" typeface="DilleniaUPC"/>
+        <a:font script="Ethi" typeface="Nyala"/>
+        <a:font script="Beng" typeface="Vrinda"/>
+        <a:font script="Gujr" typeface="Shruti"/>
+        <a:font script="Khmr" typeface="DaunPenh"/>
+        <a:font script="Knda" typeface="Tunga"/>
+        <a:font script="Guru" typeface="Raavi"/>
+        <a:font script="Cans" typeface="Euphemia"/>
+        <a:font script="Cher" typeface="Plantagenet Cherokee"/>
+        <a:font script="Yiii" typeface="Microsoft Yi Baiti"/>
+        <a:font script="Tibt" typeface="Microsoft Himalaya"/>
+        <a:font script="Thaa" typeface="MV Boli"/>
+        <a:font script="Deva" typeface="Mangal"/>
+        <a:font script="Telu" typeface="Gautami"/>
+        <a:font script="Taml" typeface="Latha"/>
+        <a:font script="Syrc" typeface="Estrangelo Edessa"/>
+        <a:font script="Orya" typeface="Kalinga"/>
+        <a:font script="Mlym" typeface="Kartika"/>
+        <a:font script="Laoo" typeface="DokChampa"/>
+        <a:font script="Sinh" typeface="Iskoola Pota"/>
+        <a:font script="Mong" typeface="Mongolian Baiti"/>
+        <a:font script="Viet" typeface="Verdana"/>
+        <a:font script="Uigh" typeface="Microsoft Uighur"/>
+        <a:font script="Geor" typeface="Sylfaen"/>
       </a:minorFont>
     </a:fontScheme>
-    <a:fmtScheme name="Стандартная">
+    <a:fmtScheme name="Вид">
       <a:fillStyleLst>
         <a:solidFill>
           <a:schemeClr val="phClr"/>
         </a:solidFill>
-        <a:gradFill rotWithShape="1">
-          <a:gsLst>
-            <a:gs pos="0">
-              <a:schemeClr val="phClr">
-                <a:lumMod val="110000"/>
-                <a:satMod val="105000"/>
-                <a:tint val="67000"/>
-              </a:schemeClr>
-            </a:gs>
-            <a:gs pos="50000">
-              <a:schemeClr val="phClr">
-                <a:lumMod val="105000"/>
-                <a:satMod val="103000"/>
-                <a:tint val="73000"/>
-              </a:schemeClr>
-            </a:gs>
-            <a:gs pos="100000">
-              <a:schemeClr val="phClr">
-                <a:lumMod val="105000"/>
-                <a:satMod val="109000"/>
-                <a:tint val="81000"/>
-              </a:schemeClr>
-            </a:gs>
-          </a:gsLst>
-          <a:lin ang="5400000" scaled="0"/>
-        </a:gradFill>
-        <a:gradFill rotWithShape="1">
-          <a:gsLst>
-            <a:gs pos="0">
-              <a:schemeClr val="phClr">
-                <a:satMod val="103000"/>
-                <a:lumMod val="102000"/>
-                <a:tint val="94000"/>
-              </a:schemeClr>
-            </a:gs>
-            <a:gs pos="50000">
-              <a:schemeClr val="phClr">
-                <a:satMod val="110000"/>
-                <a:lumMod val="100000"/>
-                <a:shade val="100000"/>
-              </a:schemeClr>
-            </a:gs>
-            <a:gs pos="100000">
-              <a:schemeClr val="phClr">
-                <a:lumMod val="99000"/>
-                <a:satMod val="120000"/>
-                <a:shade val="78000"/>
-              </a:schemeClr>
-            </a:gs>
-          </a:gsLst>
-          <a:lin ang="5400000" scaled="0"/>
-        </a:gradFill>
+        <a:solidFill>
+          <a:schemeClr val="phClr">
+            <a:tint val="60000"/>
+            <a:satMod val="120000"/>
+          </a:schemeClr>
+        </a:solidFill>
+        <a:solidFill>
+          <a:schemeClr val="phClr">
+            <a:shade val="75000"/>
+            <a:satMod val="130000"/>
+          </a:schemeClr>
+        </a:solidFill>
       </a:fillStyleLst>
       <a:lnStyleLst>
-        <a:ln w="6350" cap="flat" cmpd="sng" algn="ctr">
+        <a:ln w="9525" cap="flat" cmpd="sng" algn="ctr">
           <a:solidFill>
             <a:schemeClr val="phClr"/>
           </a:solidFill>
           <a:prstDash val="solid"/>
-          <a:miter lim="800000"/>
         </a:ln>
-        <a:ln w="12700" cap="flat" cmpd="sng" algn="ctr">
+        <a:ln w="13970" cap="flat" cmpd="sng" algn="ctr">
           <a:solidFill>
             <a:schemeClr val="phClr"/>
           </a:solidFill>
           <a:prstDash val="solid"/>
-          <a:miter lim="800000"/>
         </a:ln>
-        <a:ln w="19050" cap="flat" cmpd="sng" algn="ctr">
+        <a:ln w="17145" cap="flat" cmpd="sng" algn="ctr">
           <a:solidFill>
-            <a:schemeClr val="phClr"/>
+            <a:schemeClr val="phClr">
+              <a:shade val="95000"/>
+              <a:alpha val="95000"/>
+              <a:satMod val="150000"/>
+            </a:schemeClr>
           </a:solidFill>
           <a:prstDash val="solid"/>
-          <a:miter lim="800000"/>
         </a:ln>
       </a:lnStyleLst>
       <a:effectStyleLst>
@@ -3624,16 +5713,52 @@
           <a:effectLst/>
         </a:effectStyle>
         <a:effectStyle>
-          <a:effectLst/>
+          <a:effectLst>
+            <a:outerShdw blurRad="50800" dist="15240" dir="5400000" algn="tl" rotWithShape="0">
+              <a:srgbClr val="000000">
+                <a:alpha val="75000"/>
+              </a:srgbClr>
+            </a:outerShdw>
+          </a:effectLst>
+          <a:scene3d>
+            <a:camera prst="orthographicFront">
+              <a:rot lat="0" lon="0" rev="0"/>
+            </a:camera>
+            <a:lightRig rig="brightRoom" dir="tl"/>
+          </a:scene3d>
+          <a:sp3d contourW="9525" prstMaterial="flat">
+            <a:bevelT w="0" h="0" prst="coolSlant"/>
+            <a:contourClr>
+              <a:schemeClr val="phClr">
+                <a:shade val="35000"/>
+                <a:satMod val="130000"/>
+              </a:schemeClr>
+            </a:contourClr>
+          </a:sp3d>
         </a:effectStyle>
         <a:effectStyle>
           <a:effectLst>
-            <a:outerShdw blurRad="57150" dist="19050" dir="5400000" algn="ctr" rotWithShape="0">
+            <a:outerShdw blurRad="76200" dist="25400" dir="5400000" algn="tl" rotWithShape="0">
               <a:srgbClr val="000000">
-                <a:alpha val="63000"/>
+                <a:alpha val="55000"/>
               </a:srgbClr>
             </a:outerShdw>
           </a:effectLst>
+          <a:scene3d>
+            <a:camera prst="orthographicFront">
+              <a:rot lat="0" lon="0" rev="0"/>
+            </a:camera>
+            <a:lightRig rig="brightRoom" dir="tl"/>
+          </a:scene3d>
+          <a:sp3d contourW="19050" prstMaterial="flat">
+            <a:bevelT w="0" h="0" prst="coolSlant"/>
+            <a:contourClr>
+              <a:schemeClr val="phClr">
+                <a:shade val="35000"/>
+                <a:satMod val="140000"/>
+              </a:schemeClr>
+            </a:contourClr>
+          </a:sp3d>
         </a:effectStyle>
       </a:effectStyleLst>
       <a:bgFillStyleLst>
@@ -3650,28 +5775,23 @@
           <a:gsLst>
             <a:gs pos="0">
               <a:schemeClr val="phClr">
-                <a:tint val="93000"/>
-                <a:satMod val="150000"/>
+                <a:tint val="94000"/>
                 <a:shade val="98000"/>
+                <a:satMod val="130000"/>
                 <a:lumMod val="102000"/>
-              </a:schemeClr>
-            </a:gs>
-            <a:gs pos="50000">
-              <a:schemeClr val="phClr">
-                <a:tint val="98000"/>
-                <a:satMod val="130000"/>
-                <a:shade val="90000"/>
-                <a:lumMod val="103000"/>
               </a:schemeClr>
             </a:gs>
             <a:gs pos="100000">
               <a:schemeClr val="phClr">
-                <a:shade val="63000"/>
-                <a:satMod val="120000"/>
+                <a:tint val="98000"/>
+                <a:shade val="78000"/>
+                <a:satMod val="140000"/>
               </a:schemeClr>
             </a:gs>
           </a:gsLst>
-          <a:lin ang="5400000" scaled="0"/>
+          <a:path path="circle">
+            <a:fillToRect l="100000" t="100000" r="100000" b="100000"/>
+          </a:path>
         </a:gradFill>
       </a:bgFillStyleLst>
     </a:fmtScheme>
@@ -3680,7 +5800,7 @@
   <a:extraClrSchemeLst/>
   <a:extLst>
     <a:ext uri="{05A4C25C-085E-4340-85A3-A5531E510DB2}">
-      <thm15:themeFamily xmlns:thm15="http://schemas.microsoft.com/office/thememl/2012/main" name="Office Theme" id="{62F939B6-93AF-4DB8-9C6B-D6C7DFDC589F}" vid="{4A3C46E8-61CC-4603-A589-7422A47A8E4A}"/>
+      <thm15:themeFamily xmlns:thm15="http://schemas.microsoft.com/office/thememl/2012/main" name="View" id="{BA0EB5A6-F2D4-4F82-977B-64ADEE4A2A69}" vid="{3866257B-E5CE-4C43-9210-F2DE76BE10B5}"/>
     </a:ext>
   </a:extLst>
 </a:theme>

--- a/docs/1905OS.pptx
+++ b/docs/1905OS.pptx
@@ -324,7 +324,7 @@
           <a:p>
             <a:fld id="{FBA21F5B-0B33-45CA-953D-71AAFEFD0D5C}" type="datetimeFigureOut">
               <a:rPr lang="ru-RU" smtClean="0"/>
-              <a:t>16.08.2021</a:t>
+              <a:t>17.08.2021</a:t>
             </a:fld>
             <a:endParaRPr lang="ru-RU"/>
           </a:p>
@@ -548,7 +548,7 @@
           <a:p>
             <a:fld id="{FBA21F5B-0B33-45CA-953D-71AAFEFD0D5C}" type="datetimeFigureOut">
               <a:rPr lang="ru-RU" smtClean="0"/>
-              <a:t>16.08.2021</a:t>
+              <a:t>17.08.2021</a:t>
             </a:fld>
             <a:endParaRPr lang="ru-RU"/>
           </a:p>
@@ -728,7 +728,7 @@
           <a:p>
             <a:fld id="{FBA21F5B-0B33-45CA-953D-71AAFEFD0D5C}" type="datetimeFigureOut">
               <a:rPr lang="ru-RU" smtClean="0"/>
-              <a:t>16.08.2021</a:t>
+              <a:t>17.08.2021</a:t>
             </a:fld>
             <a:endParaRPr lang="ru-RU"/>
           </a:p>
@@ -898,7 +898,7 @@
           <a:p>
             <a:fld id="{FBA21F5B-0B33-45CA-953D-71AAFEFD0D5C}" type="datetimeFigureOut">
               <a:rPr lang="ru-RU" smtClean="0"/>
-              <a:t>16.08.2021</a:t>
+              <a:t>17.08.2021</a:t>
             </a:fld>
             <a:endParaRPr lang="ru-RU"/>
           </a:p>
@@ -1189,7 +1189,7 @@
           <a:p>
             <a:fld id="{FBA21F5B-0B33-45CA-953D-71AAFEFD0D5C}" type="datetimeFigureOut">
               <a:rPr lang="ru-RU" smtClean="0"/>
-              <a:t>16.08.2021</a:t>
+              <a:t>17.08.2021</a:t>
             </a:fld>
             <a:endParaRPr lang="ru-RU"/>
           </a:p>
@@ -1515,7 +1515,7 @@
           <a:p>
             <a:fld id="{FBA21F5B-0B33-45CA-953D-71AAFEFD0D5C}" type="datetimeFigureOut">
               <a:rPr lang="ru-RU" smtClean="0"/>
-              <a:t>16.08.2021</a:t>
+              <a:t>17.08.2021</a:t>
             </a:fld>
             <a:endParaRPr lang="ru-RU"/>
           </a:p>
@@ -1927,7 +1927,7 @@
           <a:p>
             <a:fld id="{FBA21F5B-0B33-45CA-953D-71AAFEFD0D5C}" type="datetimeFigureOut">
               <a:rPr lang="ru-RU" smtClean="0"/>
-              <a:t>16.08.2021</a:t>
+              <a:t>17.08.2021</a:t>
             </a:fld>
             <a:endParaRPr lang="ru-RU"/>
           </a:p>
@@ -2045,7 +2045,7 @@
           <a:p>
             <a:fld id="{FBA21F5B-0B33-45CA-953D-71AAFEFD0D5C}" type="datetimeFigureOut">
               <a:rPr lang="ru-RU" smtClean="0"/>
-              <a:t>16.08.2021</a:t>
+              <a:t>17.08.2021</a:t>
             </a:fld>
             <a:endParaRPr lang="ru-RU"/>
           </a:p>
@@ -2140,7 +2140,7 @@
           <a:p>
             <a:fld id="{FBA21F5B-0B33-45CA-953D-71AAFEFD0D5C}" type="datetimeFigureOut">
               <a:rPr lang="ru-RU" smtClean="0"/>
-              <a:t>16.08.2021</a:t>
+              <a:t>17.08.2021</a:t>
             </a:fld>
             <a:endParaRPr lang="ru-RU"/>
           </a:p>
@@ -2427,7 +2427,7 @@
           <a:p>
             <a:fld id="{FBA21F5B-0B33-45CA-953D-71AAFEFD0D5C}" type="datetimeFigureOut">
               <a:rPr lang="ru-RU" smtClean="0"/>
-              <a:t>16.08.2021</a:t>
+              <a:t>17.08.2021</a:t>
             </a:fld>
             <a:endParaRPr lang="ru-RU"/>
           </a:p>
@@ -2704,7 +2704,7 @@
           <a:p>
             <a:fld id="{FBA21F5B-0B33-45CA-953D-71AAFEFD0D5C}" type="datetimeFigureOut">
               <a:rPr lang="ru-RU" smtClean="0"/>
-              <a:t>16.08.2021</a:t>
+              <a:t>17.08.2021</a:t>
             </a:fld>
             <a:endParaRPr lang="ru-RU"/>
           </a:p>
@@ -2955,7 +2955,7 @@
           <a:p>
             <a:fld id="{FBA21F5B-0B33-45CA-953D-71AAFEFD0D5C}" type="datetimeFigureOut">
               <a:rPr lang="ru-RU" smtClean="0"/>
-              <a:t>16.08.2021</a:t>
+              <a:t>17.08.2021</a:t>
             </a:fld>
             <a:endParaRPr lang="ru-RU"/>
           </a:p>
@@ -3523,6 +3523,36 @@
           </a:prstGeom>
         </p:spPr>
       </p:pic>
+      <p:pic>
+        <p:nvPicPr>
+          <p:cNvPr id="5" name="Рисунок 4">
+            <a:extLst>
+              <a:ext uri="{FF2B5EF4-FFF2-40B4-BE49-F238E27FC236}">
+                <a16:creationId xmlns:a16="http://schemas.microsoft.com/office/drawing/2014/main" id="{686C2B00-FAB3-4A13-89AD-36DAA3375EF1}"/>
+              </a:ext>
+            </a:extLst>
+          </p:cNvPr>
+          <p:cNvPicPr>
+            <a:picLocks noChangeAspect="1"/>
+          </p:cNvPicPr>
+          <p:nvPr/>
+        </p:nvPicPr>
+        <p:blipFill>
+          <a:blip r:embed="rId3"/>
+          <a:stretch>
+            <a:fillRect/>
+          </a:stretch>
+        </p:blipFill>
+        <p:spPr>
+          <a:xfrm>
+            <a:off x="8262151" y="3641042"/>
+            <a:ext cx="6953250" cy="4686300"/>
+          </a:xfrm>
+          <a:prstGeom prst="rect">
+            <a:avLst/>
+          </a:prstGeom>
+        </p:spPr>
+      </p:pic>
     </p:spTree>
     <p:extLst>
       <p:ext uri="{BB962C8B-B14F-4D97-AF65-F5344CB8AC3E}">
@@ -3777,6 +3807,66 @@
           </a:p>
         </p:txBody>
       </p:sp>
+      <p:pic>
+        <p:nvPicPr>
+          <p:cNvPr id="4" name="Рисунок 3">
+            <a:extLst>
+              <a:ext uri="{FF2B5EF4-FFF2-40B4-BE49-F238E27FC236}">
+                <a16:creationId xmlns:a16="http://schemas.microsoft.com/office/drawing/2014/main" id="{13D1F9F4-BE19-4D60-BFCA-A58629E48A17}"/>
+              </a:ext>
+            </a:extLst>
+          </p:cNvPr>
+          <p:cNvPicPr>
+            <a:picLocks noChangeAspect="1"/>
+          </p:cNvPicPr>
+          <p:nvPr/>
+        </p:nvPicPr>
+        <p:blipFill>
+          <a:blip r:embed="rId2"/>
+          <a:stretch>
+            <a:fillRect/>
+          </a:stretch>
+        </p:blipFill>
+        <p:spPr>
+          <a:xfrm>
+            <a:off x="73152" y="3429000"/>
+            <a:ext cx="6035040" cy="3394710"/>
+          </a:xfrm>
+          <a:prstGeom prst="rect">
+            <a:avLst/>
+          </a:prstGeom>
+        </p:spPr>
+      </p:pic>
+      <p:pic>
+        <p:nvPicPr>
+          <p:cNvPr id="5" name="Рисунок 4">
+            <a:extLst>
+              <a:ext uri="{FF2B5EF4-FFF2-40B4-BE49-F238E27FC236}">
+                <a16:creationId xmlns:a16="http://schemas.microsoft.com/office/drawing/2014/main" id="{357B1833-C569-458F-A5AC-653CCA01135E}"/>
+              </a:ext>
+            </a:extLst>
+          </p:cNvPr>
+          <p:cNvPicPr>
+            <a:picLocks noChangeAspect="1"/>
+          </p:cNvPicPr>
+          <p:nvPr/>
+        </p:nvPicPr>
+        <p:blipFill>
+          <a:blip r:embed="rId3"/>
+          <a:stretch>
+            <a:fillRect/>
+          </a:stretch>
+        </p:blipFill>
+        <p:spPr>
+          <a:xfrm>
+            <a:off x="6108196" y="3429000"/>
+            <a:ext cx="6527483" cy="3413760"/>
+          </a:xfrm>
+          <a:prstGeom prst="rect">
+            <a:avLst/>
+          </a:prstGeom>
+        </p:spPr>
+      </p:pic>
     </p:spTree>
     <p:extLst>
       <p:ext uri="{BB962C8B-B14F-4D97-AF65-F5344CB8AC3E}">
@@ -4582,6 +4672,36 @@
           </a:p>
         </p:txBody>
       </p:sp>
+      <p:pic>
+        <p:nvPicPr>
+          <p:cNvPr id="4" name="Рисунок 3">
+            <a:extLst>
+              <a:ext uri="{FF2B5EF4-FFF2-40B4-BE49-F238E27FC236}">
+                <a16:creationId xmlns:a16="http://schemas.microsoft.com/office/drawing/2014/main" id="{25B708C3-3E09-49CB-86A2-0DC88A493057}"/>
+              </a:ext>
+            </a:extLst>
+          </p:cNvPr>
+          <p:cNvPicPr>
+            <a:picLocks noChangeAspect="1"/>
+          </p:cNvPicPr>
+          <p:nvPr/>
+        </p:nvPicPr>
+        <p:blipFill>
+          <a:blip r:embed="rId2"/>
+          <a:stretch>
+            <a:fillRect/>
+          </a:stretch>
+        </p:blipFill>
+        <p:spPr>
+          <a:xfrm>
+            <a:off x="1526667" y="3551237"/>
+            <a:ext cx="9163050" cy="5257800"/>
+          </a:xfrm>
+          <a:prstGeom prst="rect">
+            <a:avLst/>
+          </a:prstGeom>
+        </p:spPr>
+      </p:pic>
     </p:spTree>
     <p:extLst>
       <p:ext uri="{BB962C8B-B14F-4D97-AF65-F5344CB8AC3E}">
@@ -4698,6 +4818,36 @@
           </a:p>
         </p:txBody>
       </p:sp>
+      <p:pic>
+        <p:nvPicPr>
+          <p:cNvPr id="4" name="Рисунок 3">
+            <a:extLst>
+              <a:ext uri="{FF2B5EF4-FFF2-40B4-BE49-F238E27FC236}">
+                <a16:creationId xmlns:a16="http://schemas.microsoft.com/office/drawing/2014/main" id="{A42B9A57-A87E-48E0-B94E-3A11E7B2367B}"/>
+              </a:ext>
+            </a:extLst>
+          </p:cNvPr>
+          <p:cNvPicPr>
+            <a:picLocks noChangeAspect="1"/>
+          </p:cNvPicPr>
+          <p:nvPr/>
+        </p:nvPicPr>
+        <p:blipFill>
+          <a:blip r:embed="rId2"/>
+          <a:stretch>
+            <a:fillRect/>
+          </a:stretch>
+        </p:blipFill>
+        <p:spPr>
+          <a:xfrm>
+            <a:off x="8126660" y="1028541"/>
+            <a:ext cx="3086100" cy="6858000"/>
+          </a:xfrm>
+          <a:prstGeom prst="rect">
+            <a:avLst/>
+          </a:prstGeom>
+        </p:spPr>
+      </p:pic>
     </p:spTree>
     <p:extLst>
       <p:ext uri="{BB962C8B-B14F-4D97-AF65-F5344CB8AC3E}">
@@ -5232,6 +5382,96 @@
           </a:p>
         </p:txBody>
       </p:sp>
+      <p:pic>
+        <p:nvPicPr>
+          <p:cNvPr id="4" name="Рисунок 3">
+            <a:extLst>
+              <a:ext uri="{FF2B5EF4-FFF2-40B4-BE49-F238E27FC236}">
+                <a16:creationId xmlns:a16="http://schemas.microsoft.com/office/drawing/2014/main" id="{B17AAC5F-FC8A-444A-8E33-ADE39CCEE204}"/>
+              </a:ext>
+            </a:extLst>
+          </p:cNvPr>
+          <p:cNvPicPr>
+            <a:picLocks noChangeAspect="1"/>
+          </p:cNvPicPr>
+          <p:nvPr/>
+        </p:nvPicPr>
+        <p:blipFill>
+          <a:blip r:embed="rId2"/>
+          <a:stretch>
+            <a:fillRect/>
+          </a:stretch>
+        </p:blipFill>
+        <p:spPr>
+          <a:xfrm>
+            <a:off x="0" y="3829050"/>
+            <a:ext cx="6191250" cy="3028950"/>
+          </a:xfrm>
+          <a:prstGeom prst="rect">
+            <a:avLst/>
+          </a:prstGeom>
+        </p:spPr>
+      </p:pic>
+      <p:pic>
+        <p:nvPicPr>
+          <p:cNvPr id="5" name="Рисунок 4">
+            <a:extLst>
+              <a:ext uri="{FF2B5EF4-FFF2-40B4-BE49-F238E27FC236}">
+                <a16:creationId xmlns:a16="http://schemas.microsoft.com/office/drawing/2014/main" id="{3154B6E0-26BB-4C8B-9AF8-FE872BBA0A48}"/>
+              </a:ext>
+            </a:extLst>
+          </p:cNvPr>
+          <p:cNvPicPr>
+            <a:picLocks noChangeAspect="1"/>
+          </p:cNvPicPr>
+          <p:nvPr/>
+        </p:nvPicPr>
+        <p:blipFill>
+          <a:blip r:embed="rId3"/>
+          <a:stretch>
+            <a:fillRect/>
+          </a:stretch>
+        </p:blipFill>
+        <p:spPr>
+          <a:xfrm>
+            <a:off x="6096000" y="3829050"/>
+            <a:ext cx="6172200" cy="1162050"/>
+          </a:xfrm>
+          <a:prstGeom prst="rect">
+            <a:avLst/>
+          </a:prstGeom>
+        </p:spPr>
+      </p:pic>
+      <p:pic>
+        <p:nvPicPr>
+          <p:cNvPr id="6" name="Рисунок 5">
+            <a:extLst>
+              <a:ext uri="{FF2B5EF4-FFF2-40B4-BE49-F238E27FC236}">
+                <a16:creationId xmlns:a16="http://schemas.microsoft.com/office/drawing/2014/main" id="{C41C1613-0294-4C29-8C18-BFE82B53DAA8}"/>
+              </a:ext>
+            </a:extLst>
+          </p:cNvPr>
+          <p:cNvPicPr>
+            <a:picLocks noChangeAspect="1"/>
+          </p:cNvPicPr>
+          <p:nvPr/>
+        </p:nvPicPr>
+        <p:blipFill>
+          <a:blip r:embed="rId4"/>
+          <a:stretch>
+            <a:fillRect/>
+          </a:stretch>
+        </p:blipFill>
+        <p:spPr>
+          <a:xfrm>
+            <a:off x="6191250" y="4975027"/>
+            <a:ext cx="6115050" cy="2133600"/>
+          </a:xfrm>
+          <a:prstGeom prst="rect">
+            <a:avLst/>
+          </a:prstGeom>
+        </p:spPr>
+      </p:pic>
     </p:spTree>
     <p:extLst>
       <p:ext uri="{BB962C8B-B14F-4D97-AF65-F5344CB8AC3E}">
